--- a/GestaoFinancaPessoal/GestaoFinancaPessoal/Documentos/Entrega-02/TestesAceitaçãoUS08.pptx
+++ b/GestaoFinancaPessoal/GestaoFinancaPessoal/Documentos/Entrega-02/TestesAceitaçãoUS08.pptx
@@ -10,7 +10,6 @@
     <p:sldId id="456" r:id="rId4"/>
     <p:sldId id="457" r:id="rId5"/>
     <p:sldId id="467" r:id="rId6"/>
-    <p:sldId id="468" r:id="rId7"/>
   </p:sldIdLst>
   <p:sldSz cx="12192000" cy="6858000"/>
   <p:notesSz cx="6858000" cy="9144000"/>
@@ -109,6 +108,11 @@
       </a:defRPr>
     </a:lvl9pPr>
   </p:defaultTextStyle>
+  <p:extLst>
+    <p:ext uri="{EFAFB233-063F-42B5-8137-9DF3F51BA10A}">
+      <p15:sldGuideLst xmlns:p15="http://schemas.microsoft.com/office/powerpoint/2012/main"/>
+    </p:ext>
+  </p:extLst>
 </p:presentation>
 </file>
 
@@ -259,7 +263,7 @@
           <a:p>
             <a:fld id="{5DBB1423-AEA4-4090-9BA0-B10356842659}" type="datetimeFigureOut">
               <a:rPr lang="pt-BR" smtClean="0"/>
-              <a:t>05/05/2019</a:t>
+              <a:t>06/05/2019</a:t>
             </a:fld>
             <a:endParaRPr lang="pt-BR"/>
           </a:p>
@@ -457,7 +461,7 @@
           <a:p>
             <a:fld id="{5DBB1423-AEA4-4090-9BA0-B10356842659}" type="datetimeFigureOut">
               <a:rPr lang="pt-BR" smtClean="0"/>
-              <a:t>05/05/2019</a:t>
+              <a:t>06/05/2019</a:t>
             </a:fld>
             <a:endParaRPr lang="pt-BR"/>
           </a:p>
@@ -665,7 +669,7 @@
           <a:p>
             <a:fld id="{5DBB1423-AEA4-4090-9BA0-B10356842659}" type="datetimeFigureOut">
               <a:rPr lang="pt-BR" smtClean="0"/>
-              <a:t>05/05/2019</a:t>
+              <a:t>06/05/2019</a:t>
             </a:fld>
             <a:endParaRPr lang="pt-BR"/>
           </a:p>
@@ -863,7 +867,7 @@
           <a:p>
             <a:fld id="{5DBB1423-AEA4-4090-9BA0-B10356842659}" type="datetimeFigureOut">
               <a:rPr lang="pt-BR" smtClean="0"/>
-              <a:t>05/05/2019</a:t>
+              <a:t>06/05/2019</a:t>
             </a:fld>
             <a:endParaRPr lang="pt-BR"/>
           </a:p>
@@ -1138,7 +1142,7 @@
           <a:p>
             <a:fld id="{5DBB1423-AEA4-4090-9BA0-B10356842659}" type="datetimeFigureOut">
               <a:rPr lang="pt-BR" smtClean="0"/>
-              <a:t>05/05/2019</a:t>
+              <a:t>06/05/2019</a:t>
             </a:fld>
             <a:endParaRPr lang="pt-BR"/>
           </a:p>
@@ -1403,7 +1407,7 @@
           <a:p>
             <a:fld id="{5DBB1423-AEA4-4090-9BA0-B10356842659}" type="datetimeFigureOut">
               <a:rPr lang="pt-BR" smtClean="0"/>
-              <a:t>05/05/2019</a:t>
+              <a:t>06/05/2019</a:t>
             </a:fld>
             <a:endParaRPr lang="pt-BR"/>
           </a:p>
@@ -1815,7 +1819,7 @@
           <a:p>
             <a:fld id="{5DBB1423-AEA4-4090-9BA0-B10356842659}" type="datetimeFigureOut">
               <a:rPr lang="pt-BR" smtClean="0"/>
-              <a:t>05/05/2019</a:t>
+              <a:t>06/05/2019</a:t>
             </a:fld>
             <a:endParaRPr lang="pt-BR"/>
           </a:p>
@@ -1956,7 +1960,7 @@
           <a:p>
             <a:fld id="{5DBB1423-AEA4-4090-9BA0-B10356842659}" type="datetimeFigureOut">
               <a:rPr lang="pt-BR" smtClean="0"/>
-              <a:t>05/05/2019</a:t>
+              <a:t>06/05/2019</a:t>
             </a:fld>
             <a:endParaRPr lang="pt-BR"/>
           </a:p>
@@ -2069,7 +2073,7 @@
           <a:p>
             <a:fld id="{5DBB1423-AEA4-4090-9BA0-B10356842659}" type="datetimeFigureOut">
               <a:rPr lang="pt-BR" smtClean="0"/>
-              <a:t>05/05/2019</a:t>
+              <a:t>06/05/2019</a:t>
             </a:fld>
             <a:endParaRPr lang="pt-BR"/>
           </a:p>
@@ -2380,7 +2384,7 @@
           <a:p>
             <a:fld id="{5DBB1423-AEA4-4090-9BA0-B10356842659}" type="datetimeFigureOut">
               <a:rPr lang="pt-BR" smtClean="0"/>
-              <a:t>05/05/2019</a:t>
+              <a:t>06/05/2019</a:t>
             </a:fld>
             <a:endParaRPr lang="pt-BR"/>
           </a:p>
@@ -2668,7 +2672,7 @@
           <a:p>
             <a:fld id="{5DBB1423-AEA4-4090-9BA0-B10356842659}" type="datetimeFigureOut">
               <a:rPr lang="pt-BR" smtClean="0"/>
-              <a:t>05/05/2019</a:t>
+              <a:t>06/05/2019</a:t>
             </a:fld>
             <a:endParaRPr lang="pt-BR"/>
           </a:p>
@@ -2909,7 +2913,7 @@
           <a:p>
             <a:fld id="{5DBB1423-AEA4-4090-9BA0-B10356842659}" type="datetimeFigureOut">
               <a:rPr lang="pt-BR" smtClean="0"/>
-              <a:t>05/05/2019</a:t>
+              <a:t>06/05/2019</a:t>
             </a:fld>
             <a:endParaRPr lang="pt-BR"/>
           </a:p>
@@ -3376,28 +3380,30 @@
           <p:nvPr>
             <p:extLst>
               <p:ext uri="{D42A27DB-BD31-4B8C-83A1-F6EECF244321}">
-                <p14:modId xmlns:p14="http://schemas.microsoft.com/office/powerpoint/2010/main" val="3109935452"/>
+                <p14:modId xmlns:p14="http://schemas.microsoft.com/office/powerpoint/2010/main" val="170918024"/>
               </p:ext>
             </p:extLst>
           </p:nvPr>
         </p:nvGraphicFramePr>
         <p:xfrm>
-          <a:off x="3468670" y="2048451"/>
-          <a:ext cx="5254660" cy="2761099"/>
+          <a:off x="3396000" y="1989000"/>
+          <a:ext cx="5400000" cy="2880001"/>
         </p:xfrm>
         <a:graphic>
           <a:graphicData uri="http://schemas.openxmlformats.org/drawingml/2006/table">
             <a:tbl>
-              <a:tblPr/>
+              <a:tblPr>
+                <a:tableStyleId>{69CF1AB2-1976-4502-BF36-3FF5EA218861}</a:tableStyleId>
+              </a:tblPr>
               <a:tblGrid>
-                <a:gridCol w="2539903">
+                <a:gridCol w="2610155">
                   <a:extLst>
                     <a:ext uri="{9D8B030D-6E8A-4147-A177-3AD203B41FA5}">
                       <a16:colId xmlns:a16="http://schemas.microsoft.com/office/drawing/2014/main" val="2980957635"/>
                     </a:ext>
                   </a:extLst>
                 </a:gridCol>
-                <a:gridCol w="2714757">
+                <a:gridCol w="2789845">
                   <a:extLst>
                     <a:ext uri="{9D8B030D-6E8A-4147-A177-3AD203B41FA5}">
                       <a16:colId xmlns:a16="http://schemas.microsoft.com/office/drawing/2014/main" val="2234031304"/>
@@ -3405,7 +3411,7 @@
                   </a:extLst>
                 </a:gridCol>
               </a:tblGrid>
-              <a:tr h="361646">
+              <a:tr h="377220">
                 <a:tc gridSpan="2">
                   <a:txBody>
                     <a:bodyPr/>
@@ -3798,63 +3804,31 @@
                         </a:tabLst>
                       </a:pPr>
                       <a:r>
-                        <a:rPr kumimoji="0" lang="pt-BR" altLang="pt-BR" sz="1100" b="0" i="0" u="none" strike="noStrike" cap="none" normalizeH="0" baseline="0" dirty="0">
+                        <a:rPr kumimoji="0" lang="pt-BR" altLang="pt-BR" sz="1100" u="none" strike="noStrike" cap="none" normalizeH="0" baseline="0" dirty="0">
                           <a:ln>
                             <a:noFill/>
                           </a:ln>
-                          <a:solidFill>
-                            <a:srgbClr val="FFFFFF"/>
-                          </a:solidFill>
                           <a:effectLst/>
                           <a:latin typeface="Arial" panose="020B0604020202020204" pitchFamily="34" charset="0"/>
-                          <a:ea typeface="MS PGothic" panose="020B0600070205080204" pitchFamily="34" charset="-128"/>
                           <a:cs typeface="Arial" panose="020B0604020202020204" pitchFamily="34" charset="0"/>
                         </a:rPr>
                         <a:t>CT08.1 – Visualizar lançamentos por Período.</a:t>
                       </a:r>
+                      <a:endParaRPr kumimoji="0" lang="pt-BR" altLang="pt-BR" sz="1100" b="0" i="0" u="none" strike="noStrike" cap="none" normalizeH="0" baseline="0" dirty="0">
+                        <a:ln>
+                          <a:noFill/>
+                        </a:ln>
+                        <a:solidFill>
+                          <a:srgbClr val="FFFFFF"/>
+                        </a:solidFill>
+                        <a:effectLst/>
+                        <a:latin typeface="Arial" panose="020B0604020202020204" pitchFamily="34" charset="0"/>
+                        <a:ea typeface="MS PGothic" panose="020B0600070205080204" pitchFamily="34" charset="-128"/>
+                        <a:cs typeface="Arial" panose="020B0604020202020204" pitchFamily="34" charset="0"/>
+                      </a:endParaRPr>
                     </a:p>
                   </a:txBody>
-                  <a:tcPr marL="53410" marR="53410" marT="29903" marB="27126" horzOverflow="overflow">
-                    <a:lnL w="720" cap="flat" cmpd="sng" algn="ctr">
-                      <a:solidFill>
-                        <a:srgbClr val="FFFFFF"/>
-                      </a:solidFill>
-                      <a:prstDash val="solid"/>
-                      <a:round/>
-                      <a:headEnd type="none" w="med" len="med"/>
-                      <a:tailEnd type="none" w="med" len="med"/>
-                    </a:lnL>
-                    <a:lnR>
-                      <a:noFill/>
-                    </a:lnR>
-                    <a:lnT w="720" cap="flat" cmpd="sng" algn="ctr">
-                      <a:solidFill>
-                        <a:srgbClr val="FFFFFF"/>
-                      </a:solidFill>
-                      <a:prstDash val="solid"/>
-                      <a:round/>
-                      <a:headEnd type="none" w="med" len="med"/>
-                      <a:tailEnd type="none" w="med" len="med"/>
-                    </a:lnT>
-                    <a:lnB w="720" cap="flat" cmpd="sng" algn="ctr">
-                      <a:solidFill>
-                        <a:srgbClr val="FFFFFF"/>
-                      </a:solidFill>
-                      <a:prstDash val="solid"/>
-                      <a:round/>
-                      <a:headEnd type="none" w="med" len="med"/>
-                      <a:tailEnd type="none" w="med" len="med"/>
-                    </a:lnB>
-                    <a:lnTlToBr>
-                      <a:noFill/>
-                    </a:lnTlToBr>
-                    <a:lnBlToTr>
-                      <a:noFill/>
-                    </a:lnBlToTr>
-                    <a:solidFill>
-                      <a:srgbClr val="80B5E2"/>
-                    </a:solidFill>
-                  </a:tcPr>
+                  <a:tcPr marL="53410" marR="53410" marT="29903" marB="27126" horzOverflow="overflow"/>
                 </a:tc>
                 <a:tc hMerge="1">
                   <a:txBody>
@@ -3872,7 +3846,7 @@
                   </a:ext>
                 </a:extLst>
               </a:tr>
-              <a:tr h="536265">
+              <a:tr h="559358">
                 <a:tc gridSpan="2">
                   <a:txBody>
                     <a:bodyPr/>
@@ -4265,63 +4239,31 @@
                         </a:tabLst>
                       </a:pPr>
                       <a:r>
-                        <a:rPr kumimoji="0" lang="pt-BR" altLang="pt-BR" sz="1100" b="0" i="0" u="none" strike="noStrike" cap="none" normalizeH="0" baseline="0" dirty="0">
+                        <a:rPr kumimoji="0" lang="pt-BR" altLang="pt-BR" sz="1100" u="none" strike="noStrike" cap="none" normalizeH="0" baseline="0" dirty="0">
                           <a:ln>
                             <a:noFill/>
                           </a:ln>
-                          <a:solidFill>
-                            <a:srgbClr val="000000"/>
-                          </a:solidFill>
                           <a:effectLst/>
                           <a:latin typeface="Arial" panose="020B0604020202020204" pitchFamily="34" charset="0"/>
-                          <a:ea typeface="MS PGothic" panose="020B0600070205080204" pitchFamily="34" charset="-128"/>
                           <a:cs typeface="Arial" panose="020B0604020202020204" pitchFamily="34" charset="0"/>
                         </a:rPr>
                         <a:t>Pré-condição: O usuário deve estar autenticado no sistema.</a:t>
                       </a:r>
+                      <a:endParaRPr kumimoji="0" lang="pt-BR" altLang="pt-BR" sz="1100" b="0" i="0" u="none" strike="noStrike" cap="none" normalizeH="0" baseline="0" dirty="0">
+                        <a:ln>
+                          <a:noFill/>
+                        </a:ln>
+                        <a:solidFill>
+                          <a:srgbClr val="000000"/>
+                        </a:solidFill>
+                        <a:effectLst/>
+                        <a:latin typeface="Arial" panose="020B0604020202020204" pitchFamily="34" charset="0"/>
+                        <a:ea typeface="MS PGothic" panose="020B0600070205080204" pitchFamily="34" charset="-128"/>
+                        <a:cs typeface="Arial" panose="020B0604020202020204" pitchFamily="34" charset="0"/>
+                      </a:endParaRPr>
                     </a:p>
                   </a:txBody>
-                  <a:tcPr marL="53410" marR="53410" marT="29903" marB="27126" horzOverflow="overflow">
-                    <a:lnL w="720" cap="flat" cmpd="sng" algn="ctr">
-                      <a:solidFill>
-                        <a:srgbClr val="FFFFFF"/>
-                      </a:solidFill>
-                      <a:prstDash val="solid"/>
-                      <a:round/>
-                      <a:headEnd type="none" w="med" len="med"/>
-                      <a:tailEnd type="none" w="med" len="med"/>
-                    </a:lnL>
-                    <a:lnR>
-                      <a:noFill/>
-                    </a:lnR>
-                    <a:lnT w="720" cap="flat" cmpd="sng" algn="ctr">
-                      <a:solidFill>
-                        <a:srgbClr val="FFFFFF"/>
-                      </a:solidFill>
-                      <a:prstDash val="solid"/>
-                      <a:round/>
-                      <a:headEnd type="none" w="med" len="med"/>
-                      <a:tailEnd type="none" w="med" len="med"/>
-                    </a:lnT>
-                    <a:lnB w="720" cap="flat" cmpd="sng" algn="ctr">
-                      <a:solidFill>
-                        <a:srgbClr val="FFFFFF"/>
-                      </a:solidFill>
-                      <a:prstDash val="solid"/>
-                      <a:round/>
-                      <a:headEnd type="none" w="med" len="med"/>
-                      <a:tailEnd type="none" w="med" len="med"/>
-                    </a:lnB>
-                    <a:lnTlToBr>
-                      <a:noFill/>
-                    </a:lnTlToBr>
-                    <a:lnBlToTr>
-                      <a:noFill/>
-                    </a:lnBlToTr>
-                    <a:solidFill>
-                      <a:srgbClr val="CCD1E1"/>
-                    </a:solidFill>
-                  </a:tcPr>
+                  <a:tcPr marL="53410" marR="53410" marT="29903" marB="27126" horzOverflow="overflow"/>
                 </a:tc>
                 <a:tc hMerge="1">
                   <a:txBody>
@@ -4339,7 +4281,7 @@
                   </a:ext>
                 </a:extLst>
               </a:tr>
-              <a:tr h="280098">
+              <a:tr h="292160">
                 <a:tc>
                   <a:txBody>
                     <a:bodyPr/>
@@ -4732,69 +4674,31 @@
                         </a:tabLst>
                       </a:pPr>
                       <a:r>
-                        <a:rPr kumimoji="0" lang="pt-BR" altLang="pt-BR" sz="1100" b="0" i="1" u="none" strike="noStrike" cap="none" normalizeH="0" baseline="0">
+                        <a:rPr kumimoji="0" lang="pt-BR" altLang="pt-BR" sz="1100" u="none" strike="noStrike" cap="none" normalizeH="0" baseline="0">
                           <a:ln>
                             <a:noFill/>
                           </a:ln>
-                          <a:solidFill>
-                            <a:srgbClr val="2469A6"/>
-                          </a:solidFill>
                           <a:effectLst/>
                           <a:latin typeface="Arial" panose="020B0604020202020204" pitchFamily="34" charset="0"/>
-                          <a:ea typeface="MS PGothic" panose="020B0600070205080204" pitchFamily="34" charset="-128"/>
                           <a:cs typeface="Arial" panose="020B0604020202020204" pitchFamily="34" charset="0"/>
                         </a:rPr>
                         <a:t>Procedimentos</a:t>
                       </a:r>
+                      <a:endParaRPr kumimoji="0" lang="pt-BR" altLang="pt-BR" sz="1100" b="0" i="1" u="none" strike="noStrike" cap="none" normalizeH="0" baseline="0">
+                        <a:ln>
+                          <a:noFill/>
+                        </a:ln>
+                        <a:solidFill>
+                          <a:srgbClr val="2469A6"/>
+                        </a:solidFill>
+                        <a:effectLst/>
+                        <a:latin typeface="Arial" panose="020B0604020202020204" pitchFamily="34" charset="0"/>
+                        <a:ea typeface="MS PGothic" panose="020B0600070205080204" pitchFamily="34" charset="-128"/>
+                        <a:cs typeface="Arial" panose="020B0604020202020204" pitchFamily="34" charset="0"/>
+                      </a:endParaRPr>
                     </a:p>
                   </a:txBody>
-                  <a:tcPr marL="53410" marR="53410" marT="29476" marB="27126" horzOverflow="overflow">
-                    <a:lnL w="720" cap="flat" cmpd="sng" algn="ctr">
-                      <a:solidFill>
-                        <a:srgbClr val="FFFFFF"/>
-                      </a:solidFill>
-                      <a:prstDash val="solid"/>
-                      <a:round/>
-                      <a:headEnd type="none" w="med" len="med"/>
-                      <a:tailEnd type="none" w="med" len="med"/>
-                    </a:lnL>
-                    <a:lnR w="720" cap="flat" cmpd="sng" algn="ctr">
-                      <a:solidFill>
-                        <a:srgbClr val="FFFFFF"/>
-                      </a:solidFill>
-                      <a:prstDash val="solid"/>
-                      <a:round/>
-                      <a:headEnd type="none" w="med" len="med"/>
-                      <a:tailEnd type="none" w="med" len="med"/>
-                    </a:lnR>
-                    <a:lnT w="720" cap="flat" cmpd="sng" algn="ctr">
-                      <a:solidFill>
-                        <a:srgbClr val="FFFFFF"/>
-                      </a:solidFill>
-                      <a:prstDash val="solid"/>
-                      <a:round/>
-                      <a:headEnd type="none" w="med" len="med"/>
-                      <a:tailEnd type="none" w="med" len="med"/>
-                    </a:lnT>
-                    <a:lnB w="720" cap="flat" cmpd="sng" algn="ctr">
-                      <a:solidFill>
-                        <a:srgbClr val="FFFFFF"/>
-                      </a:solidFill>
-                      <a:prstDash val="solid"/>
-                      <a:round/>
-                      <a:headEnd type="none" w="med" len="med"/>
-                      <a:tailEnd type="none" w="med" len="med"/>
-                    </a:lnB>
-                    <a:lnTlToBr>
-                      <a:noFill/>
-                    </a:lnTlToBr>
-                    <a:lnBlToTr>
-                      <a:noFill/>
-                    </a:lnBlToTr>
-                    <a:solidFill>
-                      <a:srgbClr val="E8E9F1"/>
-                    </a:solidFill>
-                  </a:tcPr>
+                  <a:tcPr marL="53410" marR="53410" marT="29476" marB="27126" horzOverflow="overflow"/>
                 </a:tc>
                 <a:tc>
                   <a:txBody>
@@ -5188,63 +5092,31 @@
                         </a:tabLst>
                       </a:pPr>
                       <a:r>
-                        <a:rPr kumimoji="0" lang="pt-BR" altLang="pt-BR" sz="1100" b="0" i="1" u="none" strike="noStrike" cap="none" normalizeH="0" baseline="0">
+                        <a:rPr kumimoji="0" lang="pt-BR" altLang="pt-BR" sz="1100" u="none" strike="noStrike" cap="none" normalizeH="0" baseline="0">
                           <a:ln>
                             <a:noFill/>
                           </a:ln>
-                          <a:solidFill>
-                            <a:srgbClr val="2469A6"/>
-                          </a:solidFill>
                           <a:effectLst/>
                           <a:latin typeface="Arial" panose="020B0604020202020204" pitchFamily="34" charset="0"/>
-                          <a:ea typeface="MS PGothic" panose="020B0600070205080204" pitchFamily="34" charset="-128"/>
                           <a:cs typeface="Arial" panose="020B0604020202020204" pitchFamily="34" charset="0"/>
                         </a:rPr>
                         <a:t>Resultado Esperado</a:t>
                       </a:r>
+                      <a:endParaRPr kumimoji="0" lang="pt-BR" altLang="pt-BR" sz="1100" b="0" i="1" u="none" strike="noStrike" cap="none" normalizeH="0" baseline="0">
+                        <a:ln>
+                          <a:noFill/>
+                        </a:ln>
+                        <a:solidFill>
+                          <a:srgbClr val="2469A6"/>
+                        </a:solidFill>
+                        <a:effectLst/>
+                        <a:latin typeface="Arial" panose="020B0604020202020204" pitchFamily="34" charset="0"/>
+                        <a:ea typeface="MS PGothic" panose="020B0600070205080204" pitchFamily="34" charset="-128"/>
+                        <a:cs typeface="Arial" panose="020B0604020202020204" pitchFamily="34" charset="0"/>
+                      </a:endParaRPr>
                     </a:p>
                   </a:txBody>
-                  <a:tcPr marL="53410" marR="53410" marT="29476" marB="27126" horzOverflow="overflow">
-                    <a:lnL w="720" cap="flat" cmpd="sng" algn="ctr">
-                      <a:solidFill>
-                        <a:srgbClr val="FFFFFF"/>
-                      </a:solidFill>
-                      <a:prstDash val="solid"/>
-                      <a:round/>
-                      <a:headEnd type="none" w="med" len="med"/>
-                      <a:tailEnd type="none" w="med" len="med"/>
-                    </a:lnL>
-                    <a:lnR w="720" cap="flat" cmpd="sng" algn="ctr">
-                      <a:solidFill>
-                        <a:srgbClr val="FFFFFF"/>
-                      </a:solidFill>
-                      <a:prstDash val="solid"/>
-                      <a:round/>
-                      <a:headEnd type="none" w="med" len="med"/>
-                      <a:tailEnd type="none" w="med" len="med"/>
-                    </a:lnR>
-                    <a:lnT>
-                      <a:noFill/>
-                    </a:lnT>
-                    <a:lnB w="720" cap="flat" cmpd="sng" algn="ctr">
-                      <a:solidFill>
-                        <a:srgbClr val="FFFFFF"/>
-                      </a:solidFill>
-                      <a:prstDash val="solid"/>
-                      <a:round/>
-                      <a:headEnd type="none" w="med" len="med"/>
-                      <a:tailEnd type="none" w="med" len="med"/>
-                    </a:lnB>
-                    <a:lnTlToBr>
-                      <a:noFill/>
-                    </a:lnTlToBr>
-                    <a:lnBlToTr>
-                      <a:noFill/>
-                    </a:lnBlToTr>
-                    <a:solidFill>
-                      <a:srgbClr val="E8E9F1"/>
-                    </a:solidFill>
-                  </a:tcPr>
+                  <a:tcPr marL="53410" marR="53410" marT="29476" marB="27126" horzOverflow="overflow"/>
                 </a:tc>
                 <a:extLst>
                   <a:ext uri="{0D108BD9-81ED-4DB2-BD59-A6C34878D82A}">
@@ -5252,7 +5124,7 @@
                   </a:ext>
                 </a:extLst>
               </a:tr>
-              <a:tr h="613381">
+              <a:tr h="639795">
                 <a:tc>
                   <a:txBody>
                     <a:bodyPr/>
@@ -5645,69 +5517,31 @@
                         </a:tabLst>
                       </a:pPr>
                       <a:r>
-                        <a:rPr kumimoji="0" lang="pt-BR" altLang="pt-BR" sz="1100" b="0" i="0" u="none" strike="noStrike" cap="none" normalizeH="0" baseline="0" dirty="0">
+                        <a:rPr kumimoji="0" lang="pt-BR" altLang="pt-BR" sz="1100" u="none" strike="noStrike" cap="none" normalizeH="0" baseline="0" dirty="0">
                           <a:ln>
                             <a:noFill/>
                           </a:ln>
-                          <a:solidFill>
-                            <a:srgbClr val="000000"/>
-                          </a:solidFill>
                           <a:effectLst/>
                           <a:latin typeface="Arial" panose="020B0604020202020204" pitchFamily="34" charset="0"/>
-                          <a:ea typeface="MS PGothic" panose="020B0600070205080204" pitchFamily="34" charset="-128"/>
                           <a:cs typeface="Arial" panose="020B0604020202020204" pitchFamily="34" charset="0"/>
                         </a:rPr>
-                        <a:t>1. Escolher o filtro “Período”</a:t>
+                        <a:t>1. Em lançamentos clicar em “Busca Avançada”.</a:t>
                       </a:r>
+                      <a:endParaRPr kumimoji="0" lang="pt-BR" altLang="pt-BR" sz="1100" b="0" i="0" u="none" strike="noStrike" cap="none" normalizeH="0" baseline="0" dirty="0">
+                        <a:ln>
+                          <a:noFill/>
+                        </a:ln>
+                        <a:solidFill>
+                          <a:srgbClr val="000000"/>
+                        </a:solidFill>
+                        <a:effectLst/>
+                        <a:latin typeface="Arial" panose="020B0604020202020204" pitchFamily="34" charset="0"/>
+                        <a:ea typeface="MS PGothic" panose="020B0600070205080204" pitchFamily="34" charset="-128"/>
+                        <a:cs typeface="Arial" panose="020B0604020202020204" pitchFamily="34" charset="0"/>
+                      </a:endParaRPr>
                     </a:p>
                   </a:txBody>
-                  <a:tcPr marL="53410" marR="53410" marT="29262" marB="27126" horzOverflow="overflow">
-                    <a:lnL w="720" cap="flat" cmpd="sng" algn="ctr">
-                      <a:solidFill>
-                        <a:srgbClr val="FFFFFF"/>
-                      </a:solidFill>
-                      <a:prstDash val="solid"/>
-                      <a:round/>
-                      <a:headEnd type="none" w="med" len="med"/>
-                      <a:tailEnd type="none" w="med" len="med"/>
-                    </a:lnL>
-                    <a:lnR w="720" cap="flat" cmpd="sng" algn="ctr">
-                      <a:solidFill>
-                        <a:srgbClr val="FFFFFF"/>
-                      </a:solidFill>
-                      <a:prstDash val="solid"/>
-                      <a:round/>
-                      <a:headEnd type="none" w="med" len="med"/>
-                      <a:tailEnd type="none" w="med" len="med"/>
-                    </a:lnR>
-                    <a:lnT w="720" cap="flat" cmpd="sng" algn="ctr">
-                      <a:solidFill>
-                        <a:srgbClr val="FFFFFF"/>
-                      </a:solidFill>
-                      <a:prstDash val="solid"/>
-                      <a:round/>
-                      <a:headEnd type="none" w="med" len="med"/>
-                      <a:tailEnd type="none" w="med" len="med"/>
-                    </a:lnT>
-                    <a:lnB w="720" cap="flat" cmpd="sng" algn="ctr">
-                      <a:solidFill>
-                        <a:srgbClr val="FFFFFF"/>
-                      </a:solidFill>
-                      <a:prstDash val="solid"/>
-                      <a:round/>
-                      <a:headEnd type="none" w="med" len="med"/>
-                      <a:tailEnd type="none" w="med" len="med"/>
-                    </a:lnB>
-                    <a:lnTlToBr>
-                      <a:noFill/>
-                    </a:lnTlToBr>
-                    <a:lnBlToTr>
-                      <a:noFill/>
-                    </a:lnBlToTr>
-                    <a:solidFill>
-                      <a:srgbClr val="CCD1E1"/>
-                    </a:solidFill>
-                  </a:tcPr>
+                  <a:tcPr marL="53410" marR="53410" marT="29262" marB="27126" horzOverflow="overflow"/>
                 </a:tc>
                 <a:tc>
                   <a:txBody>
@@ -6101,69 +5935,31 @@
                         </a:tabLst>
                       </a:pPr>
                       <a:r>
-                        <a:rPr kumimoji="0" lang="pt-BR" altLang="pt-BR" sz="1100" b="0" i="0" u="none" strike="noStrike" cap="none" normalizeH="0" baseline="0" dirty="0">
+                        <a:rPr kumimoji="0" lang="pt-BR" altLang="pt-BR" sz="1100" u="none" strike="noStrike" cap="none" normalizeH="0" baseline="0" dirty="0">
                           <a:ln>
                             <a:noFill/>
                           </a:ln>
-                          <a:solidFill>
-                            <a:srgbClr val="000000"/>
-                          </a:solidFill>
                           <a:effectLst/>
                           <a:latin typeface="Arial" panose="020B0604020202020204" pitchFamily="34" charset="0"/>
-                          <a:ea typeface="MS PGothic" panose="020B0600070205080204" pitchFamily="34" charset="-128"/>
                           <a:cs typeface="Arial" panose="020B0604020202020204" pitchFamily="34" charset="0"/>
                         </a:rPr>
-                        <a:t>Deve aparecer uma tela solicitando as informações do período.</a:t>
+                        <a:t>Deve aparecer uma tela solicitando as informações para filtro.</a:t>
                       </a:r>
+                      <a:endParaRPr kumimoji="0" lang="pt-BR" altLang="pt-BR" sz="1100" b="0" i="0" u="none" strike="noStrike" cap="none" normalizeH="0" baseline="0" dirty="0">
+                        <a:ln>
+                          <a:noFill/>
+                        </a:ln>
+                        <a:solidFill>
+                          <a:srgbClr val="000000"/>
+                        </a:solidFill>
+                        <a:effectLst/>
+                        <a:latin typeface="Arial" panose="020B0604020202020204" pitchFamily="34" charset="0"/>
+                        <a:ea typeface="MS PGothic" panose="020B0600070205080204" pitchFamily="34" charset="-128"/>
+                        <a:cs typeface="Arial" panose="020B0604020202020204" pitchFamily="34" charset="0"/>
+                      </a:endParaRPr>
                     </a:p>
                   </a:txBody>
-                  <a:tcPr marL="53410" marR="53410" marT="29262" marB="27126" horzOverflow="overflow">
-                    <a:lnL w="720" cap="flat" cmpd="sng" algn="ctr">
-                      <a:solidFill>
-                        <a:srgbClr val="FFFFFF"/>
-                      </a:solidFill>
-                      <a:prstDash val="solid"/>
-                      <a:round/>
-                      <a:headEnd type="none" w="med" len="med"/>
-                      <a:tailEnd type="none" w="med" len="med"/>
-                    </a:lnL>
-                    <a:lnR w="720" cap="flat" cmpd="sng" algn="ctr">
-                      <a:solidFill>
-                        <a:srgbClr val="FFFFFF"/>
-                      </a:solidFill>
-                      <a:prstDash val="solid"/>
-                      <a:round/>
-                      <a:headEnd type="none" w="med" len="med"/>
-                      <a:tailEnd type="none" w="med" len="med"/>
-                    </a:lnR>
-                    <a:lnT w="720" cap="flat" cmpd="sng" algn="ctr">
-                      <a:solidFill>
-                        <a:srgbClr val="FFFFFF"/>
-                      </a:solidFill>
-                      <a:prstDash val="solid"/>
-                      <a:round/>
-                      <a:headEnd type="none" w="med" len="med"/>
-                      <a:tailEnd type="none" w="med" len="med"/>
-                    </a:lnT>
-                    <a:lnB w="720" cap="flat" cmpd="sng" algn="ctr">
-                      <a:solidFill>
-                        <a:srgbClr val="FFFFFF"/>
-                      </a:solidFill>
-                      <a:prstDash val="solid"/>
-                      <a:round/>
-                      <a:headEnd type="none" w="med" len="med"/>
-                      <a:tailEnd type="none" w="med" len="med"/>
-                    </a:lnB>
-                    <a:lnTlToBr>
-                      <a:noFill/>
-                    </a:lnTlToBr>
-                    <a:lnBlToTr>
-                      <a:noFill/>
-                    </a:lnBlToTr>
-                    <a:solidFill>
-                      <a:srgbClr val="CCD1E1"/>
-                    </a:solidFill>
-                  </a:tcPr>
+                  <a:tcPr marL="53410" marR="53410" marT="29262" marB="27126" horzOverflow="overflow"/>
                 </a:tc>
                 <a:extLst>
                   <a:ext uri="{0D108BD9-81ED-4DB2-BD59-A6C34878D82A}">
@@ -6171,7 +5967,7 @@
                   </a:ext>
                 </a:extLst>
               </a:tr>
-              <a:tr h="969709">
+              <a:tr h="1011468">
                 <a:tc>
                   <a:txBody>
                     <a:bodyPr/>
@@ -6564,69 +6360,31 @@
                         </a:tabLst>
                       </a:pPr>
                       <a:r>
-                        <a:rPr kumimoji="0" lang="pt-BR" altLang="pt-BR" sz="1100" b="0" i="0" u="none" strike="noStrike" cap="none" normalizeH="0" baseline="0" dirty="0">
+                        <a:rPr kumimoji="0" lang="pt-BR" altLang="pt-BR" sz="1100" u="none" strike="noStrike" cap="none" normalizeH="0" baseline="0" dirty="0">
                           <a:ln>
                             <a:noFill/>
                           </a:ln>
-                          <a:solidFill>
-                            <a:srgbClr val="000000"/>
-                          </a:solidFill>
                           <a:effectLst/>
                           <a:latin typeface="Arial" panose="020B0604020202020204" pitchFamily="34" charset="0"/>
-                          <a:ea typeface="MS PGothic" panose="020B0600070205080204" pitchFamily="34" charset="-128"/>
                           <a:cs typeface="Arial" panose="020B0604020202020204" pitchFamily="34" charset="0"/>
                         </a:rPr>
-                        <a:t>2. Informar o período e finalizar o procedimento escolhendo “Buscar”.</a:t>
+                        <a:t>2. Informar a “Data Inicial” e “Data Final” e então finalizar o procedimento escolhendo “Buscar”.</a:t>
                       </a:r>
+                      <a:endParaRPr kumimoji="0" lang="pt-BR" altLang="pt-BR" sz="1100" b="0" i="0" u="none" strike="noStrike" cap="none" normalizeH="0" baseline="0" dirty="0">
+                        <a:ln>
+                          <a:noFill/>
+                        </a:ln>
+                        <a:solidFill>
+                          <a:srgbClr val="000000"/>
+                        </a:solidFill>
+                        <a:effectLst/>
+                        <a:latin typeface="Arial" panose="020B0604020202020204" pitchFamily="34" charset="0"/>
+                        <a:ea typeface="MS PGothic" panose="020B0600070205080204" pitchFamily="34" charset="-128"/>
+                        <a:cs typeface="Arial" panose="020B0604020202020204" pitchFamily="34" charset="0"/>
+                      </a:endParaRPr>
                     </a:p>
                   </a:txBody>
-                  <a:tcPr marL="53410" marR="53410" marT="29262" marB="27126" horzOverflow="overflow">
-                    <a:lnL w="720" cap="flat" cmpd="sng" algn="ctr">
-                      <a:solidFill>
-                        <a:srgbClr val="FFFFFF"/>
-                      </a:solidFill>
-                      <a:prstDash val="solid"/>
-                      <a:round/>
-                      <a:headEnd type="none" w="med" len="med"/>
-                      <a:tailEnd type="none" w="med" len="med"/>
-                    </a:lnL>
-                    <a:lnR w="720" cap="flat" cmpd="sng" algn="ctr">
-                      <a:solidFill>
-                        <a:srgbClr val="FFFFFF"/>
-                      </a:solidFill>
-                      <a:prstDash val="solid"/>
-                      <a:round/>
-                      <a:headEnd type="none" w="med" len="med"/>
-                      <a:tailEnd type="none" w="med" len="med"/>
-                    </a:lnR>
-                    <a:lnT w="720" cap="flat" cmpd="sng" algn="ctr">
-                      <a:solidFill>
-                        <a:srgbClr val="FFFFFF"/>
-                      </a:solidFill>
-                      <a:prstDash val="solid"/>
-                      <a:round/>
-                      <a:headEnd type="none" w="med" len="med"/>
-                      <a:tailEnd type="none" w="med" len="med"/>
-                    </a:lnT>
-                    <a:lnB w="720" cap="flat" cmpd="sng" algn="ctr">
-                      <a:solidFill>
-                        <a:srgbClr val="FFFFFF"/>
-                      </a:solidFill>
-                      <a:prstDash val="solid"/>
-                      <a:round/>
-                      <a:headEnd type="none" w="med" len="med"/>
-                      <a:tailEnd type="none" w="med" len="med"/>
-                    </a:lnB>
-                    <a:lnTlToBr>
-                      <a:noFill/>
-                    </a:lnTlToBr>
-                    <a:lnBlToTr>
-                      <a:noFill/>
-                    </a:lnBlToTr>
-                    <a:solidFill>
-                      <a:srgbClr val="E8E9F1"/>
-                    </a:solidFill>
-                  </a:tcPr>
+                  <a:tcPr marL="53410" marR="53410" marT="29262" marB="27126" horzOverflow="overflow"/>
                 </a:tc>
                 <a:tc>
                   <a:txBody>
@@ -7020,69 +6778,31 @@
                         </a:tabLst>
                       </a:pPr>
                       <a:r>
-                        <a:rPr kumimoji="0" lang="pt-BR" altLang="pt-BR" sz="1100" b="0" i="0" u="none" strike="noStrike" cap="none" normalizeH="0" baseline="0" dirty="0">
+                        <a:rPr kumimoji="0" lang="pt-BR" altLang="pt-BR" sz="1100" u="none" strike="noStrike" cap="none" normalizeH="0" baseline="0" dirty="0">
                           <a:ln>
                             <a:noFill/>
                           </a:ln>
-                          <a:solidFill>
-                            <a:srgbClr val="000000"/>
-                          </a:solidFill>
                           <a:effectLst/>
                           <a:latin typeface="Arial" panose="020B0604020202020204" pitchFamily="34" charset="0"/>
-                          <a:ea typeface="MS PGothic" panose="020B0600070205080204" pitchFamily="34" charset="-128"/>
                           <a:cs typeface="Arial" panose="020B0604020202020204" pitchFamily="34" charset="0"/>
                         </a:rPr>
                         <a:t>Aparece uma tela com a lista de lançamentos dentro do período informado.</a:t>
                       </a:r>
+                      <a:endParaRPr kumimoji="0" lang="pt-BR" altLang="pt-BR" sz="1100" b="0" i="0" u="none" strike="noStrike" cap="none" normalizeH="0" baseline="0" dirty="0">
+                        <a:ln>
+                          <a:noFill/>
+                        </a:ln>
+                        <a:solidFill>
+                          <a:srgbClr val="000000"/>
+                        </a:solidFill>
+                        <a:effectLst/>
+                        <a:latin typeface="Arial" panose="020B0604020202020204" pitchFamily="34" charset="0"/>
+                        <a:ea typeface="MS PGothic" panose="020B0600070205080204" pitchFamily="34" charset="-128"/>
+                        <a:cs typeface="Arial" panose="020B0604020202020204" pitchFamily="34" charset="0"/>
+                      </a:endParaRPr>
                     </a:p>
                   </a:txBody>
-                  <a:tcPr marL="53410" marR="53410" marT="29262" marB="27126" horzOverflow="overflow">
-                    <a:lnL w="720" cap="flat" cmpd="sng" algn="ctr">
-                      <a:solidFill>
-                        <a:srgbClr val="FFFFFF"/>
-                      </a:solidFill>
-                      <a:prstDash val="solid"/>
-                      <a:round/>
-                      <a:headEnd type="none" w="med" len="med"/>
-                      <a:tailEnd type="none" w="med" len="med"/>
-                    </a:lnL>
-                    <a:lnR w="720" cap="flat" cmpd="sng" algn="ctr">
-                      <a:solidFill>
-                        <a:srgbClr val="FFFFFF"/>
-                      </a:solidFill>
-                      <a:prstDash val="solid"/>
-                      <a:round/>
-                      <a:headEnd type="none" w="med" len="med"/>
-                      <a:tailEnd type="none" w="med" len="med"/>
-                    </a:lnR>
-                    <a:lnT w="720" cap="flat" cmpd="sng" algn="ctr">
-                      <a:solidFill>
-                        <a:srgbClr val="FFFFFF"/>
-                      </a:solidFill>
-                      <a:prstDash val="solid"/>
-                      <a:round/>
-                      <a:headEnd type="none" w="med" len="med"/>
-                      <a:tailEnd type="none" w="med" len="med"/>
-                    </a:lnT>
-                    <a:lnB w="720" cap="flat" cmpd="sng" algn="ctr">
-                      <a:solidFill>
-                        <a:srgbClr val="FFFFFF"/>
-                      </a:solidFill>
-                      <a:prstDash val="solid"/>
-                      <a:round/>
-                      <a:headEnd type="none" w="med" len="med"/>
-                      <a:tailEnd type="none" w="med" len="med"/>
-                    </a:lnB>
-                    <a:lnTlToBr>
-                      <a:noFill/>
-                    </a:lnTlToBr>
-                    <a:lnBlToTr>
-                      <a:noFill/>
-                    </a:lnBlToTr>
-                    <a:solidFill>
-                      <a:srgbClr val="E8E9F1"/>
-                    </a:solidFill>
-                  </a:tcPr>
+                  <a:tcPr marL="53410" marR="53410" marT="29262" marB="27126" horzOverflow="overflow"/>
                 </a:tc>
                 <a:extLst>
                   <a:ext uri="{0D108BD9-81ED-4DB2-BD59-A6C34878D82A}">
@@ -7169,28 +6889,30 @@
           <p:nvPr>
             <p:extLst>
               <p:ext uri="{D42A27DB-BD31-4B8C-83A1-F6EECF244321}">
-                <p14:modId xmlns:p14="http://schemas.microsoft.com/office/powerpoint/2010/main" val="874988304"/>
+                <p14:modId xmlns:p14="http://schemas.microsoft.com/office/powerpoint/2010/main" val="3566868840"/>
               </p:ext>
             </p:extLst>
           </p:nvPr>
         </p:nvGraphicFramePr>
         <p:xfrm>
-          <a:off x="3468670" y="2048451"/>
-          <a:ext cx="5254660" cy="2761099"/>
+          <a:off x="3396000" y="1989000"/>
+          <a:ext cx="5400000" cy="2880000"/>
         </p:xfrm>
         <a:graphic>
           <a:graphicData uri="http://schemas.openxmlformats.org/drawingml/2006/table">
             <a:tbl>
-              <a:tblPr/>
+              <a:tblPr>
+                <a:tableStyleId>{69CF1AB2-1976-4502-BF36-3FF5EA218861}</a:tableStyleId>
+              </a:tblPr>
               <a:tblGrid>
-                <a:gridCol w="2539903">
+                <a:gridCol w="2610155">
                   <a:extLst>
                     <a:ext uri="{9D8B030D-6E8A-4147-A177-3AD203B41FA5}">
                       <a16:colId xmlns:a16="http://schemas.microsoft.com/office/drawing/2014/main" val="2980957635"/>
                     </a:ext>
                   </a:extLst>
                 </a:gridCol>
-                <a:gridCol w="2714757">
+                <a:gridCol w="2789845">
                   <a:extLst>
                     <a:ext uri="{9D8B030D-6E8A-4147-A177-3AD203B41FA5}">
                       <a16:colId xmlns:a16="http://schemas.microsoft.com/office/drawing/2014/main" val="2234031304"/>
@@ -7198,7 +6920,7 @@
                   </a:extLst>
                 </a:gridCol>
               </a:tblGrid>
-              <a:tr h="361646">
+              <a:tr h="377219">
                 <a:tc gridSpan="2">
                   <a:txBody>
                     <a:bodyPr/>
@@ -7591,63 +7313,31 @@
                         </a:tabLst>
                       </a:pPr>
                       <a:r>
-                        <a:rPr kumimoji="0" lang="pt-BR" altLang="pt-BR" sz="1100" b="0" i="0" u="none" strike="noStrike" cap="none" normalizeH="0" baseline="0" dirty="0">
+                        <a:rPr kumimoji="0" lang="pt-BR" altLang="pt-BR" sz="1100" u="none" strike="noStrike" cap="none" normalizeH="0" baseline="0" dirty="0">
                           <a:ln>
                             <a:noFill/>
                           </a:ln>
-                          <a:solidFill>
-                            <a:srgbClr val="FFFFFF"/>
-                          </a:solidFill>
                           <a:effectLst/>
                           <a:latin typeface="Arial" panose="020B0604020202020204" pitchFamily="34" charset="0"/>
-                          <a:ea typeface="MS PGothic" panose="020B0600070205080204" pitchFamily="34" charset="-128"/>
                           <a:cs typeface="Arial" panose="020B0604020202020204" pitchFamily="34" charset="0"/>
                         </a:rPr>
                         <a:t>CT08.2 – Visualizar lançamentos por Tipo de Lançamento.</a:t>
                       </a:r>
+                      <a:endParaRPr kumimoji="0" lang="pt-BR" altLang="pt-BR" sz="1100" b="0" i="0" u="none" strike="noStrike" cap="none" normalizeH="0" baseline="0" dirty="0">
+                        <a:ln>
+                          <a:noFill/>
+                        </a:ln>
+                        <a:solidFill>
+                          <a:srgbClr val="FFFFFF"/>
+                        </a:solidFill>
+                        <a:effectLst/>
+                        <a:latin typeface="Arial" panose="020B0604020202020204" pitchFamily="34" charset="0"/>
+                        <a:ea typeface="MS PGothic" panose="020B0600070205080204" pitchFamily="34" charset="-128"/>
+                        <a:cs typeface="Arial" panose="020B0604020202020204" pitchFamily="34" charset="0"/>
+                      </a:endParaRPr>
                     </a:p>
                   </a:txBody>
-                  <a:tcPr marL="53410" marR="53410" marT="29903" marB="27126" horzOverflow="overflow">
-                    <a:lnL w="720" cap="flat" cmpd="sng" algn="ctr">
-                      <a:solidFill>
-                        <a:srgbClr val="FFFFFF"/>
-                      </a:solidFill>
-                      <a:prstDash val="solid"/>
-                      <a:round/>
-                      <a:headEnd type="none" w="med" len="med"/>
-                      <a:tailEnd type="none" w="med" len="med"/>
-                    </a:lnL>
-                    <a:lnR>
-                      <a:noFill/>
-                    </a:lnR>
-                    <a:lnT w="720" cap="flat" cmpd="sng" algn="ctr">
-                      <a:solidFill>
-                        <a:srgbClr val="FFFFFF"/>
-                      </a:solidFill>
-                      <a:prstDash val="solid"/>
-                      <a:round/>
-                      <a:headEnd type="none" w="med" len="med"/>
-                      <a:tailEnd type="none" w="med" len="med"/>
-                    </a:lnT>
-                    <a:lnB w="720" cap="flat" cmpd="sng" algn="ctr">
-                      <a:solidFill>
-                        <a:srgbClr val="FFFFFF"/>
-                      </a:solidFill>
-                      <a:prstDash val="solid"/>
-                      <a:round/>
-                      <a:headEnd type="none" w="med" len="med"/>
-                      <a:tailEnd type="none" w="med" len="med"/>
-                    </a:lnB>
-                    <a:lnTlToBr>
-                      <a:noFill/>
-                    </a:lnTlToBr>
-                    <a:lnBlToTr>
-                      <a:noFill/>
-                    </a:lnBlToTr>
-                    <a:solidFill>
-                      <a:srgbClr val="80B5E2"/>
-                    </a:solidFill>
-                  </a:tcPr>
+                  <a:tcPr marL="53410" marR="53410" marT="29903" marB="27126" horzOverflow="overflow"/>
                 </a:tc>
                 <a:tc hMerge="1">
                   <a:txBody>
@@ -7665,7 +7355,7 @@
                   </a:ext>
                 </a:extLst>
               </a:tr>
-              <a:tr h="536265">
+              <a:tr h="559358">
                 <a:tc gridSpan="2">
                   <a:txBody>
                     <a:bodyPr/>
@@ -8058,63 +7748,31 @@
                         </a:tabLst>
                       </a:pPr>
                       <a:r>
-                        <a:rPr kumimoji="0" lang="pt-BR" altLang="pt-BR" sz="1100" b="0" i="0" u="none" strike="noStrike" cap="none" normalizeH="0" baseline="0" dirty="0">
+                        <a:rPr kumimoji="0" lang="pt-BR" altLang="pt-BR" sz="1100" u="none" strike="noStrike" cap="none" normalizeH="0" baseline="0" dirty="0">
                           <a:ln>
                             <a:noFill/>
                           </a:ln>
-                          <a:solidFill>
-                            <a:srgbClr val="000000"/>
-                          </a:solidFill>
                           <a:effectLst/>
                           <a:latin typeface="Arial" panose="020B0604020202020204" pitchFamily="34" charset="0"/>
-                          <a:ea typeface="MS PGothic" panose="020B0600070205080204" pitchFamily="34" charset="-128"/>
                           <a:cs typeface="Arial" panose="020B0604020202020204" pitchFamily="34" charset="0"/>
                         </a:rPr>
                         <a:t>Pré-condição: O usuário deve estar autenticado no sistema.</a:t>
                       </a:r>
+                      <a:endParaRPr kumimoji="0" lang="pt-BR" altLang="pt-BR" sz="1100" b="0" i="0" u="none" strike="noStrike" cap="none" normalizeH="0" baseline="0" dirty="0">
+                        <a:ln>
+                          <a:noFill/>
+                        </a:ln>
+                        <a:solidFill>
+                          <a:srgbClr val="000000"/>
+                        </a:solidFill>
+                        <a:effectLst/>
+                        <a:latin typeface="Arial" panose="020B0604020202020204" pitchFamily="34" charset="0"/>
+                        <a:ea typeface="MS PGothic" panose="020B0600070205080204" pitchFamily="34" charset="-128"/>
+                        <a:cs typeface="Arial" panose="020B0604020202020204" pitchFamily="34" charset="0"/>
+                      </a:endParaRPr>
                     </a:p>
                   </a:txBody>
-                  <a:tcPr marL="53410" marR="53410" marT="29903" marB="27126" horzOverflow="overflow">
-                    <a:lnL w="720" cap="flat" cmpd="sng" algn="ctr">
-                      <a:solidFill>
-                        <a:srgbClr val="FFFFFF"/>
-                      </a:solidFill>
-                      <a:prstDash val="solid"/>
-                      <a:round/>
-                      <a:headEnd type="none" w="med" len="med"/>
-                      <a:tailEnd type="none" w="med" len="med"/>
-                    </a:lnL>
-                    <a:lnR>
-                      <a:noFill/>
-                    </a:lnR>
-                    <a:lnT w="720" cap="flat" cmpd="sng" algn="ctr">
-                      <a:solidFill>
-                        <a:srgbClr val="FFFFFF"/>
-                      </a:solidFill>
-                      <a:prstDash val="solid"/>
-                      <a:round/>
-                      <a:headEnd type="none" w="med" len="med"/>
-                      <a:tailEnd type="none" w="med" len="med"/>
-                    </a:lnT>
-                    <a:lnB w="720" cap="flat" cmpd="sng" algn="ctr">
-                      <a:solidFill>
-                        <a:srgbClr val="FFFFFF"/>
-                      </a:solidFill>
-                      <a:prstDash val="solid"/>
-                      <a:round/>
-                      <a:headEnd type="none" w="med" len="med"/>
-                      <a:tailEnd type="none" w="med" len="med"/>
-                    </a:lnB>
-                    <a:lnTlToBr>
-                      <a:noFill/>
-                    </a:lnTlToBr>
-                    <a:lnBlToTr>
-                      <a:noFill/>
-                    </a:lnBlToTr>
-                    <a:solidFill>
-                      <a:srgbClr val="CCD1E1"/>
-                    </a:solidFill>
-                  </a:tcPr>
+                  <a:tcPr marL="53410" marR="53410" marT="29903" marB="27126" horzOverflow="overflow"/>
                 </a:tc>
                 <a:tc hMerge="1">
                   <a:txBody>
@@ -8132,7 +7790,7 @@
                   </a:ext>
                 </a:extLst>
               </a:tr>
-              <a:tr h="280098">
+              <a:tr h="292160">
                 <a:tc>
                   <a:txBody>
                     <a:bodyPr/>
@@ -8525,69 +8183,31 @@
                         </a:tabLst>
                       </a:pPr>
                       <a:r>
-                        <a:rPr kumimoji="0" lang="pt-BR" altLang="pt-BR" sz="1100" b="0" i="1" u="none" strike="noStrike" cap="none" normalizeH="0" baseline="0">
+                        <a:rPr kumimoji="0" lang="pt-BR" altLang="pt-BR" sz="1100" u="none" strike="noStrike" cap="none" normalizeH="0" baseline="0" dirty="0">
                           <a:ln>
                             <a:noFill/>
                           </a:ln>
-                          <a:solidFill>
-                            <a:srgbClr val="2469A6"/>
-                          </a:solidFill>
                           <a:effectLst/>
                           <a:latin typeface="Arial" panose="020B0604020202020204" pitchFamily="34" charset="0"/>
-                          <a:ea typeface="MS PGothic" panose="020B0600070205080204" pitchFamily="34" charset="-128"/>
                           <a:cs typeface="Arial" panose="020B0604020202020204" pitchFamily="34" charset="0"/>
                         </a:rPr>
                         <a:t>Procedimentos</a:t>
                       </a:r>
+                      <a:endParaRPr kumimoji="0" lang="pt-BR" altLang="pt-BR" sz="1100" b="0" i="1" u="none" strike="noStrike" cap="none" normalizeH="0" baseline="0" dirty="0">
+                        <a:ln>
+                          <a:noFill/>
+                        </a:ln>
+                        <a:solidFill>
+                          <a:srgbClr val="2469A6"/>
+                        </a:solidFill>
+                        <a:effectLst/>
+                        <a:latin typeface="Arial" panose="020B0604020202020204" pitchFamily="34" charset="0"/>
+                        <a:ea typeface="MS PGothic" panose="020B0600070205080204" pitchFamily="34" charset="-128"/>
+                        <a:cs typeface="Arial" panose="020B0604020202020204" pitchFamily="34" charset="0"/>
+                      </a:endParaRPr>
                     </a:p>
                   </a:txBody>
-                  <a:tcPr marL="53410" marR="53410" marT="29476" marB="27126" horzOverflow="overflow">
-                    <a:lnL w="720" cap="flat" cmpd="sng" algn="ctr">
-                      <a:solidFill>
-                        <a:srgbClr val="FFFFFF"/>
-                      </a:solidFill>
-                      <a:prstDash val="solid"/>
-                      <a:round/>
-                      <a:headEnd type="none" w="med" len="med"/>
-                      <a:tailEnd type="none" w="med" len="med"/>
-                    </a:lnL>
-                    <a:lnR w="720" cap="flat" cmpd="sng" algn="ctr">
-                      <a:solidFill>
-                        <a:srgbClr val="FFFFFF"/>
-                      </a:solidFill>
-                      <a:prstDash val="solid"/>
-                      <a:round/>
-                      <a:headEnd type="none" w="med" len="med"/>
-                      <a:tailEnd type="none" w="med" len="med"/>
-                    </a:lnR>
-                    <a:lnT w="720" cap="flat" cmpd="sng" algn="ctr">
-                      <a:solidFill>
-                        <a:srgbClr val="FFFFFF"/>
-                      </a:solidFill>
-                      <a:prstDash val="solid"/>
-                      <a:round/>
-                      <a:headEnd type="none" w="med" len="med"/>
-                      <a:tailEnd type="none" w="med" len="med"/>
-                    </a:lnT>
-                    <a:lnB w="720" cap="flat" cmpd="sng" algn="ctr">
-                      <a:solidFill>
-                        <a:srgbClr val="FFFFFF"/>
-                      </a:solidFill>
-                      <a:prstDash val="solid"/>
-                      <a:round/>
-                      <a:headEnd type="none" w="med" len="med"/>
-                      <a:tailEnd type="none" w="med" len="med"/>
-                    </a:lnB>
-                    <a:lnTlToBr>
-                      <a:noFill/>
-                    </a:lnTlToBr>
-                    <a:lnBlToTr>
-                      <a:noFill/>
-                    </a:lnBlToTr>
-                    <a:solidFill>
-                      <a:srgbClr val="E8E9F1"/>
-                    </a:solidFill>
-                  </a:tcPr>
+                  <a:tcPr marL="53410" marR="53410" marT="29476" marB="27126" horzOverflow="overflow"/>
                 </a:tc>
                 <a:tc>
                   <a:txBody>
@@ -8981,63 +8601,31 @@
                         </a:tabLst>
                       </a:pPr>
                       <a:r>
-                        <a:rPr kumimoji="0" lang="pt-BR" altLang="pt-BR" sz="1100" b="0" i="1" u="none" strike="noStrike" cap="none" normalizeH="0" baseline="0">
+                        <a:rPr kumimoji="0" lang="pt-BR" altLang="pt-BR" sz="1100" u="none" strike="noStrike" cap="none" normalizeH="0" baseline="0">
                           <a:ln>
                             <a:noFill/>
                           </a:ln>
-                          <a:solidFill>
-                            <a:srgbClr val="2469A6"/>
-                          </a:solidFill>
                           <a:effectLst/>
                           <a:latin typeface="Arial" panose="020B0604020202020204" pitchFamily="34" charset="0"/>
-                          <a:ea typeface="MS PGothic" panose="020B0600070205080204" pitchFamily="34" charset="-128"/>
                           <a:cs typeface="Arial" panose="020B0604020202020204" pitchFamily="34" charset="0"/>
                         </a:rPr>
                         <a:t>Resultado Esperado</a:t>
                       </a:r>
+                      <a:endParaRPr kumimoji="0" lang="pt-BR" altLang="pt-BR" sz="1100" b="0" i="1" u="none" strike="noStrike" cap="none" normalizeH="0" baseline="0">
+                        <a:ln>
+                          <a:noFill/>
+                        </a:ln>
+                        <a:solidFill>
+                          <a:srgbClr val="2469A6"/>
+                        </a:solidFill>
+                        <a:effectLst/>
+                        <a:latin typeface="Arial" panose="020B0604020202020204" pitchFamily="34" charset="0"/>
+                        <a:ea typeface="MS PGothic" panose="020B0600070205080204" pitchFamily="34" charset="-128"/>
+                        <a:cs typeface="Arial" panose="020B0604020202020204" pitchFamily="34" charset="0"/>
+                      </a:endParaRPr>
                     </a:p>
                   </a:txBody>
-                  <a:tcPr marL="53410" marR="53410" marT="29476" marB="27126" horzOverflow="overflow">
-                    <a:lnL w="720" cap="flat" cmpd="sng" algn="ctr">
-                      <a:solidFill>
-                        <a:srgbClr val="FFFFFF"/>
-                      </a:solidFill>
-                      <a:prstDash val="solid"/>
-                      <a:round/>
-                      <a:headEnd type="none" w="med" len="med"/>
-                      <a:tailEnd type="none" w="med" len="med"/>
-                    </a:lnL>
-                    <a:lnR w="720" cap="flat" cmpd="sng" algn="ctr">
-                      <a:solidFill>
-                        <a:srgbClr val="FFFFFF"/>
-                      </a:solidFill>
-                      <a:prstDash val="solid"/>
-                      <a:round/>
-                      <a:headEnd type="none" w="med" len="med"/>
-                      <a:tailEnd type="none" w="med" len="med"/>
-                    </a:lnR>
-                    <a:lnT>
-                      <a:noFill/>
-                    </a:lnT>
-                    <a:lnB w="720" cap="flat" cmpd="sng" algn="ctr">
-                      <a:solidFill>
-                        <a:srgbClr val="FFFFFF"/>
-                      </a:solidFill>
-                      <a:prstDash val="solid"/>
-                      <a:round/>
-                      <a:headEnd type="none" w="med" len="med"/>
-                      <a:tailEnd type="none" w="med" len="med"/>
-                    </a:lnB>
-                    <a:lnTlToBr>
-                      <a:noFill/>
-                    </a:lnTlToBr>
-                    <a:lnBlToTr>
-                      <a:noFill/>
-                    </a:lnBlToTr>
-                    <a:solidFill>
-                      <a:srgbClr val="E8E9F1"/>
-                    </a:solidFill>
-                  </a:tcPr>
+                  <a:tcPr marL="53410" marR="53410" marT="29476" marB="27126" horzOverflow="overflow"/>
                 </a:tc>
                 <a:extLst>
                   <a:ext uri="{0D108BD9-81ED-4DB2-BD59-A6C34878D82A}">
@@ -9045,7 +8633,7 @@
                   </a:ext>
                 </a:extLst>
               </a:tr>
-              <a:tr h="613381">
+              <a:tr h="639795">
                 <a:tc>
                   <a:txBody>
                     <a:bodyPr/>
@@ -9438,69 +9026,31 @@
                         </a:tabLst>
                       </a:pPr>
                       <a:r>
-                        <a:rPr kumimoji="0" lang="pt-BR" altLang="pt-BR" sz="1100" b="0" i="0" u="none" strike="noStrike" cap="none" normalizeH="0" baseline="0" dirty="0">
+                        <a:rPr kumimoji="0" lang="pt-BR" altLang="pt-BR" sz="1100" u="none" strike="noStrike" cap="none" normalizeH="0" baseline="0" dirty="0">
                           <a:ln>
                             <a:noFill/>
                           </a:ln>
-                          <a:solidFill>
-                            <a:srgbClr val="000000"/>
-                          </a:solidFill>
                           <a:effectLst/>
                           <a:latin typeface="Arial" panose="020B0604020202020204" pitchFamily="34" charset="0"/>
-                          <a:ea typeface="MS PGothic" panose="020B0600070205080204" pitchFamily="34" charset="-128"/>
                           <a:cs typeface="Arial" panose="020B0604020202020204" pitchFamily="34" charset="0"/>
                         </a:rPr>
-                        <a:t>1. Escolher o filtro “Tipo de Lançamento”</a:t>
+                        <a:t>1. Em lançamentos clicar em “Busca Avançada”.</a:t>
                       </a:r>
+                      <a:endParaRPr kumimoji="0" lang="pt-BR" altLang="pt-BR" sz="1100" b="0" i="0" u="none" strike="noStrike" cap="none" normalizeH="0" baseline="0" dirty="0">
+                        <a:ln>
+                          <a:noFill/>
+                        </a:ln>
+                        <a:solidFill>
+                          <a:srgbClr val="000000"/>
+                        </a:solidFill>
+                        <a:effectLst/>
+                        <a:latin typeface="Arial" panose="020B0604020202020204" pitchFamily="34" charset="0"/>
+                        <a:ea typeface="MS PGothic" panose="020B0600070205080204" pitchFamily="34" charset="-128"/>
+                        <a:cs typeface="Arial" panose="020B0604020202020204" pitchFamily="34" charset="0"/>
+                      </a:endParaRPr>
                     </a:p>
                   </a:txBody>
-                  <a:tcPr marL="53410" marR="53410" marT="29262" marB="27126" horzOverflow="overflow">
-                    <a:lnL w="720" cap="flat" cmpd="sng" algn="ctr">
-                      <a:solidFill>
-                        <a:srgbClr val="FFFFFF"/>
-                      </a:solidFill>
-                      <a:prstDash val="solid"/>
-                      <a:round/>
-                      <a:headEnd type="none" w="med" len="med"/>
-                      <a:tailEnd type="none" w="med" len="med"/>
-                    </a:lnL>
-                    <a:lnR w="720" cap="flat" cmpd="sng" algn="ctr">
-                      <a:solidFill>
-                        <a:srgbClr val="FFFFFF"/>
-                      </a:solidFill>
-                      <a:prstDash val="solid"/>
-                      <a:round/>
-                      <a:headEnd type="none" w="med" len="med"/>
-                      <a:tailEnd type="none" w="med" len="med"/>
-                    </a:lnR>
-                    <a:lnT w="720" cap="flat" cmpd="sng" algn="ctr">
-                      <a:solidFill>
-                        <a:srgbClr val="FFFFFF"/>
-                      </a:solidFill>
-                      <a:prstDash val="solid"/>
-                      <a:round/>
-                      <a:headEnd type="none" w="med" len="med"/>
-                      <a:tailEnd type="none" w="med" len="med"/>
-                    </a:lnT>
-                    <a:lnB w="720" cap="flat" cmpd="sng" algn="ctr">
-                      <a:solidFill>
-                        <a:srgbClr val="FFFFFF"/>
-                      </a:solidFill>
-                      <a:prstDash val="solid"/>
-                      <a:round/>
-                      <a:headEnd type="none" w="med" len="med"/>
-                      <a:tailEnd type="none" w="med" len="med"/>
-                    </a:lnB>
-                    <a:lnTlToBr>
-                      <a:noFill/>
-                    </a:lnTlToBr>
-                    <a:lnBlToTr>
-                      <a:noFill/>
-                    </a:lnBlToTr>
-                    <a:solidFill>
-                      <a:srgbClr val="CCD1E1"/>
-                    </a:solidFill>
-                  </a:tcPr>
+                  <a:tcPr marL="53410" marR="53410" marT="29262" marB="27126" horzOverflow="overflow"/>
                 </a:tc>
                 <a:tc>
                   <a:txBody>
@@ -9894,69 +9444,31 @@
                         </a:tabLst>
                       </a:pPr>
                       <a:r>
-                        <a:rPr kumimoji="0" lang="pt-BR" altLang="pt-BR" sz="1100" b="0" i="0" u="none" strike="noStrike" cap="none" normalizeH="0" baseline="0" dirty="0">
+                        <a:rPr kumimoji="0" lang="pt-BR" altLang="pt-BR" sz="1100" u="none" strike="noStrike" cap="none" normalizeH="0" baseline="0" dirty="0">
                           <a:ln>
                             <a:noFill/>
                           </a:ln>
-                          <a:solidFill>
-                            <a:srgbClr val="000000"/>
-                          </a:solidFill>
                           <a:effectLst/>
                           <a:latin typeface="Arial" panose="020B0604020202020204" pitchFamily="34" charset="0"/>
-                          <a:ea typeface="MS PGothic" panose="020B0600070205080204" pitchFamily="34" charset="-128"/>
                           <a:cs typeface="Arial" panose="020B0604020202020204" pitchFamily="34" charset="0"/>
                         </a:rPr>
                         <a:t>Deve aparecer uma tela apresentando os tipos de lançamentos.</a:t>
                       </a:r>
+                      <a:endParaRPr kumimoji="0" lang="pt-BR" altLang="pt-BR" sz="1100" b="0" i="0" u="none" strike="noStrike" cap="none" normalizeH="0" baseline="0" dirty="0">
+                        <a:ln>
+                          <a:noFill/>
+                        </a:ln>
+                        <a:solidFill>
+                          <a:srgbClr val="000000"/>
+                        </a:solidFill>
+                        <a:effectLst/>
+                        <a:latin typeface="Arial" panose="020B0604020202020204" pitchFamily="34" charset="0"/>
+                        <a:ea typeface="MS PGothic" panose="020B0600070205080204" pitchFamily="34" charset="-128"/>
+                        <a:cs typeface="Arial" panose="020B0604020202020204" pitchFamily="34" charset="0"/>
+                      </a:endParaRPr>
                     </a:p>
                   </a:txBody>
-                  <a:tcPr marL="53410" marR="53410" marT="29262" marB="27126" horzOverflow="overflow">
-                    <a:lnL w="720" cap="flat" cmpd="sng" algn="ctr">
-                      <a:solidFill>
-                        <a:srgbClr val="FFFFFF"/>
-                      </a:solidFill>
-                      <a:prstDash val="solid"/>
-                      <a:round/>
-                      <a:headEnd type="none" w="med" len="med"/>
-                      <a:tailEnd type="none" w="med" len="med"/>
-                    </a:lnL>
-                    <a:lnR w="720" cap="flat" cmpd="sng" algn="ctr">
-                      <a:solidFill>
-                        <a:srgbClr val="FFFFFF"/>
-                      </a:solidFill>
-                      <a:prstDash val="solid"/>
-                      <a:round/>
-                      <a:headEnd type="none" w="med" len="med"/>
-                      <a:tailEnd type="none" w="med" len="med"/>
-                    </a:lnR>
-                    <a:lnT w="720" cap="flat" cmpd="sng" algn="ctr">
-                      <a:solidFill>
-                        <a:srgbClr val="FFFFFF"/>
-                      </a:solidFill>
-                      <a:prstDash val="solid"/>
-                      <a:round/>
-                      <a:headEnd type="none" w="med" len="med"/>
-                      <a:tailEnd type="none" w="med" len="med"/>
-                    </a:lnT>
-                    <a:lnB w="720" cap="flat" cmpd="sng" algn="ctr">
-                      <a:solidFill>
-                        <a:srgbClr val="FFFFFF"/>
-                      </a:solidFill>
-                      <a:prstDash val="solid"/>
-                      <a:round/>
-                      <a:headEnd type="none" w="med" len="med"/>
-                      <a:tailEnd type="none" w="med" len="med"/>
-                    </a:lnB>
-                    <a:lnTlToBr>
-                      <a:noFill/>
-                    </a:lnTlToBr>
-                    <a:lnBlToTr>
-                      <a:noFill/>
-                    </a:lnBlToTr>
-                    <a:solidFill>
-                      <a:srgbClr val="CCD1E1"/>
-                    </a:solidFill>
-                  </a:tcPr>
+                  <a:tcPr marL="53410" marR="53410" marT="29262" marB="27126" horzOverflow="overflow"/>
                 </a:tc>
                 <a:extLst>
                   <a:ext uri="{0D108BD9-81ED-4DB2-BD59-A6C34878D82A}">
@@ -9964,7 +9476,7 @@
                   </a:ext>
                 </a:extLst>
               </a:tr>
-              <a:tr h="969709">
+              <a:tr h="1011468">
                 <a:tc>
                   <a:txBody>
                     <a:bodyPr/>
@@ -10355,71 +9867,34 @@
                           <a:tab pos="8534400" algn="l"/>
                           <a:tab pos="8983663" algn="l"/>
                         </a:tabLst>
+                        <a:defRPr/>
                       </a:pPr>
                       <a:r>
-                        <a:rPr kumimoji="0" lang="pt-BR" altLang="pt-BR" sz="1100" b="0" i="0" u="none" strike="noStrike" cap="none" normalizeH="0" baseline="0" dirty="0">
+                        <a:rPr kumimoji="0" lang="pt-BR" altLang="pt-BR" sz="1100" u="none" strike="noStrike" cap="none" normalizeH="0" baseline="0" dirty="0">
                           <a:ln>
                             <a:noFill/>
                           </a:ln>
-                          <a:solidFill>
-                            <a:srgbClr val="000000"/>
-                          </a:solidFill>
                           <a:effectLst/>
                           <a:latin typeface="Arial" panose="020B0604020202020204" pitchFamily="34" charset="0"/>
-                          <a:ea typeface="MS PGothic" panose="020B0600070205080204" pitchFamily="34" charset="-128"/>
                           <a:cs typeface="Arial" panose="020B0604020202020204" pitchFamily="34" charset="0"/>
                         </a:rPr>
-                        <a:t>2. Selecionar o Tipo de Lançamento e finalizar o procedimento escolhendo “Buscar”.</a:t>
+                        <a:t>2. Informar o “Tipo de Lançamento” e então finalizar o procedimento escolhendo “Buscar”.</a:t>
                       </a:r>
+                      <a:endParaRPr kumimoji="0" lang="pt-BR" altLang="pt-BR" sz="1100" b="0" i="0" u="none" strike="noStrike" cap="none" normalizeH="0" baseline="0" dirty="0">
+                        <a:ln>
+                          <a:noFill/>
+                        </a:ln>
+                        <a:solidFill>
+                          <a:srgbClr val="000000"/>
+                        </a:solidFill>
+                        <a:effectLst/>
+                        <a:latin typeface="Arial" panose="020B0604020202020204" pitchFamily="34" charset="0"/>
+                        <a:ea typeface="MS PGothic" panose="020B0600070205080204" pitchFamily="34" charset="-128"/>
+                        <a:cs typeface="Arial" panose="020B0604020202020204" pitchFamily="34" charset="0"/>
+                      </a:endParaRPr>
                     </a:p>
                   </a:txBody>
-                  <a:tcPr marL="53410" marR="53410" marT="29262" marB="27126" horzOverflow="overflow">
-                    <a:lnL w="720" cap="flat" cmpd="sng" algn="ctr">
-                      <a:solidFill>
-                        <a:srgbClr val="FFFFFF"/>
-                      </a:solidFill>
-                      <a:prstDash val="solid"/>
-                      <a:round/>
-                      <a:headEnd type="none" w="med" len="med"/>
-                      <a:tailEnd type="none" w="med" len="med"/>
-                    </a:lnL>
-                    <a:lnR w="720" cap="flat" cmpd="sng" algn="ctr">
-                      <a:solidFill>
-                        <a:srgbClr val="FFFFFF"/>
-                      </a:solidFill>
-                      <a:prstDash val="solid"/>
-                      <a:round/>
-                      <a:headEnd type="none" w="med" len="med"/>
-                      <a:tailEnd type="none" w="med" len="med"/>
-                    </a:lnR>
-                    <a:lnT w="720" cap="flat" cmpd="sng" algn="ctr">
-                      <a:solidFill>
-                        <a:srgbClr val="FFFFFF"/>
-                      </a:solidFill>
-                      <a:prstDash val="solid"/>
-                      <a:round/>
-                      <a:headEnd type="none" w="med" len="med"/>
-                      <a:tailEnd type="none" w="med" len="med"/>
-                    </a:lnT>
-                    <a:lnB w="720" cap="flat" cmpd="sng" algn="ctr">
-                      <a:solidFill>
-                        <a:srgbClr val="FFFFFF"/>
-                      </a:solidFill>
-                      <a:prstDash val="solid"/>
-                      <a:round/>
-                      <a:headEnd type="none" w="med" len="med"/>
-                      <a:tailEnd type="none" w="med" len="med"/>
-                    </a:lnB>
-                    <a:lnTlToBr>
-                      <a:noFill/>
-                    </a:lnTlToBr>
-                    <a:lnBlToTr>
-                      <a:noFill/>
-                    </a:lnBlToTr>
-                    <a:solidFill>
-                      <a:srgbClr val="E8E9F1"/>
-                    </a:solidFill>
-                  </a:tcPr>
+                  <a:tcPr marL="53410" marR="53410" marT="29262" marB="27126" horzOverflow="overflow"/>
                 </a:tc>
                 <a:tc>
                   <a:txBody>
@@ -10813,69 +10288,31 @@
                         </a:tabLst>
                       </a:pPr>
                       <a:r>
-                        <a:rPr kumimoji="0" lang="pt-BR" altLang="pt-BR" sz="1100" b="0" i="0" u="none" strike="noStrike" cap="none" normalizeH="0" baseline="0" dirty="0">
+                        <a:rPr kumimoji="0" lang="pt-BR" altLang="pt-BR" sz="1100" u="none" strike="noStrike" cap="none" normalizeH="0" baseline="0" dirty="0">
                           <a:ln>
                             <a:noFill/>
                           </a:ln>
-                          <a:solidFill>
-                            <a:srgbClr val="000000"/>
-                          </a:solidFill>
                           <a:effectLst/>
                           <a:latin typeface="Arial" panose="020B0604020202020204" pitchFamily="34" charset="0"/>
-                          <a:ea typeface="MS PGothic" panose="020B0600070205080204" pitchFamily="34" charset="-128"/>
                           <a:cs typeface="Arial" panose="020B0604020202020204" pitchFamily="34" charset="0"/>
                         </a:rPr>
                         <a:t>Aparece uma tela com a lista de lançamentos  de determinado tipo informado.</a:t>
                       </a:r>
+                      <a:endParaRPr kumimoji="0" lang="pt-BR" altLang="pt-BR" sz="1100" b="0" i="0" u="none" strike="noStrike" cap="none" normalizeH="0" baseline="0" dirty="0">
+                        <a:ln>
+                          <a:noFill/>
+                        </a:ln>
+                        <a:solidFill>
+                          <a:srgbClr val="000000"/>
+                        </a:solidFill>
+                        <a:effectLst/>
+                        <a:latin typeface="Arial" panose="020B0604020202020204" pitchFamily="34" charset="0"/>
+                        <a:ea typeface="MS PGothic" panose="020B0600070205080204" pitchFamily="34" charset="-128"/>
+                        <a:cs typeface="Arial" panose="020B0604020202020204" pitchFamily="34" charset="0"/>
+                      </a:endParaRPr>
                     </a:p>
                   </a:txBody>
-                  <a:tcPr marL="53410" marR="53410" marT="29262" marB="27126" horzOverflow="overflow">
-                    <a:lnL w="720" cap="flat" cmpd="sng" algn="ctr">
-                      <a:solidFill>
-                        <a:srgbClr val="FFFFFF"/>
-                      </a:solidFill>
-                      <a:prstDash val="solid"/>
-                      <a:round/>
-                      <a:headEnd type="none" w="med" len="med"/>
-                      <a:tailEnd type="none" w="med" len="med"/>
-                    </a:lnL>
-                    <a:lnR w="720" cap="flat" cmpd="sng" algn="ctr">
-                      <a:solidFill>
-                        <a:srgbClr val="FFFFFF"/>
-                      </a:solidFill>
-                      <a:prstDash val="solid"/>
-                      <a:round/>
-                      <a:headEnd type="none" w="med" len="med"/>
-                      <a:tailEnd type="none" w="med" len="med"/>
-                    </a:lnR>
-                    <a:lnT w="720" cap="flat" cmpd="sng" algn="ctr">
-                      <a:solidFill>
-                        <a:srgbClr val="FFFFFF"/>
-                      </a:solidFill>
-                      <a:prstDash val="solid"/>
-                      <a:round/>
-                      <a:headEnd type="none" w="med" len="med"/>
-                      <a:tailEnd type="none" w="med" len="med"/>
-                    </a:lnT>
-                    <a:lnB w="720" cap="flat" cmpd="sng" algn="ctr">
-                      <a:solidFill>
-                        <a:srgbClr val="FFFFFF"/>
-                      </a:solidFill>
-                      <a:prstDash val="solid"/>
-                      <a:round/>
-                      <a:headEnd type="none" w="med" len="med"/>
-                      <a:tailEnd type="none" w="med" len="med"/>
-                    </a:lnB>
-                    <a:lnTlToBr>
-                      <a:noFill/>
-                    </a:lnTlToBr>
-                    <a:lnBlToTr>
-                      <a:noFill/>
-                    </a:lnBlToTr>
-                    <a:solidFill>
-                      <a:srgbClr val="E8E9F1"/>
-                    </a:solidFill>
-                  </a:tcPr>
+                  <a:tcPr marL="53410" marR="53410" marT="29262" marB="27126" horzOverflow="overflow"/>
                 </a:tc>
                 <a:extLst>
                   <a:ext uri="{0D108BD9-81ED-4DB2-BD59-A6C34878D82A}">
@@ -10962,28 +10399,30 @@
           <p:nvPr>
             <p:extLst>
               <p:ext uri="{D42A27DB-BD31-4B8C-83A1-F6EECF244321}">
-                <p14:modId xmlns:p14="http://schemas.microsoft.com/office/powerpoint/2010/main" val="698211275"/>
+                <p14:modId xmlns:p14="http://schemas.microsoft.com/office/powerpoint/2010/main" val="2982914899"/>
               </p:ext>
             </p:extLst>
           </p:nvPr>
         </p:nvGraphicFramePr>
         <p:xfrm>
-          <a:off x="3468670" y="2048451"/>
-          <a:ext cx="5254660" cy="2761099"/>
+          <a:off x="3396000" y="1989000"/>
+          <a:ext cx="5400000" cy="2880001"/>
         </p:xfrm>
         <a:graphic>
           <a:graphicData uri="http://schemas.openxmlformats.org/drawingml/2006/table">
             <a:tbl>
-              <a:tblPr/>
+              <a:tblPr>
+                <a:tableStyleId>{69CF1AB2-1976-4502-BF36-3FF5EA218861}</a:tableStyleId>
+              </a:tblPr>
               <a:tblGrid>
-                <a:gridCol w="2539903">
+                <a:gridCol w="2610155">
                   <a:extLst>
                     <a:ext uri="{9D8B030D-6E8A-4147-A177-3AD203B41FA5}">
                       <a16:colId xmlns:a16="http://schemas.microsoft.com/office/drawing/2014/main" val="2980957635"/>
                     </a:ext>
                   </a:extLst>
                 </a:gridCol>
-                <a:gridCol w="2714757">
+                <a:gridCol w="2789845">
                   <a:extLst>
                     <a:ext uri="{9D8B030D-6E8A-4147-A177-3AD203B41FA5}">
                       <a16:colId xmlns:a16="http://schemas.microsoft.com/office/drawing/2014/main" val="2234031304"/>
@@ -10991,7 +10430,7 @@
                   </a:extLst>
                 </a:gridCol>
               </a:tblGrid>
-              <a:tr h="361646">
+              <a:tr h="377220">
                 <a:tc gridSpan="2">
                   <a:txBody>
                     <a:bodyPr/>
@@ -11384,63 +10823,31 @@
                         </a:tabLst>
                       </a:pPr>
                       <a:r>
-                        <a:rPr kumimoji="0" lang="pt-BR" altLang="pt-BR" sz="1100" b="0" i="0" u="none" strike="noStrike" cap="none" normalizeH="0" baseline="0" dirty="0">
+                        <a:rPr kumimoji="0" lang="pt-BR" altLang="pt-BR" sz="1100" u="none" strike="noStrike" cap="none" normalizeH="0" baseline="0" dirty="0">
                           <a:ln>
                             <a:noFill/>
                           </a:ln>
-                          <a:solidFill>
-                            <a:srgbClr val="FFFFFF"/>
-                          </a:solidFill>
                           <a:effectLst/>
                           <a:latin typeface="Arial" panose="020B0604020202020204" pitchFamily="34" charset="0"/>
-                          <a:ea typeface="MS PGothic" panose="020B0600070205080204" pitchFamily="34" charset="-128"/>
                           <a:cs typeface="Arial" panose="020B0604020202020204" pitchFamily="34" charset="0"/>
                         </a:rPr>
                         <a:t>CT08.3 – Visualizar lançamentos por Conta Financeira.</a:t>
                       </a:r>
+                      <a:endParaRPr kumimoji="0" lang="pt-BR" altLang="pt-BR" sz="1100" b="0" i="0" u="none" strike="noStrike" cap="none" normalizeH="0" baseline="0" dirty="0">
+                        <a:ln>
+                          <a:noFill/>
+                        </a:ln>
+                        <a:solidFill>
+                          <a:srgbClr val="FFFFFF"/>
+                        </a:solidFill>
+                        <a:effectLst/>
+                        <a:latin typeface="Arial" panose="020B0604020202020204" pitchFamily="34" charset="0"/>
+                        <a:ea typeface="MS PGothic" panose="020B0600070205080204" pitchFamily="34" charset="-128"/>
+                        <a:cs typeface="Arial" panose="020B0604020202020204" pitchFamily="34" charset="0"/>
+                      </a:endParaRPr>
                     </a:p>
                   </a:txBody>
-                  <a:tcPr marL="53410" marR="53410" marT="29903" marB="27126" horzOverflow="overflow">
-                    <a:lnL w="720" cap="flat" cmpd="sng" algn="ctr">
-                      <a:solidFill>
-                        <a:srgbClr val="FFFFFF"/>
-                      </a:solidFill>
-                      <a:prstDash val="solid"/>
-                      <a:round/>
-                      <a:headEnd type="none" w="med" len="med"/>
-                      <a:tailEnd type="none" w="med" len="med"/>
-                    </a:lnL>
-                    <a:lnR>
-                      <a:noFill/>
-                    </a:lnR>
-                    <a:lnT w="720" cap="flat" cmpd="sng" algn="ctr">
-                      <a:solidFill>
-                        <a:srgbClr val="FFFFFF"/>
-                      </a:solidFill>
-                      <a:prstDash val="solid"/>
-                      <a:round/>
-                      <a:headEnd type="none" w="med" len="med"/>
-                      <a:tailEnd type="none" w="med" len="med"/>
-                    </a:lnT>
-                    <a:lnB w="720" cap="flat" cmpd="sng" algn="ctr">
-                      <a:solidFill>
-                        <a:srgbClr val="FFFFFF"/>
-                      </a:solidFill>
-                      <a:prstDash val="solid"/>
-                      <a:round/>
-                      <a:headEnd type="none" w="med" len="med"/>
-                      <a:tailEnd type="none" w="med" len="med"/>
-                    </a:lnB>
-                    <a:lnTlToBr>
-                      <a:noFill/>
-                    </a:lnTlToBr>
-                    <a:lnBlToTr>
-                      <a:noFill/>
-                    </a:lnBlToTr>
-                    <a:solidFill>
-                      <a:srgbClr val="80B5E2"/>
-                    </a:solidFill>
-                  </a:tcPr>
+                  <a:tcPr marL="53410" marR="53410" marT="29903" marB="27126" horzOverflow="overflow"/>
                 </a:tc>
                 <a:tc hMerge="1">
                   <a:txBody>
@@ -11458,7 +10865,7 @@
                   </a:ext>
                 </a:extLst>
               </a:tr>
-              <a:tr h="536265">
+              <a:tr h="559358">
                 <a:tc gridSpan="2">
                   <a:txBody>
                     <a:bodyPr/>
@@ -11851,63 +11258,31 @@
                         </a:tabLst>
                       </a:pPr>
                       <a:r>
-                        <a:rPr kumimoji="0" lang="pt-BR" altLang="pt-BR" sz="1100" b="0" i="0" u="none" strike="noStrike" cap="none" normalizeH="0" baseline="0" dirty="0">
+                        <a:rPr kumimoji="0" lang="pt-BR" altLang="pt-BR" sz="1100" u="none" strike="noStrike" cap="none" normalizeH="0" baseline="0" dirty="0">
                           <a:ln>
                             <a:noFill/>
                           </a:ln>
-                          <a:solidFill>
-                            <a:srgbClr val="000000"/>
-                          </a:solidFill>
                           <a:effectLst/>
                           <a:latin typeface="Arial" panose="020B0604020202020204" pitchFamily="34" charset="0"/>
-                          <a:ea typeface="MS PGothic" panose="020B0600070205080204" pitchFamily="34" charset="-128"/>
                           <a:cs typeface="Arial" panose="020B0604020202020204" pitchFamily="34" charset="0"/>
                         </a:rPr>
                         <a:t>Pré-condição: O usuário deve estar autenticado no sistema.</a:t>
                       </a:r>
+                      <a:endParaRPr kumimoji="0" lang="pt-BR" altLang="pt-BR" sz="1100" b="0" i="0" u="none" strike="noStrike" cap="none" normalizeH="0" baseline="0" dirty="0">
+                        <a:ln>
+                          <a:noFill/>
+                        </a:ln>
+                        <a:solidFill>
+                          <a:srgbClr val="000000"/>
+                        </a:solidFill>
+                        <a:effectLst/>
+                        <a:latin typeface="Arial" panose="020B0604020202020204" pitchFamily="34" charset="0"/>
+                        <a:ea typeface="MS PGothic" panose="020B0600070205080204" pitchFamily="34" charset="-128"/>
+                        <a:cs typeface="Arial" panose="020B0604020202020204" pitchFamily="34" charset="0"/>
+                      </a:endParaRPr>
                     </a:p>
                   </a:txBody>
-                  <a:tcPr marL="53410" marR="53410" marT="29903" marB="27126" horzOverflow="overflow">
-                    <a:lnL w="720" cap="flat" cmpd="sng" algn="ctr">
-                      <a:solidFill>
-                        <a:srgbClr val="FFFFFF"/>
-                      </a:solidFill>
-                      <a:prstDash val="solid"/>
-                      <a:round/>
-                      <a:headEnd type="none" w="med" len="med"/>
-                      <a:tailEnd type="none" w="med" len="med"/>
-                    </a:lnL>
-                    <a:lnR>
-                      <a:noFill/>
-                    </a:lnR>
-                    <a:lnT w="720" cap="flat" cmpd="sng" algn="ctr">
-                      <a:solidFill>
-                        <a:srgbClr val="FFFFFF"/>
-                      </a:solidFill>
-                      <a:prstDash val="solid"/>
-                      <a:round/>
-                      <a:headEnd type="none" w="med" len="med"/>
-                      <a:tailEnd type="none" w="med" len="med"/>
-                    </a:lnT>
-                    <a:lnB w="720" cap="flat" cmpd="sng" algn="ctr">
-                      <a:solidFill>
-                        <a:srgbClr val="FFFFFF"/>
-                      </a:solidFill>
-                      <a:prstDash val="solid"/>
-                      <a:round/>
-                      <a:headEnd type="none" w="med" len="med"/>
-                      <a:tailEnd type="none" w="med" len="med"/>
-                    </a:lnB>
-                    <a:lnTlToBr>
-                      <a:noFill/>
-                    </a:lnTlToBr>
-                    <a:lnBlToTr>
-                      <a:noFill/>
-                    </a:lnBlToTr>
-                    <a:solidFill>
-                      <a:srgbClr val="CCD1E1"/>
-                    </a:solidFill>
-                  </a:tcPr>
+                  <a:tcPr marL="53410" marR="53410" marT="29903" marB="27126" horzOverflow="overflow"/>
                 </a:tc>
                 <a:tc hMerge="1">
                   <a:txBody>
@@ -11925,7 +11300,7 @@
                   </a:ext>
                 </a:extLst>
               </a:tr>
-              <a:tr h="280098">
+              <a:tr h="292160">
                 <a:tc>
                   <a:txBody>
                     <a:bodyPr/>
@@ -12318,69 +11693,31 @@
                         </a:tabLst>
                       </a:pPr>
                       <a:r>
-                        <a:rPr kumimoji="0" lang="pt-BR" altLang="pt-BR" sz="1100" b="0" i="1" u="none" strike="noStrike" cap="none" normalizeH="0" baseline="0">
+                        <a:rPr kumimoji="0" lang="pt-BR" altLang="pt-BR" sz="1100" u="none" strike="noStrike" cap="none" normalizeH="0" baseline="0">
                           <a:ln>
                             <a:noFill/>
                           </a:ln>
-                          <a:solidFill>
-                            <a:srgbClr val="2469A6"/>
-                          </a:solidFill>
                           <a:effectLst/>
                           <a:latin typeface="Arial" panose="020B0604020202020204" pitchFamily="34" charset="0"/>
-                          <a:ea typeface="MS PGothic" panose="020B0600070205080204" pitchFamily="34" charset="-128"/>
                           <a:cs typeface="Arial" panose="020B0604020202020204" pitchFamily="34" charset="0"/>
                         </a:rPr>
                         <a:t>Procedimentos</a:t>
                       </a:r>
+                      <a:endParaRPr kumimoji="0" lang="pt-BR" altLang="pt-BR" sz="1100" b="0" i="1" u="none" strike="noStrike" cap="none" normalizeH="0" baseline="0">
+                        <a:ln>
+                          <a:noFill/>
+                        </a:ln>
+                        <a:solidFill>
+                          <a:srgbClr val="2469A6"/>
+                        </a:solidFill>
+                        <a:effectLst/>
+                        <a:latin typeface="Arial" panose="020B0604020202020204" pitchFamily="34" charset="0"/>
+                        <a:ea typeface="MS PGothic" panose="020B0600070205080204" pitchFamily="34" charset="-128"/>
+                        <a:cs typeface="Arial" panose="020B0604020202020204" pitchFamily="34" charset="0"/>
+                      </a:endParaRPr>
                     </a:p>
                   </a:txBody>
-                  <a:tcPr marL="53410" marR="53410" marT="29476" marB="27126" horzOverflow="overflow">
-                    <a:lnL w="720" cap="flat" cmpd="sng" algn="ctr">
-                      <a:solidFill>
-                        <a:srgbClr val="FFFFFF"/>
-                      </a:solidFill>
-                      <a:prstDash val="solid"/>
-                      <a:round/>
-                      <a:headEnd type="none" w="med" len="med"/>
-                      <a:tailEnd type="none" w="med" len="med"/>
-                    </a:lnL>
-                    <a:lnR w="720" cap="flat" cmpd="sng" algn="ctr">
-                      <a:solidFill>
-                        <a:srgbClr val="FFFFFF"/>
-                      </a:solidFill>
-                      <a:prstDash val="solid"/>
-                      <a:round/>
-                      <a:headEnd type="none" w="med" len="med"/>
-                      <a:tailEnd type="none" w="med" len="med"/>
-                    </a:lnR>
-                    <a:lnT w="720" cap="flat" cmpd="sng" algn="ctr">
-                      <a:solidFill>
-                        <a:srgbClr val="FFFFFF"/>
-                      </a:solidFill>
-                      <a:prstDash val="solid"/>
-                      <a:round/>
-                      <a:headEnd type="none" w="med" len="med"/>
-                      <a:tailEnd type="none" w="med" len="med"/>
-                    </a:lnT>
-                    <a:lnB w="720" cap="flat" cmpd="sng" algn="ctr">
-                      <a:solidFill>
-                        <a:srgbClr val="FFFFFF"/>
-                      </a:solidFill>
-                      <a:prstDash val="solid"/>
-                      <a:round/>
-                      <a:headEnd type="none" w="med" len="med"/>
-                      <a:tailEnd type="none" w="med" len="med"/>
-                    </a:lnB>
-                    <a:lnTlToBr>
-                      <a:noFill/>
-                    </a:lnTlToBr>
-                    <a:lnBlToTr>
-                      <a:noFill/>
-                    </a:lnBlToTr>
-                    <a:solidFill>
-                      <a:srgbClr val="E8E9F1"/>
-                    </a:solidFill>
-                  </a:tcPr>
+                  <a:tcPr marL="53410" marR="53410" marT="29476" marB="27126" horzOverflow="overflow"/>
                 </a:tc>
                 <a:tc>
                   <a:txBody>
@@ -12774,63 +12111,31 @@
                         </a:tabLst>
                       </a:pPr>
                       <a:r>
-                        <a:rPr kumimoji="0" lang="pt-BR" altLang="pt-BR" sz="1100" b="0" i="1" u="none" strike="noStrike" cap="none" normalizeH="0" baseline="0">
+                        <a:rPr kumimoji="0" lang="pt-BR" altLang="pt-BR" sz="1100" u="none" strike="noStrike" cap="none" normalizeH="0" baseline="0">
                           <a:ln>
                             <a:noFill/>
                           </a:ln>
-                          <a:solidFill>
-                            <a:srgbClr val="2469A6"/>
-                          </a:solidFill>
                           <a:effectLst/>
                           <a:latin typeface="Arial" panose="020B0604020202020204" pitchFamily="34" charset="0"/>
-                          <a:ea typeface="MS PGothic" panose="020B0600070205080204" pitchFamily="34" charset="-128"/>
                           <a:cs typeface="Arial" panose="020B0604020202020204" pitchFamily="34" charset="0"/>
                         </a:rPr>
                         <a:t>Resultado Esperado</a:t>
                       </a:r>
+                      <a:endParaRPr kumimoji="0" lang="pt-BR" altLang="pt-BR" sz="1100" b="0" i="1" u="none" strike="noStrike" cap="none" normalizeH="0" baseline="0">
+                        <a:ln>
+                          <a:noFill/>
+                        </a:ln>
+                        <a:solidFill>
+                          <a:srgbClr val="2469A6"/>
+                        </a:solidFill>
+                        <a:effectLst/>
+                        <a:latin typeface="Arial" panose="020B0604020202020204" pitchFamily="34" charset="0"/>
+                        <a:ea typeface="MS PGothic" panose="020B0600070205080204" pitchFamily="34" charset="-128"/>
+                        <a:cs typeface="Arial" panose="020B0604020202020204" pitchFamily="34" charset="0"/>
+                      </a:endParaRPr>
                     </a:p>
                   </a:txBody>
-                  <a:tcPr marL="53410" marR="53410" marT="29476" marB="27126" horzOverflow="overflow">
-                    <a:lnL w="720" cap="flat" cmpd="sng" algn="ctr">
-                      <a:solidFill>
-                        <a:srgbClr val="FFFFFF"/>
-                      </a:solidFill>
-                      <a:prstDash val="solid"/>
-                      <a:round/>
-                      <a:headEnd type="none" w="med" len="med"/>
-                      <a:tailEnd type="none" w="med" len="med"/>
-                    </a:lnL>
-                    <a:lnR w="720" cap="flat" cmpd="sng" algn="ctr">
-                      <a:solidFill>
-                        <a:srgbClr val="FFFFFF"/>
-                      </a:solidFill>
-                      <a:prstDash val="solid"/>
-                      <a:round/>
-                      <a:headEnd type="none" w="med" len="med"/>
-                      <a:tailEnd type="none" w="med" len="med"/>
-                    </a:lnR>
-                    <a:lnT>
-                      <a:noFill/>
-                    </a:lnT>
-                    <a:lnB w="720" cap="flat" cmpd="sng" algn="ctr">
-                      <a:solidFill>
-                        <a:srgbClr val="FFFFFF"/>
-                      </a:solidFill>
-                      <a:prstDash val="solid"/>
-                      <a:round/>
-                      <a:headEnd type="none" w="med" len="med"/>
-                      <a:tailEnd type="none" w="med" len="med"/>
-                    </a:lnB>
-                    <a:lnTlToBr>
-                      <a:noFill/>
-                    </a:lnTlToBr>
-                    <a:lnBlToTr>
-                      <a:noFill/>
-                    </a:lnBlToTr>
-                    <a:solidFill>
-                      <a:srgbClr val="E8E9F1"/>
-                    </a:solidFill>
-                  </a:tcPr>
+                  <a:tcPr marL="53410" marR="53410" marT="29476" marB="27126" horzOverflow="overflow"/>
                 </a:tc>
                 <a:extLst>
                   <a:ext uri="{0D108BD9-81ED-4DB2-BD59-A6C34878D82A}">
@@ -12838,7 +12143,7 @@
                   </a:ext>
                 </a:extLst>
               </a:tr>
-              <a:tr h="613381">
+              <a:tr h="639795">
                 <a:tc>
                   <a:txBody>
                     <a:bodyPr/>
@@ -13231,99 +12536,31 @@
                         </a:tabLst>
                       </a:pPr>
                       <a:r>
-                        <a:rPr kumimoji="0" lang="pt-BR" altLang="pt-BR" sz="1100" b="0" i="0" u="none" strike="noStrike" cap="none" normalizeH="0" baseline="0" dirty="0">
+                        <a:rPr kumimoji="0" lang="pt-BR" altLang="pt-BR" sz="1100" u="none" strike="noStrike" cap="none" normalizeH="0" baseline="0" dirty="0">
                           <a:ln>
                             <a:noFill/>
                           </a:ln>
-                          <a:solidFill>
-                            <a:srgbClr val="000000"/>
-                          </a:solidFill>
                           <a:effectLst/>
                           <a:latin typeface="Arial" panose="020B0604020202020204" pitchFamily="34" charset="0"/>
-                          <a:ea typeface="MS PGothic" panose="020B0600070205080204" pitchFamily="34" charset="-128"/>
                           <a:cs typeface="Arial" panose="020B0604020202020204" pitchFamily="34" charset="0"/>
                         </a:rPr>
-                        <a:t>1. Escolher o filtro “</a:t>
+                        <a:t>1. Em lançamentos clicar em “Busca Avançada”.</a:t>
                       </a:r>
-                      <a:r>
-                        <a:rPr kumimoji="0" lang="pt-BR" altLang="pt-BR" sz="1100" b="0" i="0" u="none" strike="noStrike" cap="none" normalizeH="0" baseline="0" dirty="0">
-                          <a:ln>
-                            <a:noFill/>
-                          </a:ln>
-                          <a:solidFill>
-                            <a:schemeClr val="tx1"/>
-                          </a:solidFill>
-                          <a:effectLst/>
-                          <a:latin typeface="Arial" panose="020B0604020202020204" pitchFamily="34" charset="0"/>
-                          <a:ea typeface="MS PGothic" panose="020B0600070205080204" pitchFamily="34" charset="-128"/>
-                          <a:cs typeface="Arial" panose="020B0604020202020204" pitchFamily="34" charset="0"/>
-                        </a:rPr>
-                        <a:t>Conta Financeira</a:t>
-                      </a:r>
-                      <a:r>
-                        <a:rPr kumimoji="0" lang="pt-BR" altLang="pt-BR" sz="1100" b="0" i="0" u="none" strike="noStrike" cap="none" normalizeH="0" baseline="0" dirty="0">
-                          <a:ln>
-                            <a:noFill/>
-                          </a:ln>
-                          <a:solidFill>
-                            <a:srgbClr val="000000"/>
-                          </a:solidFill>
-                          <a:effectLst/>
-                          <a:latin typeface="Arial" panose="020B0604020202020204" pitchFamily="34" charset="0"/>
-                          <a:ea typeface="MS PGothic" panose="020B0600070205080204" pitchFamily="34" charset="-128"/>
-                          <a:cs typeface="Arial" panose="020B0604020202020204" pitchFamily="34" charset="0"/>
-                        </a:rPr>
-                        <a:t>”</a:t>
-                      </a:r>
+                      <a:endParaRPr kumimoji="0" lang="pt-BR" altLang="pt-BR" sz="1100" b="0" i="0" u="none" strike="noStrike" cap="none" normalizeH="0" baseline="0" dirty="0">
+                        <a:ln>
+                          <a:noFill/>
+                        </a:ln>
+                        <a:solidFill>
+                          <a:srgbClr val="000000"/>
+                        </a:solidFill>
+                        <a:effectLst/>
+                        <a:latin typeface="Arial" panose="020B0604020202020204" pitchFamily="34" charset="0"/>
+                        <a:ea typeface="MS PGothic" panose="020B0600070205080204" pitchFamily="34" charset="-128"/>
+                        <a:cs typeface="Arial" panose="020B0604020202020204" pitchFamily="34" charset="0"/>
+                      </a:endParaRPr>
                     </a:p>
                   </a:txBody>
-                  <a:tcPr marL="53410" marR="53410" marT="29262" marB="27126" horzOverflow="overflow">
-                    <a:lnL w="720" cap="flat" cmpd="sng" algn="ctr">
-                      <a:solidFill>
-                        <a:srgbClr val="FFFFFF"/>
-                      </a:solidFill>
-                      <a:prstDash val="solid"/>
-                      <a:round/>
-                      <a:headEnd type="none" w="med" len="med"/>
-                      <a:tailEnd type="none" w="med" len="med"/>
-                    </a:lnL>
-                    <a:lnR w="720" cap="flat" cmpd="sng" algn="ctr">
-                      <a:solidFill>
-                        <a:srgbClr val="FFFFFF"/>
-                      </a:solidFill>
-                      <a:prstDash val="solid"/>
-                      <a:round/>
-                      <a:headEnd type="none" w="med" len="med"/>
-                      <a:tailEnd type="none" w="med" len="med"/>
-                    </a:lnR>
-                    <a:lnT w="720" cap="flat" cmpd="sng" algn="ctr">
-                      <a:solidFill>
-                        <a:srgbClr val="FFFFFF"/>
-                      </a:solidFill>
-                      <a:prstDash val="solid"/>
-                      <a:round/>
-                      <a:headEnd type="none" w="med" len="med"/>
-                      <a:tailEnd type="none" w="med" len="med"/>
-                    </a:lnT>
-                    <a:lnB w="720" cap="flat" cmpd="sng" algn="ctr">
-                      <a:solidFill>
-                        <a:srgbClr val="FFFFFF"/>
-                      </a:solidFill>
-                      <a:prstDash val="solid"/>
-                      <a:round/>
-                      <a:headEnd type="none" w="med" len="med"/>
-                      <a:tailEnd type="none" w="med" len="med"/>
-                    </a:lnB>
-                    <a:lnTlToBr>
-                      <a:noFill/>
-                    </a:lnTlToBr>
-                    <a:lnBlToTr>
-                      <a:noFill/>
-                    </a:lnBlToTr>
-                    <a:solidFill>
-                      <a:srgbClr val="CCD1E1"/>
-                    </a:solidFill>
-                  </a:tcPr>
+                  <a:tcPr marL="53410" marR="53410" marT="29262" marB="27126" horzOverflow="overflow"/>
                 </a:tc>
                 <a:tc>
                   <a:txBody>
@@ -13717,69 +12954,31 @@
                         </a:tabLst>
                       </a:pPr>
                       <a:r>
-                        <a:rPr kumimoji="0" lang="pt-BR" altLang="pt-BR" sz="1100" b="0" i="0" u="none" strike="noStrike" cap="none" normalizeH="0" baseline="0" dirty="0">
+                        <a:rPr kumimoji="0" lang="pt-BR" altLang="pt-BR" sz="1100" u="none" strike="noStrike" cap="none" normalizeH="0" baseline="0" dirty="0">
                           <a:ln>
                             <a:noFill/>
                           </a:ln>
-                          <a:solidFill>
-                            <a:srgbClr val="000000"/>
-                          </a:solidFill>
                           <a:effectLst/>
                           <a:latin typeface="Arial" panose="020B0604020202020204" pitchFamily="34" charset="0"/>
-                          <a:ea typeface="MS PGothic" panose="020B0600070205080204" pitchFamily="34" charset="-128"/>
                           <a:cs typeface="Arial" panose="020B0604020202020204" pitchFamily="34" charset="0"/>
                         </a:rPr>
                         <a:t>Deve aparecer uma tela apresentando as contas financeiras</a:t>
                       </a:r>
+                      <a:endParaRPr kumimoji="0" lang="pt-BR" altLang="pt-BR" sz="1100" b="0" i="0" u="none" strike="noStrike" cap="none" normalizeH="0" baseline="0" dirty="0">
+                        <a:ln>
+                          <a:noFill/>
+                        </a:ln>
+                        <a:solidFill>
+                          <a:srgbClr val="000000"/>
+                        </a:solidFill>
+                        <a:effectLst/>
+                        <a:latin typeface="Arial" panose="020B0604020202020204" pitchFamily="34" charset="0"/>
+                        <a:ea typeface="MS PGothic" panose="020B0600070205080204" pitchFamily="34" charset="-128"/>
+                        <a:cs typeface="Arial" panose="020B0604020202020204" pitchFamily="34" charset="0"/>
+                      </a:endParaRPr>
                     </a:p>
                   </a:txBody>
-                  <a:tcPr marL="53410" marR="53410" marT="29262" marB="27126" horzOverflow="overflow">
-                    <a:lnL w="720" cap="flat" cmpd="sng" algn="ctr">
-                      <a:solidFill>
-                        <a:srgbClr val="FFFFFF"/>
-                      </a:solidFill>
-                      <a:prstDash val="solid"/>
-                      <a:round/>
-                      <a:headEnd type="none" w="med" len="med"/>
-                      <a:tailEnd type="none" w="med" len="med"/>
-                    </a:lnL>
-                    <a:lnR w="720" cap="flat" cmpd="sng" algn="ctr">
-                      <a:solidFill>
-                        <a:srgbClr val="FFFFFF"/>
-                      </a:solidFill>
-                      <a:prstDash val="solid"/>
-                      <a:round/>
-                      <a:headEnd type="none" w="med" len="med"/>
-                      <a:tailEnd type="none" w="med" len="med"/>
-                    </a:lnR>
-                    <a:lnT w="720" cap="flat" cmpd="sng" algn="ctr">
-                      <a:solidFill>
-                        <a:srgbClr val="FFFFFF"/>
-                      </a:solidFill>
-                      <a:prstDash val="solid"/>
-                      <a:round/>
-                      <a:headEnd type="none" w="med" len="med"/>
-                      <a:tailEnd type="none" w="med" len="med"/>
-                    </a:lnT>
-                    <a:lnB w="720" cap="flat" cmpd="sng" algn="ctr">
-                      <a:solidFill>
-                        <a:srgbClr val="FFFFFF"/>
-                      </a:solidFill>
-                      <a:prstDash val="solid"/>
-                      <a:round/>
-                      <a:headEnd type="none" w="med" len="med"/>
-                      <a:tailEnd type="none" w="med" len="med"/>
-                    </a:lnB>
-                    <a:lnTlToBr>
-                      <a:noFill/>
-                    </a:lnTlToBr>
-                    <a:lnBlToTr>
-                      <a:noFill/>
-                    </a:lnBlToTr>
-                    <a:solidFill>
-                      <a:srgbClr val="CCD1E1"/>
-                    </a:solidFill>
-                  </a:tcPr>
+                  <a:tcPr marL="53410" marR="53410" marT="29262" marB="27126" horzOverflow="overflow"/>
                 </a:tc>
                 <a:extLst>
                   <a:ext uri="{0D108BD9-81ED-4DB2-BD59-A6C34878D82A}">
@@ -13787,7 +12986,7 @@
                   </a:ext>
                 </a:extLst>
               </a:tr>
-              <a:tr h="969709">
+              <a:tr h="1011468">
                 <a:tc>
                   <a:txBody>
                     <a:bodyPr/>
@@ -14178,71 +13377,34 @@
                           <a:tab pos="8534400" algn="l"/>
                           <a:tab pos="8983663" algn="l"/>
                         </a:tabLst>
+                        <a:defRPr/>
                       </a:pPr>
                       <a:r>
-                        <a:rPr kumimoji="0" lang="pt-BR" altLang="pt-BR" sz="1100" b="0" i="0" u="none" strike="noStrike" cap="none" normalizeH="0" baseline="0" dirty="0">
+                        <a:rPr kumimoji="0" lang="pt-BR" altLang="pt-BR" sz="1100" u="none" strike="noStrike" cap="none" normalizeH="0" baseline="0" dirty="0">
                           <a:ln>
                             <a:noFill/>
                           </a:ln>
-                          <a:solidFill>
-                            <a:srgbClr val="000000"/>
-                          </a:solidFill>
                           <a:effectLst/>
                           <a:latin typeface="Arial" panose="020B0604020202020204" pitchFamily="34" charset="0"/>
-                          <a:ea typeface="MS PGothic" panose="020B0600070205080204" pitchFamily="34" charset="-128"/>
                           <a:cs typeface="Arial" panose="020B0604020202020204" pitchFamily="34" charset="0"/>
                         </a:rPr>
-                        <a:t>2. Selecionar a conta financeira e finalizar o procedimento escolhendo “Buscar”.</a:t>
+                        <a:t>2. Informar a “Conta” e então finalizar o procedimento escolhendo “Buscar”.</a:t>
                       </a:r>
+                      <a:endParaRPr kumimoji="0" lang="pt-BR" altLang="pt-BR" sz="1100" b="0" i="0" u="none" strike="noStrike" cap="none" normalizeH="0" baseline="0" dirty="0">
+                        <a:ln>
+                          <a:noFill/>
+                        </a:ln>
+                        <a:solidFill>
+                          <a:srgbClr val="000000"/>
+                        </a:solidFill>
+                        <a:effectLst/>
+                        <a:latin typeface="Arial" panose="020B0604020202020204" pitchFamily="34" charset="0"/>
+                        <a:ea typeface="MS PGothic" panose="020B0600070205080204" pitchFamily="34" charset="-128"/>
+                        <a:cs typeface="Arial" panose="020B0604020202020204" pitchFamily="34" charset="0"/>
+                      </a:endParaRPr>
                     </a:p>
                   </a:txBody>
-                  <a:tcPr marL="53410" marR="53410" marT="29262" marB="27126" horzOverflow="overflow">
-                    <a:lnL w="720" cap="flat" cmpd="sng" algn="ctr">
-                      <a:solidFill>
-                        <a:srgbClr val="FFFFFF"/>
-                      </a:solidFill>
-                      <a:prstDash val="solid"/>
-                      <a:round/>
-                      <a:headEnd type="none" w="med" len="med"/>
-                      <a:tailEnd type="none" w="med" len="med"/>
-                    </a:lnL>
-                    <a:lnR w="720" cap="flat" cmpd="sng" algn="ctr">
-                      <a:solidFill>
-                        <a:srgbClr val="FFFFFF"/>
-                      </a:solidFill>
-                      <a:prstDash val="solid"/>
-                      <a:round/>
-                      <a:headEnd type="none" w="med" len="med"/>
-                      <a:tailEnd type="none" w="med" len="med"/>
-                    </a:lnR>
-                    <a:lnT w="720" cap="flat" cmpd="sng" algn="ctr">
-                      <a:solidFill>
-                        <a:srgbClr val="FFFFFF"/>
-                      </a:solidFill>
-                      <a:prstDash val="solid"/>
-                      <a:round/>
-                      <a:headEnd type="none" w="med" len="med"/>
-                      <a:tailEnd type="none" w="med" len="med"/>
-                    </a:lnT>
-                    <a:lnB w="720" cap="flat" cmpd="sng" algn="ctr">
-                      <a:solidFill>
-                        <a:srgbClr val="FFFFFF"/>
-                      </a:solidFill>
-                      <a:prstDash val="solid"/>
-                      <a:round/>
-                      <a:headEnd type="none" w="med" len="med"/>
-                      <a:tailEnd type="none" w="med" len="med"/>
-                    </a:lnB>
-                    <a:lnTlToBr>
-                      <a:noFill/>
-                    </a:lnTlToBr>
-                    <a:lnBlToTr>
-                      <a:noFill/>
-                    </a:lnBlToTr>
-                    <a:solidFill>
-                      <a:srgbClr val="E8E9F1"/>
-                    </a:solidFill>
-                  </a:tcPr>
+                  <a:tcPr marL="53410" marR="53410" marT="29262" marB="27126" horzOverflow="overflow"/>
                 </a:tc>
                 <a:tc>
                   <a:txBody>
@@ -14636,69 +13798,31 @@
                         </a:tabLst>
                       </a:pPr>
                       <a:r>
-                        <a:rPr kumimoji="0" lang="pt-BR" altLang="pt-BR" sz="1100" b="0" i="0" u="none" strike="noStrike" cap="none" normalizeH="0" baseline="0" dirty="0">
+                        <a:rPr kumimoji="0" lang="pt-BR" altLang="pt-BR" sz="1100" u="none" strike="noStrike" cap="none" normalizeH="0" baseline="0" dirty="0">
                           <a:ln>
                             <a:noFill/>
                           </a:ln>
-                          <a:solidFill>
-                            <a:srgbClr val="000000"/>
-                          </a:solidFill>
                           <a:effectLst/>
                           <a:latin typeface="Arial" panose="020B0604020202020204" pitchFamily="34" charset="0"/>
-                          <a:ea typeface="MS PGothic" panose="020B0600070205080204" pitchFamily="34" charset="-128"/>
                           <a:cs typeface="Arial" panose="020B0604020202020204" pitchFamily="34" charset="0"/>
                         </a:rPr>
                         <a:t>Aparece uma tela com a lista de lançamentos  de determinado conta financeira informado.</a:t>
                       </a:r>
+                      <a:endParaRPr kumimoji="0" lang="pt-BR" altLang="pt-BR" sz="1100" b="0" i="0" u="none" strike="noStrike" cap="none" normalizeH="0" baseline="0" dirty="0">
+                        <a:ln>
+                          <a:noFill/>
+                        </a:ln>
+                        <a:solidFill>
+                          <a:srgbClr val="000000"/>
+                        </a:solidFill>
+                        <a:effectLst/>
+                        <a:latin typeface="Arial" panose="020B0604020202020204" pitchFamily="34" charset="0"/>
+                        <a:ea typeface="MS PGothic" panose="020B0600070205080204" pitchFamily="34" charset="-128"/>
+                        <a:cs typeface="Arial" panose="020B0604020202020204" pitchFamily="34" charset="0"/>
+                      </a:endParaRPr>
                     </a:p>
                   </a:txBody>
-                  <a:tcPr marL="53410" marR="53410" marT="29262" marB="27126" horzOverflow="overflow">
-                    <a:lnL w="720" cap="flat" cmpd="sng" algn="ctr">
-                      <a:solidFill>
-                        <a:srgbClr val="FFFFFF"/>
-                      </a:solidFill>
-                      <a:prstDash val="solid"/>
-                      <a:round/>
-                      <a:headEnd type="none" w="med" len="med"/>
-                      <a:tailEnd type="none" w="med" len="med"/>
-                    </a:lnL>
-                    <a:lnR w="720" cap="flat" cmpd="sng" algn="ctr">
-                      <a:solidFill>
-                        <a:srgbClr val="FFFFFF"/>
-                      </a:solidFill>
-                      <a:prstDash val="solid"/>
-                      <a:round/>
-                      <a:headEnd type="none" w="med" len="med"/>
-                      <a:tailEnd type="none" w="med" len="med"/>
-                    </a:lnR>
-                    <a:lnT w="720" cap="flat" cmpd="sng" algn="ctr">
-                      <a:solidFill>
-                        <a:srgbClr val="FFFFFF"/>
-                      </a:solidFill>
-                      <a:prstDash val="solid"/>
-                      <a:round/>
-                      <a:headEnd type="none" w="med" len="med"/>
-                      <a:tailEnd type="none" w="med" len="med"/>
-                    </a:lnT>
-                    <a:lnB w="720" cap="flat" cmpd="sng" algn="ctr">
-                      <a:solidFill>
-                        <a:srgbClr val="FFFFFF"/>
-                      </a:solidFill>
-                      <a:prstDash val="solid"/>
-                      <a:round/>
-                      <a:headEnd type="none" w="med" len="med"/>
-                      <a:tailEnd type="none" w="med" len="med"/>
-                    </a:lnB>
-                    <a:lnTlToBr>
-                      <a:noFill/>
-                    </a:lnTlToBr>
-                    <a:lnBlToTr>
-                      <a:noFill/>
-                    </a:lnBlToTr>
-                    <a:solidFill>
-                      <a:srgbClr val="E8E9F1"/>
-                    </a:solidFill>
-                  </a:tcPr>
+                  <a:tcPr marL="53410" marR="53410" marT="29262" marB="27126" horzOverflow="overflow"/>
                 </a:tc>
                 <a:extLst>
                   <a:ext uri="{0D108BD9-81ED-4DB2-BD59-A6C34878D82A}">
@@ -14785,28 +13909,30 @@
           <p:nvPr>
             <p:extLst>
               <p:ext uri="{D42A27DB-BD31-4B8C-83A1-F6EECF244321}">
-                <p14:modId xmlns:p14="http://schemas.microsoft.com/office/powerpoint/2010/main" val="300919097"/>
+                <p14:modId xmlns:p14="http://schemas.microsoft.com/office/powerpoint/2010/main" val="1711235442"/>
               </p:ext>
             </p:extLst>
           </p:nvPr>
         </p:nvGraphicFramePr>
         <p:xfrm>
-          <a:off x="3468670" y="2533127"/>
-          <a:ext cx="5254660" cy="1791747"/>
+          <a:off x="3396000" y="1989000"/>
+          <a:ext cx="5400000" cy="2880000"/>
         </p:xfrm>
         <a:graphic>
           <a:graphicData uri="http://schemas.openxmlformats.org/drawingml/2006/table">
             <a:tbl>
-              <a:tblPr/>
+              <a:tblPr>
+                <a:tableStyleId>{69CF1AB2-1976-4502-BF36-3FF5EA218861}</a:tableStyleId>
+              </a:tblPr>
               <a:tblGrid>
-                <a:gridCol w="2539903">
+                <a:gridCol w="2610155">
                   <a:extLst>
                     <a:ext uri="{9D8B030D-6E8A-4147-A177-3AD203B41FA5}">
                       <a16:colId xmlns:a16="http://schemas.microsoft.com/office/drawing/2014/main" val="2980957635"/>
                     </a:ext>
                   </a:extLst>
                 </a:gridCol>
-                <a:gridCol w="2714757">
+                <a:gridCol w="2789845">
                   <a:extLst>
                     <a:ext uri="{9D8B030D-6E8A-4147-A177-3AD203B41FA5}">
                       <a16:colId xmlns:a16="http://schemas.microsoft.com/office/drawing/2014/main" val="2234031304"/>
@@ -14814,7 +13940,7 @@
                   </a:extLst>
                 </a:gridCol>
               </a:tblGrid>
-              <a:tr h="361718">
+              <a:tr h="581415">
                 <a:tc gridSpan="2">
                   <a:txBody>
                     <a:bodyPr/>
@@ -15207,63 +14333,31 @@
                         </a:tabLst>
                       </a:pPr>
                       <a:r>
-                        <a:rPr kumimoji="0" lang="pt-BR" altLang="pt-BR" sz="1100" b="0" i="0" u="none" strike="noStrike" cap="none" normalizeH="0" baseline="0" dirty="0">
+                        <a:rPr kumimoji="0" lang="pt-BR" altLang="pt-BR" sz="1100" u="none" strike="noStrike" cap="none" normalizeH="0" baseline="0" dirty="0">
                           <a:ln>
                             <a:noFill/>
                           </a:ln>
-                          <a:solidFill>
-                            <a:srgbClr val="FFFFFF"/>
-                          </a:solidFill>
                           <a:effectLst/>
                           <a:latin typeface="Arial" panose="020B0604020202020204" pitchFamily="34" charset="0"/>
-                          <a:ea typeface="MS PGothic" panose="020B0600070205080204" pitchFamily="34" charset="-128"/>
                           <a:cs typeface="Arial" panose="020B0604020202020204" pitchFamily="34" charset="0"/>
                         </a:rPr>
                         <a:t>CT08.4 – Visualizar lançamentos por Vencidos.</a:t>
                       </a:r>
+                      <a:endParaRPr kumimoji="0" lang="pt-BR" altLang="pt-BR" sz="1100" b="0" i="0" u="none" strike="noStrike" cap="none" normalizeH="0" baseline="0" dirty="0">
+                        <a:ln>
+                          <a:noFill/>
+                        </a:ln>
+                        <a:solidFill>
+                          <a:srgbClr val="FFFFFF"/>
+                        </a:solidFill>
+                        <a:effectLst/>
+                        <a:latin typeface="Arial" panose="020B0604020202020204" pitchFamily="34" charset="0"/>
+                        <a:ea typeface="MS PGothic" panose="020B0600070205080204" pitchFamily="34" charset="-128"/>
+                        <a:cs typeface="Arial" panose="020B0604020202020204" pitchFamily="34" charset="0"/>
+                      </a:endParaRPr>
                     </a:p>
                   </a:txBody>
-                  <a:tcPr marL="53410" marR="53410" marT="29909" marB="27132" horzOverflow="overflow">
-                    <a:lnL w="720" cap="flat" cmpd="sng" algn="ctr">
-                      <a:solidFill>
-                        <a:srgbClr val="FFFFFF"/>
-                      </a:solidFill>
-                      <a:prstDash val="solid"/>
-                      <a:round/>
-                      <a:headEnd type="none" w="med" len="med"/>
-                      <a:tailEnd type="none" w="med" len="med"/>
-                    </a:lnL>
-                    <a:lnR>
-                      <a:noFill/>
-                    </a:lnR>
-                    <a:lnT w="720" cap="flat" cmpd="sng" algn="ctr">
-                      <a:solidFill>
-                        <a:srgbClr val="FFFFFF"/>
-                      </a:solidFill>
-                      <a:prstDash val="solid"/>
-                      <a:round/>
-                      <a:headEnd type="none" w="med" len="med"/>
-                      <a:tailEnd type="none" w="med" len="med"/>
-                    </a:lnT>
-                    <a:lnB w="720" cap="flat" cmpd="sng" algn="ctr">
-                      <a:solidFill>
-                        <a:srgbClr val="FFFFFF"/>
-                      </a:solidFill>
-                      <a:prstDash val="solid"/>
-                      <a:round/>
-                      <a:headEnd type="none" w="med" len="med"/>
-                      <a:tailEnd type="none" w="med" len="med"/>
-                    </a:lnB>
-                    <a:lnTlToBr>
-                      <a:noFill/>
-                    </a:lnTlToBr>
-                    <a:lnBlToTr>
-                      <a:noFill/>
-                    </a:lnBlToTr>
-                    <a:solidFill>
-                      <a:srgbClr val="80B5E2"/>
-                    </a:solidFill>
-                  </a:tcPr>
+                  <a:tcPr marL="53410" marR="53410" marT="29909" marB="27132" horzOverflow="overflow"/>
                 </a:tc>
                 <a:tc hMerge="1">
                   <a:txBody>
@@ -15281,7 +14375,7 @@
                   </a:ext>
                 </a:extLst>
               </a:tr>
-              <a:tr h="536372">
+              <a:tr h="862148">
                 <a:tc gridSpan="2">
                   <a:txBody>
                     <a:bodyPr/>
@@ -15674,63 +14768,31 @@
                         </a:tabLst>
                       </a:pPr>
                       <a:r>
-                        <a:rPr kumimoji="0" lang="pt-BR" altLang="pt-BR" sz="1100" b="0" i="0" u="none" strike="noStrike" cap="none" normalizeH="0" baseline="0" dirty="0">
+                        <a:rPr kumimoji="0" lang="pt-BR" altLang="pt-BR" sz="1100" u="none" strike="noStrike" cap="none" normalizeH="0" baseline="0" dirty="0">
                           <a:ln>
                             <a:noFill/>
                           </a:ln>
-                          <a:solidFill>
-                            <a:srgbClr val="000000"/>
-                          </a:solidFill>
                           <a:effectLst/>
                           <a:latin typeface="Arial" panose="020B0604020202020204" pitchFamily="34" charset="0"/>
-                          <a:ea typeface="MS PGothic" panose="020B0600070205080204" pitchFamily="34" charset="-128"/>
                           <a:cs typeface="Arial" panose="020B0604020202020204" pitchFamily="34" charset="0"/>
                         </a:rPr>
                         <a:t>Pré-condição: O usuário deve estar autenticado no sistema.</a:t>
                       </a:r>
+                      <a:endParaRPr kumimoji="0" lang="pt-BR" altLang="pt-BR" sz="1100" b="0" i="0" u="none" strike="noStrike" cap="none" normalizeH="0" baseline="0" dirty="0">
+                        <a:ln>
+                          <a:noFill/>
+                        </a:ln>
+                        <a:solidFill>
+                          <a:srgbClr val="000000"/>
+                        </a:solidFill>
+                        <a:effectLst/>
+                        <a:latin typeface="Arial" panose="020B0604020202020204" pitchFamily="34" charset="0"/>
+                        <a:ea typeface="MS PGothic" panose="020B0600070205080204" pitchFamily="34" charset="-128"/>
+                        <a:cs typeface="Arial" panose="020B0604020202020204" pitchFamily="34" charset="0"/>
+                      </a:endParaRPr>
                     </a:p>
                   </a:txBody>
-                  <a:tcPr marL="53410" marR="53410" marT="29909" marB="27132" horzOverflow="overflow">
-                    <a:lnL w="720" cap="flat" cmpd="sng" algn="ctr">
-                      <a:solidFill>
-                        <a:srgbClr val="FFFFFF"/>
-                      </a:solidFill>
-                      <a:prstDash val="solid"/>
-                      <a:round/>
-                      <a:headEnd type="none" w="med" len="med"/>
-                      <a:tailEnd type="none" w="med" len="med"/>
-                    </a:lnL>
-                    <a:lnR>
-                      <a:noFill/>
-                    </a:lnR>
-                    <a:lnT w="720" cap="flat" cmpd="sng" algn="ctr">
-                      <a:solidFill>
-                        <a:srgbClr val="FFFFFF"/>
-                      </a:solidFill>
-                      <a:prstDash val="solid"/>
-                      <a:round/>
-                      <a:headEnd type="none" w="med" len="med"/>
-                      <a:tailEnd type="none" w="med" len="med"/>
-                    </a:lnT>
-                    <a:lnB w="720" cap="flat" cmpd="sng" algn="ctr">
-                      <a:solidFill>
-                        <a:srgbClr val="FFFFFF"/>
-                      </a:solidFill>
-                      <a:prstDash val="solid"/>
-                      <a:round/>
-                      <a:headEnd type="none" w="med" len="med"/>
-                      <a:tailEnd type="none" w="med" len="med"/>
-                    </a:lnB>
-                    <a:lnTlToBr>
-                      <a:noFill/>
-                    </a:lnTlToBr>
-                    <a:lnBlToTr>
-                      <a:noFill/>
-                    </a:lnBlToTr>
-                    <a:solidFill>
-                      <a:srgbClr val="CCD1E1"/>
-                    </a:solidFill>
-                  </a:tcPr>
+                  <a:tcPr marL="53410" marR="53410" marT="29909" marB="27132" horzOverflow="overflow"/>
                 </a:tc>
                 <a:tc hMerge="1">
                   <a:txBody>
@@ -15748,7 +14810,7 @@
                   </a:ext>
                 </a:extLst>
               </a:tr>
-              <a:tr h="280154">
+              <a:tr h="450311">
                 <a:tc>
                   <a:txBody>
                     <a:bodyPr/>
@@ -16141,69 +15203,31 @@
                         </a:tabLst>
                       </a:pPr>
                       <a:r>
-                        <a:rPr kumimoji="0" lang="pt-BR" altLang="pt-BR" sz="1100" b="0" i="1" u="none" strike="noStrike" cap="none" normalizeH="0" baseline="0">
+                        <a:rPr kumimoji="0" lang="pt-BR" altLang="pt-BR" sz="1100" u="none" strike="noStrike" cap="none" normalizeH="0" baseline="0" dirty="0">
                           <a:ln>
                             <a:noFill/>
                           </a:ln>
-                          <a:solidFill>
-                            <a:srgbClr val="2469A6"/>
-                          </a:solidFill>
                           <a:effectLst/>
                           <a:latin typeface="Arial" panose="020B0604020202020204" pitchFamily="34" charset="0"/>
-                          <a:ea typeface="MS PGothic" panose="020B0600070205080204" pitchFamily="34" charset="-128"/>
                           <a:cs typeface="Arial" panose="020B0604020202020204" pitchFamily="34" charset="0"/>
                         </a:rPr>
                         <a:t>Procedimentos</a:t>
                       </a:r>
+                      <a:endParaRPr kumimoji="0" lang="pt-BR" altLang="pt-BR" sz="1100" b="0" i="1" u="none" strike="noStrike" cap="none" normalizeH="0" baseline="0" dirty="0">
+                        <a:ln>
+                          <a:noFill/>
+                        </a:ln>
+                        <a:solidFill>
+                          <a:srgbClr val="2469A6"/>
+                        </a:solidFill>
+                        <a:effectLst/>
+                        <a:latin typeface="Arial" panose="020B0604020202020204" pitchFamily="34" charset="0"/>
+                        <a:ea typeface="MS PGothic" panose="020B0600070205080204" pitchFamily="34" charset="-128"/>
+                        <a:cs typeface="Arial" panose="020B0604020202020204" pitchFamily="34" charset="0"/>
+                      </a:endParaRPr>
                     </a:p>
                   </a:txBody>
-                  <a:tcPr marL="53410" marR="53410" marT="29482" marB="27132" horzOverflow="overflow">
-                    <a:lnL w="720" cap="flat" cmpd="sng" algn="ctr">
-                      <a:solidFill>
-                        <a:srgbClr val="FFFFFF"/>
-                      </a:solidFill>
-                      <a:prstDash val="solid"/>
-                      <a:round/>
-                      <a:headEnd type="none" w="med" len="med"/>
-                      <a:tailEnd type="none" w="med" len="med"/>
-                    </a:lnL>
-                    <a:lnR w="720" cap="flat" cmpd="sng" algn="ctr">
-                      <a:solidFill>
-                        <a:srgbClr val="FFFFFF"/>
-                      </a:solidFill>
-                      <a:prstDash val="solid"/>
-                      <a:round/>
-                      <a:headEnd type="none" w="med" len="med"/>
-                      <a:tailEnd type="none" w="med" len="med"/>
-                    </a:lnR>
-                    <a:lnT w="720" cap="flat" cmpd="sng" algn="ctr">
-                      <a:solidFill>
-                        <a:srgbClr val="FFFFFF"/>
-                      </a:solidFill>
-                      <a:prstDash val="solid"/>
-                      <a:round/>
-                      <a:headEnd type="none" w="med" len="med"/>
-                      <a:tailEnd type="none" w="med" len="med"/>
-                    </a:lnT>
-                    <a:lnB w="720" cap="flat" cmpd="sng" algn="ctr">
-                      <a:solidFill>
-                        <a:srgbClr val="FFFFFF"/>
-                      </a:solidFill>
-                      <a:prstDash val="solid"/>
-                      <a:round/>
-                      <a:headEnd type="none" w="med" len="med"/>
-                      <a:tailEnd type="none" w="med" len="med"/>
-                    </a:lnB>
-                    <a:lnTlToBr>
-                      <a:noFill/>
-                    </a:lnTlToBr>
-                    <a:lnBlToTr>
-                      <a:noFill/>
-                    </a:lnBlToTr>
-                    <a:solidFill>
-                      <a:srgbClr val="E8E9F1"/>
-                    </a:solidFill>
-                  </a:tcPr>
+                  <a:tcPr marL="53410" marR="53410" marT="29482" marB="27132" horzOverflow="overflow"/>
                 </a:tc>
                 <a:tc>
                   <a:txBody>
@@ -16597,63 +15621,31 @@
                         </a:tabLst>
                       </a:pPr>
                       <a:r>
-                        <a:rPr kumimoji="0" lang="pt-BR" altLang="pt-BR" sz="1100" b="0" i="1" u="none" strike="noStrike" cap="none" normalizeH="0" baseline="0">
+                        <a:rPr kumimoji="0" lang="pt-BR" altLang="pt-BR" sz="1100" u="none" strike="noStrike" cap="none" normalizeH="0" baseline="0" dirty="0">
                           <a:ln>
                             <a:noFill/>
                           </a:ln>
-                          <a:solidFill>
-                            <a:srgbClr val="2469A6"/>
-                          </a:solidFill>
                           <a:effectLst/>
                           <a:latin typeface="Arial" panose="020B0604020202020204" pitchFamily="34" charset="0"/>
-                          <a:ea typeface="MS PGothic" panose="020B0600070205080204" pitchFamily="34" charset="-128"/>
                           <a:cs typeface="Arial" panose="020B0604020202020204" pitchFamily="34" charset="0"/>
                         </a:rPr>
                         <a:t>Resultado Esperado</a:t>
                       </a:r>
+                      <a:endParaRPr kumimoji="0" lang="pt-BR" altLang="pt-BR" sz="1100" b="0" i="1" u="none" strike="noStrike" cap="none" normalizeH="0" baseline="0" dirty="0">
+                        <a:ln>
+                          <a:noFill/>
+                        </a:ln>
+                        <a:solidFill>
+                          <a:srgbClr val="2469A6"/>
+                        </a:solidFill>
+                        <a:effectLst/>
+                        <a:latin typeface="Arial" panose="020B0604020202020204" pitchFamily="34" charset="0"/>
+                        <a:ea typeface="MS PGothic" panose="020B0600070205080204" pitchFamily="34" charset="-128"/>
+                        <a:cs typeface="Arial" panose="020B0604020202020204" pitchFamily="34" charset="0"/>
+                      </a:endParaRPr>
                     </a:p>
                   </a:txBody>
-                  <a:tcPr marL="53410" marR="53410" marT="29482" marB="27132" horzOverflow="overflow">
-                    <a:lnL w="720" cap="flat" cmpd="sng" algn="ctr">
-                      <a:solidFill>
-                        <a:srgbClr val="FFFFFF"/>
-                      </a:solidFill>
-                      <a:prstDash val="solid"/>
-                      <a:round/>
-                      <a:headEnd type="none" w="med" len="med"/>
-                      <a:tailEnd type="none" w="med" len="med"/>
-                    </a:lnL>
-                    <a:lnR w="720" cap="flat" cmpd="sng" algn="ctr">
-                      <a:solidFill>
-                        <a:srgbClr val="FFFFFF"/>
-                      </a:solidFill>
-                      <a:prstDash val="solid"/>
-                      <a:round/>
-                      <a:headEnd type="none" w="med" len="med"/>
-                      <a:tailEnd type="none" w="med" len="med"/>
-                    </a:lnR>
-                    <a:lnT>
-                      <a:noFill/>
-                    </a:lnT>
-                    <a:lnB w="720" cap="flat" cmpd="sng" algn="ctr">
-                      <a:solidFill>
-                        <a:srgbClr val="FFFFFF"/>
-                      </a:solidFill>
-                      <a:prstDash val="solid"/>
-                      <a:round/>
-                      <a:headEnd type="none" w="med" len="med"/>
-                      <a:tailEnd type="none" w="med" len="med"/>
-                    </a:lnB>
-                    <a:lnTlToBr>
-                      <a:noFill/>
-                    </a:lnTlToBr>
-                    <a:lnBlToTr>
-                      <a:noFill/>
-                    </a:lnBlToTr>
-                    <a:solidFill>
-                      <a:srgbClr val="E8E9F1"/>
-                    </a:solidFill>
-                  </a:tcPr>
+                  <a:tcPr marL="53410" marR="53410" marT="29482" marB="27132" horzOverflow="overflow"/>
                 </a:tc>
                 <a:extLst>
                   <a:ext uri="{0D108BD9-81ED-4DB2-BD59-A6C34878D82A}">
@@ -16661,7 +15653,7 @@
                   </a:ext>
                 </a:extLst>
               </a:tr>
-              <a:tr h="613503">
+              <a:tr h="986126">
                 <a:tc>
                   <a:txBody>
                     <a:bodyPr/>
@@ -17054,99 +16046,49 @@
                         </a:tabLst>
                       </a:pPr>
                       <a:r>
-                        <a:rPr kumimoji="0" lang="pt-BR" altLang="pt-BR" sz="1100" b="0" i="0" u="none" strike="noStrike" cap="none" normalizeH="0" baseline="0" dirty="0">
+                        <a:rPr kumimoji="0" lang="pt-BR" altLang="pt-BR" sz="1100" u="none" strike="noStrike" cap="none" normalizeH="0" baseline="0" dirty="0">
                           <a:ln>
                             <a:noFill/>
                           </a:ln>
-                          <a:solidFill>
-                            <a:srgbClr val="000000"/>
-                          </a:solidFill>
                           <a:effectLst/>
                           <a:latin typeface="Arial" panose="020B0604020202020204" pitchFamily="34" charset="0"/>
-                          <a:ea typeface="MS PGothic" panose="020B0600070205080204" pitchFamily="34" charset="-128"/>
                           <a:cs typeface="Arial" panose="020B0604020202020204" pitchFamily="34" charset="0"/>
                         </a:rPr>
                         <a:t>1. Escolher o filtro “</a:t>
                       </a:r>
                       <a:r>
-                        <a:rPr kumimoji="0" lang="pt-BR" altLang="pt-BR" sz="1100" b="0" i="0" u="none" strike="noStrike" cap="none" normalizeH="0" baseline="0" dirty="0">
+                        <a:rPr lang="pt-BR" sz="1100" dirty="0">
+                          <a:latin typeface="Arial" panose="020B0604020202020204" pitchFamily="34" charset="0"/>
+                          <a:cs typeface="Arial" panose="020B0604020202020204" pitchFamily="34" charset="0"/>
+                        </a:rPr>
+                        <a:t>Pendentes de Vencidos </a:t>
+                      </a:r>
+                      <a:r>
+                        <a:rPr kumimoji="0" lang="pt-BR" altLang="pt-BR" sz="1100" u="none" strike="noStrike" cap="none" normalizeH="0" baseline="0" dirty="0">
                           <a:ln>
                             <a:noFill/>
                           </a:ln>
-                          <a:solidFill>
-                            <a:schemeClr val="tx1"/>
-                          </a:solidFill>
                           <a:effectLst/>
                           <a:latin typeface="Arial" panose="020B0604020202020204" pitchFamily="34" charset="0"/>
-                          <a:ea typeface="MS PGothic" panose="020B0600070205080204" pitchFamily="34" charset="-128"/>
-                          <a:cs typeface="Arial" panose="020B0604020202020204" pitchFamily="34" charset="0"/>
-                        </a:rPr>
-                        <a:t>Vencidos</a:t>
-                      </a:r>
-                      <a:r>
-                        <a:rPr kumimoji="0" lang="pt-BR" altLang="pt-BR" sz="1100" b="0" i="0" u="none" strike="noStrike" cap="none" normalizeH="0" baseline="0" dirty="0">
-                          <a:ln>
-                            <a:noFill/>
-                          </a:ln>
-                          <a:solidFill>
-                            <a:srgbClr val="000000"/>
-                          </a:solidFill>
-                          <a:effectLst/>
-                          <a:latin typeface="Arial" panose="020B0604020202020204" pitchFamily="34" charset="0"/>
-                          <a:ea typeface="MS PGothic" panose="020B0600070205080204" pitchFamily="34" charset="-128"/>
                           <a:cs typeface="Arial" panose="020B0604020202020204" pitchFamily="34" charset="0"/>
                         </a:rPr>
                         <a:t>”</a:t>
                       </a:r>
+                      <a:endParaRPr kumimoji="0" lang="pt-BR" altLang="pt-BR" sz="1100" b="0" i="0" u="none" strike="noStrike" cap="none" normalizeH="0" baseline="0" dirty="0">
+                        <a:ln>
+                          <a:noFill/>
+                        </a:ln>
+                        <a:solidFill>
+                          <a:srgbClr val="000000"/>
+                        </a:solidFill>
+                        <a:effectLst/>
+                        <a:latin typeface="Arial" panose="020B0604020202020204" pitchFamily="34" charset="0"/>
+                        <a:ea typeface="MS PGothic" panose="020B0600070205080204" pitchFamily="34" charset="-128"/>
+                        <a:cs typeface="Arial" panose="020B0604020202020204" pitchFamily="34" charset="0"/>
+                      </a:endParaRPr>
                     </a:p>
                   </a:txBody>
-                  <a:tcPr marL="53410" marR="53410" marT="29268" marB="27132" horzOverflow="overflow">
-                    <a:lnL w="720" cap="flat" cmpd="sng" algn="ctr">
-                      <a:solidFill>
-                        <a:srgbClr val="FFFFFF"/>
-                      </a:solidFill>
-                      <a:prstDash val="solid"/>
-                      <a:round/>
-                      <a:headEnd type="none" w="med" len="med"/>
-                      <a:tailEnd type="none" w="med" len="med"/>
-                    </a:lnL>
-                    <a:lnR w="720" cap="flat" cmpd="sng" algn="ctr">
-                      <a:solidFill>
-                        <a:srgbClr val="FFFFFF"/>
-                      </a:solidFill>
-                      <a:prstDash val="solid"/>
-                      <a:round/>
-                      <a:headEnd type="none" w="med" len="med"/>
-                      <a:tailEnd type="none" w="med" len="med"/>
-                    </a:lnR>
-                    <a:lnT w="720" cap="flat" cmpd="sng" algn="ctr">
-                      <a:solidFill>
-                        <a:srgbClr val="FFFFFF"/>
-                      </a:solidFill>
-                      <a:prstDash val="solid"/>
-                      <a:round/>
-                      <a:headEnd type="none" w="med" len="med"/>
-                      <a:tailEnd type="none" w="med" len="med"/>
-                    </a:lnT>
-                    <a:lnB w="720" cap="flat" cmpd="sng" algn="ctr">
-                      <a:solidFill>
-                        <a:srgbClr val="FFFFFF"/>
-                      </a:solidFill>
-                      <a:prstDash val="solid"/>
-                      <a:round/>
-                      <a:headEnd type="none" w="med" len="med"/>
-                      <a:tailEnd type="none" w="med" len="med"/>
-                    </a:lnB>
-                    <a:lnTlToBr>
-                      <a:noFill/>
-                    </a:lnTlToBr>
-                    <a:lnBlToTr>
-                      <a:noFill/>
-                    </a:lnBlToTr>
-                    <a:solidFill>
-                      <a:srgbClr val="CCD1E1"/>
-                    </a:solidFill>
-                  </a:tcPr>
+                  <a:tcPr marL="53410" marR="53410" marT="29268" marB="27132" horzOverflow="overflow"/>
                 </a:tc>
                 <a:tc>
                   <a:txBody>
@@ -17540,69 +16482,31 @@
                         </a:tabLst>
                       </a:pPr>
                       <a:r>
-                        <a:rPr kumimoji="0" lang="pt-BR" altLang="pt-BR" sz="1100" b="0" i="0" u="none" strike="noStrike" cap="none" normalizeH="0" baseline="0" dirty="0">
+                        <a:rPr kumimoji="0" lang="pt-BR" altLang="pt-BR" sz="1100" u="none" strike="noStrike" cap="none" normalizeH="0" baseline="0" dirty="0">
                           <a:ln>
                             <a:noFill/>
                           </a:ln>
-                          <a:solidFill>
-                            <a:srgbClr val="000000"/>
-                          </a:solidFill>
                           <a:effectLst/>
                           <a:latin typeface="Arial" panose="020B0604020202020204" pitchFamily="34" charset="0"/>
-                          <a:ea typeface="MS PGothic" panose="020B0600070205080204" pitchFamily="34" charset="-128"/>
                           <a:cs typeface="Arial" panose="020B0604020202020204" pitchFamily="34" charset="0"/>
                         </a:rPr>
                         <a:t>Aparece uma tela com a lista de lançamentos  vencidos.</a:t>
                       </a:r>
+                      <a:endParaRPr kumimoji="0" lang="pt-BR" altLang="pt-BR" sz="1100" b="0" i="0" u="none" strike="noStrike" cap="none" normalizeH="0" baseline="0" dirty="0">
+                        <a:ln>
+                          <a:noFill/>
+                        </a:ln>
+                        <a:solidFill>
+                          <a:srgbClr val="000000"/>
+                        </a:solidFill>
+                        <a:effectLst/>
+                        <a:latin typeface="Arial" panose="020B0604020202020204" pitchFamily="34" charset="0"/>
+                        <a:ea typeface="MS PGothic" panose="020B0600070205080204" pitchFamily="34" charset="-128"/>
+                        <a:cs typeface="Arial" panose="020B0604020202020204" pitchFamily="34" charset="0"/>
+                      </a:endParaRPr>
                     </a:p>
                   </a:txBody>
-                  <a:tcPr marL="53410" marR="53410" marT="29268" marB="27132" horzOverflow="overflow">
-                    <a:lnL w="720" cap="flat" cmpd="sng" algn="ctr">
-                      <a:solidFill>
-                        <a:srgbClr val="FFFFFF"/>
-                      </a:solidFill>
-                      <a:prstDash val="solid"/>
-                      <a:round/>
-                      <a:headEnd type="none" w="med" len="med"/>
-                      <a:tailEnd type="none" w="med" len="med"/>
-                    </a:lnL>
-                    <a:lnR w="720" cap="flat" cmpd="sng" algn="ctr">
-                      <a:solidFill>
-                        <a:srgbClr val="FFFFFF"/>
-                      </a:solidFill>
-                      <a:prstDash val="solid"/>
-                      <a:round/>
-                      <a:headEnd type="none" w="med" len="med"/>
-                      <a:tailEnd type="none" w="med" len="med"/>
-                    </a:lnR>
-                    <a:lnT w="720" cap="flat" cmpd="sng" algn="ctr">
-                      <a:solidFill>
-                        <a:srgbClr val="FFFFFF"/>
-                      </a:solidFill>
-                      <a:prstDash val="solid"/>
-                      <a:round/>
-                      <a:headEnd type="none" w="med" len="med"/>
-                      <a:tailEnd type="none" w="med" len="med"/>
-                    </a:lnT>
-                    <a:lnB w="720" cap="flat" cmpd="sng" algn="ctr">
-                      <a:solidFill>
-                        <a:srgbClr val="FFFFFF"/>
-                      </a:solidFill>
-                      <a:prstDash val="solid"/>
-                      <a:round/>
-                      <a:headEnd type="none" w="med" len="med"/>
-                      <a:tailEnd type="none" w="med" len="med"/>
-                    </a:lnB>
-                    <a:lnTlToBr>
-                      <a:noFill/>
-                    </a:lnTlToBr>
-                    <a:lnBlToTr>
-                      <a:noFill/>
-                    </a:lnBlToTr>
-                    <a:solidFill>
-                      <a:srgbClr val="CCD1E1"/>
-                    </a:solidFill>
-                  </a:tcPr>
+                  <a:tcPr marL="53410" marR="53410" marT="29268" marB="27132" horzOverflow="overflow"/>
                 </a:tc>
                 <a:extLst>
                   <a:ext uri="{0D108BD9-81ED-4DB2-BD59-A6C34878D82A}">
@@ -17689,28 +16593,30 @@
           <p:nvPr>
             <p:extLst>
               <p:ext uri="{D42A27DB-BD31-4B8C-83A1-F6EECF244321}">
-                <p14:modId xmlns:p14="http://schemas.microsoft.com/office/powerpoint/2010/main" val="3819660880"/>
+                <p14:modId xmlns:p14="http://schemas.microsoft.com/office/powerpoint/2010/main" val="2248714689"/>
               </p:ext>
             </p:extLst>
           </p:nvPr>
         </p:nvGraphicFramePr>
         <p:xfrm>
-          <a:off x="3468670" y="2533127"/>
-          <a:ext cx="5254660" cy="1791747"/>
+          <a:off x="3396000" y="1989000"/>
+          <a:ext cx="5400000" cy="2880000"/>
         </p:xfrm>
         <a:graphic>
           <a:graphicData uri="http://schemas.openxmlformats.org/drawingml/2006/table">
             <a:tbl>
-              <a:tblPr/>
+              <a:tblPr>
+                <a:tableStyleId>{69CF1AB2-1976-4502-BF36-3FF5EA218861}</a:tableStyleId>
+              </a:tblPr>
               <a:tblGrid>
-                <a:gridCol w="2539903">
+                <a:gridCol w="2610155">
                   <a:extLst>
                     <a:ext uri="{9D8B030D-6E8A-4147-A177-3AD203B41FA5}">
                       <a16:colId xmlns:a16="http://schemas.microsoft.com/office/drawing/2014/main" val="2980957635"/>
                     </a:ext>
                   </a:extLst>
                 </a:gridCol>
-                <a:gridCol w="2714757">
+                <a:gridCol w="2789845">
                   <a:extLst>
                     <a:ext uri="{9D8B030D-6E8A-4147-A177-3AD203B41FA5}">
                       <a16:colId xmlns:a16="http://schemas.microsoft.com/office/drawing/2014/main" val="2234031304"/>
@@ -17718,7 +16624,7 @@
                   </a:extLst>
                 </a:gridCol>
               </a:tblGrid>
-              <a:tr h="361718">
+              <a:tr h="581415">
                 <a:tc gridSpan="2">
                   <a:txBody>
                     <a:bodyPr/>
@@ -18111,63 +17017,31 @@
                         </a:tabLst>
                       </a:pPr>
                       <a:r>
-                        <a:rPr kumimoji="0" lang="pt-BR" altLang="pt-BR" sz="1100" b="0" i="0" u="none" strike="noStrike" cap="none" normalizeH="0" baseline="0" dirty="0">
+                        <a:rPr kumimoji="0" lang="pt-BR" altLang="pt-BR" sz="1100" u="none" strike="noStrike" cap="none" normalizeH="0" baseline="0" dirty="0">
                           <a:ln>
                             <a:noFill/>
                           </a:ln>
-                          <a:solidFill>
-                            <a:srgbClr val="FFFFFF"/>
-                          </a:solidFill>
                           <a:effectLst/>
                           <a:latin typeface="Arial" panose="020B0604020202020204" pitchFamily="34" charset="0"/>
-                          <a:ea typeface="MS PGothic" panose="020B0600070205080204" pitchFamily="34" charset="-128"/>
                           <a:cs typeface="Arial" panose="020B0604020202020204" pitchFamily="34" charset="0"/>
                         </a:rPr>
                         <a:t>CT08.5 – Visualizar lançamentos por Próximos a vencer.</a:t>
                       </a:r>
+                      <a:endParaRPr kumimoji="0" lang="pt-BR" altLang="pt-BR" sz="1100" b="0" i="0" u="none" strike="noStrike" cap="none" normalizeH="0" baseline="0" dirty="0">
+                        <a:ln>
+                          <a:noFill/>
+                        </a:ln>
+                        <a:solidFill>
+                          <a:srgbClr val="FFFFFF"/>
+                        </a:solidFill>
+                        <a:effectLst/>
+                        <a:latin typeface="Arial" panose="020B0604020202020204" pitchFamily="34" charset="0"/>
+                        <a:ea typeface="MS PGothic" panose="020B0600070205080204" pitchFamily="34" charset="-128"/>
+                        <a:cs typeface="Arial" panose="020B0604020202020204" pitchFamily="34" charset="0"/>
+                      </a:endParaRPr>
                     </a:p>
                   </a:txBody>
-                  <a:tcPr marL="53410" marR="53410" marT="29909" marB="27132" horzOverflow="overflow">
-                    <a:lnL w="720" cap="flat" cmpd="sng" algn="ctr">
-                      <a:solidFill>
-                        <a:srgbClr val="FFFFFF"/>
-                      </a:solidFill>
-                      <a:prstDash val="solid"/>
-                      <a:round/>
-                      <a:headEnd type="none" w="med" len="med"/>
-                      <a:tailEnd type="none" w="med" len="med"/>
-                    </a:lnL>
-                    <a:lnR>
-                      <a:noFill/>
-                    </a:lnR>
-                    <a:lnT w="720" cap="flat" cmpd="sng" algn="ctr">
-                      <a:solidFill>
-                        <a:srgbClr val="FFFFFF"/>
-                      </a:solidFill>
-                      <a:prstDash val="solid"/>
-                      <a:round/>
-                      <a:headEnd type="none" w="med" len="med"/>
-                      <a:tailEnd type="none" w="med" len="med"/>
-                    </a:lnT>
-                    <a:lnB w="720" cap="flat" cmpd="sng" algn="ctr">
-                      <a:solidFill>
-                        <a:srgbClr val="FFFFFF"/>
-                      </a:solidFill>
-                      <a:prstDash val="solid"/>
-                      <a:round/>
-                      <a:headEnd type="none" w="med" len="med"/>
-                      <a:tailEnd type="none" w="med" len="med"/>
-                    </a:lnB>
-                    <a:lnTlToBr>
-                      <a:noFill/>
-                    </a:lnTlToBr>
-                    <a:lnBlToTr>
-                      <a:noFill/>
-                    </a:lnBlToTr>
-                    <a:solidFill>
-                      <a:srgbClr val="80B5E2"/>
-                    </a:solidFill>
-                  </a:tcPr>
+                  <a:tcPr marL="53410" marR="53410" marT="29909" marB="27132" horzOverflow="overflow"/>
                 </a:tc>
                 <a:tc hMerge="1">
                   <a:txBody>
@@ -18185,7 +17059,7 @@
                   </a:ext>
                 </a:extLst>
               </a:tr>
-              <a:tr h="536372">
+              <a:tr h="862148">
                 <a:tc gridSpan="2">
                   <a:txBody>
                     <a:bodyPr/>
@@ -18578,63 +17452,31 @@
                         </a:tabLst>
                       </a:pPr>
                       <a:r>
-                        <a:rPr kumimoji="0" lang="pt-BR" altLang="pt-BR" sz="1100" b="0" i="0" u="none" strike="noStrike" cap="none" normalizeH="0" baseline="0" dirty="0">
+                        <a:rPr kumimoji="0" lang="pt-BR" altLang="pt-BR" sz="1100" u="none" strike="noStrike" cap="none" normalizeH="0" baseline="0" dirty="0">
                           <a:ln>
                             <a:noFill/>
                           </a:ln>
-                          <a:solidFill>
-                            <a:srgbClr val="000000"/>
-                          </a:solidFill>
                           <a:effectLst/>
                           <a:latin typeface="Arial" panose="020B0604020202020204" pitchFamily="34" charset="0"/>
-                          <a:ea typeface="MS PGothic" panose="020B0600070205080204" pitchFamily="34" charset="-128"/>
                           <a:cs typeface="Arial" panose="020B0604020202020204" pitchFamily="34" charset="0"/>
                         </a:rPr>
                         <a:t>Pré-condição: O usuário deve estar autenticado no sistema.</a:t>
                       </a:r>
+                      <a:endParaRPr kumimoji="0" lang="pt-BR" altLang="pt-BR" sz="1100" b="0" i="0" u="none" strike="noStrike" cap="none" normalizeH="0" baseline="0" dirty="0">
+                        <a:ln>
+                          <a:noFill/>
+                        </a:ln>
+                        <a:solidFill>
+                          <a:srgbClr val="000000"/>
+                        </a:solidFill>
+                        <a:effectLst/>
+                        <a:latin typeface="Arial" panose="020B0604020202020204" pitchFamily="34" charset="0"/>
+                        <a:ea typeface="MS PGothic" panose="020B0600070205080204" pitchFamily="34" charset="-128"/>
+                        <a:cs typeface="Arial" panose="020B0604020202020204" pitchFamily="34" charset="0"/>
+                      </a:endParaRPr>
                     </a:p>
                   </a:txBody>
-                  <a:tcPr marL="53410" marR="53410" marT="29909" marB="27132" horzOverflow="overflow">
-                    <a:lnL w="720" cap="flat" cmpd="sng" algn="ctr">
-                      <a:solidFill>
-                        <a:srgbClr val="FFFFFF"/>
-                      </a:solidFill>
-                      <a:prstDash val="solid"/>
-                      <a:round/>
-                      <a:headEnd type="none" w="med" len="med"/>
-                      <a:tailEnd type="none" w="med" len="med"/>
-                    </a:lnL>
-                    <a:lnR>
-                      <a:noFill/>
-                    </a:lnR>
-                    <a:lnT w="720" cap="flat" cmpd="sng" algn="ctr">
-                      <a:solidFill>
-                        <a:srgbClr val="FFFFFF"/>
-                      </a:solidFill>
-                      <a:prstDash val="solid"/>
-                      <a:round/>
-                      <a:headEnd type="none" w="med" len="med"/>
-                      <a:tailEnd type="none" w="med" len="med"/>
-                    </a:lnT>
-                    <a:lnB w="720" cap="flat" cmpd="sng" algn="ctr">
-                      <a:solidFill>
-                        <a:srgbClr val="FFFFFF"/>
-                      </a:solidFill>
-                      <a:prstDash val="solid"/>
-                      <a:round/>
-                      <a:headEnd type="none" w="med" len="med"/>
-                      <a:tailEnd type="none" w="med" len="med"/>
-                    </a:lnB>
-                    <a:lnTlToBr>
-                      <a:noFill/>
-                    </a:lnTlToBr>
-                    <a:lnBlToTr>
-                      <a:noFill/>
-                    </a:lnBlToTr>
-                    <a:solidFill>
-                      <a:srgbClr val="CCD1E1"/>
-                    </a:solidFill>
-                  </a:tcPr>
+                  <a:tcPr marL="53410" marR="53410" marT="29909" marB="27132" horzOverflow="overflow"/>
                 </a:tc>
                 <a:tc hMerge="1">
                   <a:txBody>
@@ -18652,7 +17494,7 @@
                   </a:ext>
                 </a:extLst>
               </a:tr>
-              <a:tr h="280154">
+              <a:tr h="450311">
                 <a:tc>
                   <a:txBody>
                     <a:bodyPr/>
@@ -19045,69 +17887,31 @@
                         </a:tabLst>
                       </a:pPr>
                       <a:r>
-                        <a:rPr kumimoji="0" lang="pt-BR" altLang="pt-BR" sz="1100" b="0" i="1" u="none" strike="noStrike" cap="none" normalizeH="0" baseline="0">
+                        <a:rPr kumimoji="0" lang="pt-BR" altLang="pt-BR" sz="1100" u="none" strike="noStrike" cap="none" normalizeH="0" baseline="0">
                           <a:ln>
                             <a:noFill/>
                           </a:ln>
-                          <a:solidFill>
-                            <a:srgbClr val="2469A6"/>
-                          </a:solidFill>
                           <a:effectLst/>
                           <a:latin typeface="Arial" panose="020B0604020202020204" pitchFamily="34" charset="0"/>
-                          <a:ea typeface="MS PGothic" panose="020B0600070205080204" pitchFamily="34" charset="-128"/>
                           <a:cs typeface="Arial" panose="020B0604020202020204" pitchFamily="34" charset="0"/>
                         </a:rPr>
                         <a:t>Procedimentos</a:t>
                       </a:r>
+                      <a:endParaRPr kumimoji="0" lang="pt-BR" altLang="pt-BR" sz="1100" b="0" i="1" u="none" strike="noStrike" cap="none" normalizeH="0" baseline="0">
+                        <a:ln>
+                          <a:noFill/>
+                        </a:ln>
+                        <a:solidFill>
+                          <a:srgbClr val="2469A6"/>
+                        </a:solidFill>
+                        <a:effectLst/>
+                        <a:latin typeface="Arial" panose="020B0604020202020204" pitchFamily="34" charset="0"/>
+                        <a:ea typeface="MS PGothic" panose="020B0600070205080204" pitchFamily="34" charset="-128"/>
+                        <a:cs typeface="Arial" panose="020B0604020202020204" pitchFamily="34" charset="0"/>
+                      </a:endParaRPr>
                     </a:p>
                   </a:txBody>
-                  <a:tcPr marL="53410" marR="53410" marT="29482" marB="27132" horzOverflow="overflow">
-                    <a:lnL w="720" cap="flat" cmpd="sng" algn="ctr">
-                      <a:solidFill>
-                        <a:srgbClr val="FFFFFF"/>
-                      </a:solidFill>
-                      <a:prstDash val="solid"/>
-                      <a:round/>
-                      <a:headEnd type="none" w="med" len="med"/>
-                      <a:tailEnd type="none" w="med" len="med"/>
-                    </a:lnL>
-                    <a:lnR w="720" cap="flat" cmpd="sng" algn="ctr">
-                      <a:solidFill>
-                        <a:srgbClr val="FFFFFF"/>
-                      </a:solidFill>
-                      <a:prstDash val="solid"/>
-                      <a:round/>
-                      <a:headEnd type="none" w="med" len="med"/>
-                      <a:tailEnd type="none" w="med" len="med"/>
-                    </a:lnR>
-                    <a:lnT w="720" cap="flat" cmpd="sng" algn="ctr">
-                      <a:solidFill>
-                        <a:srgbClr val="FFFFFF"/>
-                      </a:solidFill>
-                      <a:prstDash val="solid"/>
-                      <a:round/>
-                      <a:headEnd type="none" w="med" len="med"/>
-                      <a:tailEnd type="none" w="med" len="med"/>
-                    </a:lnT>
-                    <a:lnB w="720" cap="flat" cmpd="sng" algn="ctr">
-                      <a:solidFill>
-                        <a:srgbClr val="FFFFFF"/>
-                      </a:solidFill>
-                      <a:prstDash val="solid"/>
-                      <a:round/>
-                      <a:headEnd type="none" w="med" len="med"/>
-                      <a:tailEnd type="none" w="med" len="med"/>
-                    </a:lnB>
-                    <a:lnTlToBr>
-                      <a:noFill/>
-                    </a:lnTlToBr>
-                    <a:lnBlToTr>
-                      <a:noFill/>
-                    </a:lnBlToTr>
-                    <a:solidFill>
-                      <a:srgbClr val="E8E9F1"/>
-                    </a:solidFill>
-                  </a:tcPr>
+                  <a:tcPr marL="53410" marR="53410" marT="29482" marB="27132" horzOverflow="overflow"/>
                 </a:tc>
                 <a:tc>
                   <a:txBody>
@@ -19501,63 +18305,31 @@
                         </a:tabLst>
                       </a:pPr>
                       <a:r>
-                        <a:rPr kumimoji="0" lang="pt-BR" altLang="pt-BR" sz="1100" b="0" i="1" u="none" strike="noStrike" cap="none" normalizeH="0" baseline="0">
+                        <a:rPr kumimoji="0" lang="pt-BR" altLang="pt-BR" sz="1100" u="none" strike="noStrike" cap="none" normalizeH="0" baseline="0">
                           <a:ln>
                             <a:noFill/>
                           </a:ln>
-                          <a:solidFill>
-                            <a:srgbClr val="2469A6"/>
-                          </a:solidFill>
                           <a:effectLst/>
                           <a:latin typeface="Arial" panose="020B0604020202020204" pitchFamily="34" charset="0"/>
-                          <a:ea typeface="MS PGothic" panose="020B0600070205080204" pitchFamily="34" charset="-128"/>
                           <a:cs typeface="Arial" panose="020B0604020202020204" pitchFamily="34" charset="0"/>
                         </a:rPr>
                         <a:t>Resultado Esperado</a:t>
                       </a:r>
+                      <a:endParaRPr kumimoji="0" lang="pt-BR" altLang="pt-BR" sz="1100" b="0" i="1" u="none" strike="noStrike" cap="none" normalizeH="0" baseline="0">
+                        <a:ln>
+                          <a:noFill/>
+                        </a:ln>
+                        <a:solidFill>
+                          <a:srgbClr val="2469A6"/>
+                        </a:solidFill>
+                        <a:effectLst/>
+                        <a:latin typeface="Arial" panose="020B0604020202020204" pitchFamily="34" charset="0"/>
+                        <a:ea typeface="MS PGothic" panose="020B0600070205080204" pitchFamily="34" charset="-128"/>
+                        <a:cs typeface="Arial" panose="020B0604020202020204" pitchFamily="34" charset="0"/>
+                      </a:endParaRPr>
                     </a:p>
                   </a:txBody>
-                  <a:tcPr marL="53410" marR="53410" marT="29482" marB="27132" horzOverflow="overflow">
-                    <a:lnL w="720" cap="flat" cmpd="sng" algn="ctr">
-                      <a:solidFill>
-                        <a:srgbClr val="FFFFFF"/>
-                      </a:solidFill>
-                      <a:prstDash val="solid"/>
-                      <a:round/>
-                      <a:headEnd type="none" w="med" len="med"/>
-                      <a:tailEnd type="none" w="med" len="med"/>
-                    </a:lnL>
-                    <a:lnR w="720" cap="flat" cmpd="sng" algn="ctr">
-                      <a:solidFill>
-                        <a:srgbClr val="FFFFFF"/>
-                      </a:solidFill>
-                      <a:prstDash val="solid"/>
-                      <a:round/>
-                      <a:headEnd type="none" w="med" len="med"/>
-                      <a:tailEnd type="none" w="med" len="med"/>
-                    </a:lnR>
-                    <a:lnT>
-                      <a:noFill/>
-                    </a:lnT>
-                    <a:lnB w="720" cap="flat" cmpd="sng" algn="ctr">
-                      <a:solidFill>
-                        <a:srgbClr val="FFFFFF"/>
-                      </a:solidFill>
-                      <a:prstDash val="solid"/>
-                      <a:round/>
-                      <a:headEnd type="none" w="med" len="med"/>
-                      <a:tailEnd type="none" w="med" len="med"/>
-                    </a:lnB>
-                    <a:lnTlToBr>
-                      <a:noFill/>
-                    </a:lnTlToBr>
-                    <a:lnBlToTr>
-                      <a:noFill/>
-                    </a:lnBlToTr>
-                    <a:solidFill>
-                      <a:srgbClr val="E8E9F1"/>
-                    </a:solidFill>
-                  </a:tcPr>
+                  <a:tcPr marL="53410" marR="53410" marT="29482" marB="27132" horzOverflow="overflow"/>
                 </a:tc>
                 <a:extLst>
                   <a:ext uri="{0D108BD9-81ED-4DB2-BD59-A6C34878D82A}">
@@ -19565,7 +18337,7 @@
                   </a:ext>
                 </a:extLst>
               </a:tr>
-              <a:tr h="613503">
+              <a:tr h="986126">
                 <a:tc>
                   <a:txBody>
                     <a:bodyPr/>
@@ -19958,99 +18730,31 @@
                         </a:tabLst>
                       </a:pPr>
                       <a:r>
-                        <a:rPr kumimoji="0" lang="pt-BR" altLang="pt-BR" sz="1100" b="0" i="0" u="none" strike="noStrike" cap="none" normalizeH="0" baseline="0" dirty="0">
+                        <a:rPr kumimoji="0" lang="pt-BR" altLang="pt-BR" sz="1100" u="none" strike="noStrike" cap="none" normalizeH="0" baseline="0" dirty="0">
                           <a:ln>
                             <a:noFill/>
                           </a:ln>
-                          <a:solidFill>
-                            <a:srgbClr val="000000"/>
-                          </a:solidFill>
                           <a:effectLst/>
                           <a:latin typeface="Arial" panose="020B0604020202020204" pitchFamily="34" charset="0"/>
-                          <a:ea typeface="MS PGothic" panose="020B0600070205080204" pitchFamily="34" charset="-128"/>
                           <a:cs typeface="Arial" panose="020B0604020202020204" pitchFamily="34" charset="0"/>
                         </a:rPr>
-                        <a:t>1. Escolher o filtro “</a:t>
+                        <a:t>1. Escolher o filtro “Próximos a vencer”</a:t>
                       </a:r>
-                      <a:r>
-                        <a:rPr kumimoji="0" lang="pt-BR" altLang="pt-BR" sz="1100" b="0" i="0" u="none" strike="noStrike" cap="none" normalizeH="0" baseline="0" dirty="0">
-                          <a:ln>
-                            <a:noFill/>
-                          </a:ln>
-                          <a:solidFill>
-                            <a:schemeClr val="tx1"/>
-                          </a:solidFill>
-                          <a:effectLst/>
-                          <a:latin typeface="Arial" panose="020B0604020202020204" pitchFamily="34" charset="0"/>
-                          <a:ea typeface="MS PGothic" panose="020B0600070205080204" pitchFamily="34" charset="-128"/>
-                          <a:cs typeface="Arial" panose="020B0604020202020204" pitchFamily="34" charset="0"/>
-                        </a:rPr>
-                        <a:t>Próximos a vencer</a:t>
-                      </a:r>
-                      <a:r>
-                        <a:rPr kumimoji="0" lang="pt-BR" altLang="pt-BR" sz="1100" b="0" i="0" u="none" strike="noStrike" cap="none" normalizeH="0" baseline="0" dirty="0">
-                          <a:ln>
-                            <a:noFill/>
-                          </a:ln>
-                          <a:solidFill>
-                            <a:srgbClr val="000000"/>
-                          </a:solidFill>
-                          <a:effectLst/>
-                          <a:latin typeface="Arial" panose="020B0604020202020204" pitchFamily="34" charset="0"/>
-                          <a:ea typeface="MS PGothic" panose="020B0600070205080204" pitchFamily="34" charset="-128"/>
-                          <a:cs typeface="Arial" panose="020B0604020202020204" pitchFamily="34" charset="0"/>
-                        </a:rPr>
-                        <a:t>”</a:t>
-                      </a:r>
+                      <a:endParaRPr kumimoji="0" lang="pt-BR" altLang="pt-BR" sz="1100" b="0" i="0" u="none" strike="noStrike" cap="none" normalizeH="0" baseline="0" dirty="0">
+                        <a:ln>
+                          <a:noFill/>
+                        </a:ln>
+                        <a:solidFill>
+                          <a:srgbClr val="000000"/>
+                        </a:solidFill>
+                        <a:effectLst/>
+                        <a:latin typeface="Arial" panose="020B0604020202020204" pitchFamily="34" charset="0"/>
+                        <a:ea typeface="MS PGothic" panose="020B0600070205080204" pitchFamily="34" charset="-128"/>
+                        <a:cs typeface="Arial" panose="020B0604020202020204" pitchFamily="34" charset="0"/>
+                      </a:endParaRPr>
                     </a:p>
                   </a:txBody>
-                  <a:tcPr marL="53410" marR="53410" marT="29268" marB="27132" horzOverflow="overflow">
-                    <a:lnL w="720" cap="flat" cmpd="sng" algn="ctr">
-                      <a:solidFill>
-                        <a:srgbClr val="FFFFFF"/>
-                      </a:solidFill>
-                      <a:prstDash val="solid"/>
-                      <a:round/>
-                      <a:headEnd type="none" w="med" len="med"/>
-                      <a:tailEnd type="none" w="med" len="med"/>
-                    </a:lnL>
-                    <a:lnR w="720" cap="flat" cmpd="sng" algn="ctr">
-                      <a:solidFill>
-                        <a:srgbClr val="FFFFFF"/>
-                      </a:solidFill>
-                      <a:prstDash val="solid"/>
-                      <a:round/>
-                      <a:headEnd type="none" w="med" len="med"/>
-                      <a:tailEnd type="none" w="med" len="med"/>
-                    </a:lnR>
-                    <a:lnT w="720" cap="flat" cmpd="sng" algn="ctr">
-                      <a:solidFill>
-                        <a:srgbClr val="FFFFFF"/>
-                      </a:solidFill>
-                      <a:prstDash val="solid"/>
-                      <a:round/>
-                      <a:headEnd type="none" w="med" len="med"/>
-                      <a:tailEnd type="none" w="med" len="med"/>
-                    </a:lnT>
-                    <a:lnB w="720" cap="flat" cmpd="sng" algn="ctr">
-                      <a:solidFill>
-                        <a:srgbClr val="FFFFFF"/>
-                      </a:solidFill>
-                      <a:prstDash val="solid"/>
-                      <a:round/>
-                      <a:headEnd type="none" w="med" len="med"/>
-                      <a:tailEnd type="none" w="med" len="med"/>
-                    </a:lnB>
-                    <a:lnTlToBr>
-                      <a:noFill/>
-                    </a:lnTlToBr>
-                    <a:lnBlToTr>
-                      <a:noFill/>
-                    </a:lnBlToTr>
-                    <a:solidFill>
-                      <a:srgbClr val="CCD1E1"/>
-                    </a:solidFill>
-                  </a:tcPr>
+                  <a:tcPr marL="53410" marR="53410" marT="29268" marB="27132" horzOverflow="overflow"/>
                 </a:tc>
                 <a:tc>
                   <a:txBody>
@@ -20444,3896 +19148,35 @@
                         </a:tabLst>
                       </a:pPr>
                       <a:r>
-                        <a:rPr kumimoji="0" lang="pt-BR" altLang="pt-BR" sz="1100" b="0" i="0" u="none" strike="noStrike" cap="none" normalizeH="0" baseline="0" dirty="0">
+                        <a:rPr kumimoji="0" lang="pt-BR" altLang="pt-BR" sz="1100" u="none" strike="noStrike" cap="none" normalizeH="0" baseline="0" dirty="0">
                           <a:ln>
                             <a:noFill/>
                           </a:ln>
-                          <a:solidFill>
-                            <a:srgbClr val="000000"/>
-                          </a:solidFill>
                           <a:effectLst/>
                           <a:latin typeface="Arial" panose="020B0604020202020204" pitchFamily="34" charset="0"/>
-                          <a:ea typeface="MS PGothic" panose="020B0600070205080204" pitchFamily="34" charset="-128"/>
                           <a:cs typeface="Arial" panose="020B0604020202020204" pitchFamily="34" charset="0"/>
                         </a:rPr>
                         <a:t>Aparece uma tela com a lista de lançamentos que estão perto do vencimento.</a:t>
                       </a:r>
+                      <a:endParaRPr kumimoji="0" lang="pt-BR" altLang="pt-BR" sz="1100" b="0" i="0" u="none" strike="noStrike" cap="none" normalizeH="0" baseline="0" dirty="0">
+                        <a:ln>
+                          <a:noFill/>
+                        </a:ln>
+                        <a:solidFill>
+                          <a:srgbClr val="000000"/>
+                        </a:solidFill>
+                        <a:effectLst/>
+                        <a:latin typeface="Arial" panose="020B0604020202020204" pitchFamily="34" charset="0"/>
+                        <a:ea typeface="MS PGothic" panose="020B0600070205080204" pitchFamily="34" charset="-128"/>
+                        <a:cs typeface="Arial" panose="020B0604020202020204" pitchFamily="34" charset="0"/>
+                      </a:endParaRPr>
                     </a:p>
                   </a:txBody>
-                  <a:tcPr marL="53410" marR="53410" marT="29268" marB="27132" horzOverflow="overflow">
-                    <a:lnL w="720" cap="flat" cmpd="sng" algn="ctr">
-                      <a:solidFill>
-                        <a:srgbClr val="FFFFFF"/>
-                      </a:solidFill>
-                      <a:prstDash val="solid"/>
-                      <a:round/>
-                      <a:headEnd type="none" w="med" len="med"/>
-                      <a:tailEnd type="none" w="med" len="med"/>
-                    </a:lnL>
-                    <a:lnR w="720" cap="flat" cmpd="sng" algn="ctr">
-                      <a:solidFill>
-                        <a:srgbClr val="FFFFFF"/>
-                      </a:solidFill>
-                      <a:prstDash val="solid"/>
-                      <a:round/>
-                      <a:headEnd type="none" w="med" len="med"/>
-                      <a:tailEnd type="none" w="med" len="med"/>
-                    </a:lnR>
-                    <a:lnT w="720" cap="flat" cmpd="sng" algn="ctr">
-                      <a:solidFill>
-                        <a:srgbClr val="FFFFFF"/>
-                      </a:solidFill>
-                      <a:prstDash val="solid"/>
-                      <a:round/>
-                      <a:headEnd type="none" w="med" len="med"/>
-                      <a:tailEnd type="none" w="med" len="med"/>
-                    </a:lnT>
-                    <a:lnB w="720" cap="flat" cmpd="sng" algn="ctr">
-                      <a:solidFill>
-                        <a:srgbClr val="FFFFFF"/>
-                      </a:solidFill>
-                      <a:prstDash val="solid"/>
-                      <a:round/>
-                      <a:headEnd type="none" w="med" len="med"/>
-                      <a:tailEnd type="none" w="med" len="med"/>
-                    </a:lnB>
-                    <a:lnTlToBr>
-                      <a:noFill/>
-                    </a:lnTlToBr>
-                    <a:lnBlToTr>
-                      <a:noFill/>
-                    </a:lnBlToTr>
-                    <a:solidFill>
-                      <a:srgbClr val="CCD1E1"/>
-                    </a:solidFill>
-                  </a:tcPr>
+                  <a:tcPr marL="53410" marR="53410" marT="29268" marB="27132" horzOverflow="overflow"/>
                 </a:tc>
                 <a:extLst>
                   <a:ext uri="{0D108BD9-81ED-4DB2-BD59-A6C34878D82A}">
                     <a16:rowId xmlns:a16="http://schemas.microsoft.com/office/drawing/2014/main" val="3894361772"/>
-                  </a:ext>
-                </a:extLst>
-              </a:tr>
-            </a:tbl>
-          </a:graphicData>
-        </a:graphic>
-      </p:graphicFrame>
-    </p:spTree>
-  </p:cSld>
-  <p:clrMapOvr>
-    <a:masterClrMapping/>
-  </p:clrMapOvr>
-</p:sld>
-</file>
-
-<file path=ppt/slides/slide6.xml><?xml version="1.0" encoding="utf-8"?>
-<p:sld xmlns:a="http://schemas.openxmlformats.org/drawingml/2006/main" xmlns:r="http://schemas.openxmlformats.org/officeDocument/2006/relationships" xmlns:p="http://schemas.openxmlformats.org/presentationml/2006/main">
-  <p:cSld>
-    <p:spTree>
-      <p:nvGrpSpPr>
-        <p:cNvPr id="1" name=""/>
-        <p:cNvGrpSpPr/>
-        <p:nvPr/>
-      </p:nvGrpSpPr>
-      <p:grpSpPr>
-        <a:xfrm>
-          <a:off x="0" y="0"/>
-          <a:ext cx="0" cy="0"/>
-          <a:chOff x="0" y="0"/>
-          <a:chExt cx="0" cy="0"/>
-        </a:xfrm>
-      </p:grpSpPr>
-      <p:sp>
-        <p:nvSpPr>
-          <p:cNvPr id="2" name="Espaço Reservado para Número de Slide 1">
-            <a:extLst>
-              <a:ext uri="{FF2B5EF4-FFF2-40B4-BE49-F238E27FC236}">
-                <a16:creationId xmlns:a16="http://schemas.microsoft.com/office/drawing/2014/main" id="{E7F891BD-F926-4AFA-AB21-34C41EE5C218}"/>
-              </a:ext>
-            </a:extLst>
-          </p:cNvPr>
-          <p:cNvSpPr>
-            <a:spLocks noGrp="1"/>
-          </p:cNvSpPr>
-          <p:nvPr>
-            <p:ph type="sldNum" sz="quarter" idx="12"/>
-          </p:nvPr>
-        </p:nvSpPr>
-        <p:spPr/>
-        <p:txBody>
-          <a:bodyPr/>
-          <a:lstStyle/>
-          <a:p>
-            <a:pPr>
-              <a:defRPr/>
-            </a:pPr>
-            <a:fld id="{DC81321F-F7EE-45D9-887C-0C109050445C}" type="slidenum">
-              <a:rPr lang="pt-BR" altLang="es-PY" smtClean="0"/>
-              <a:pPr>
-                <a:defRPr/>
-              </a:pPr>
-              <a:t>6</a:t>
-            </a:fld>
-            <a:endParaRPr lang="pt-BR" altLang="es-PY"/>
-          </a:p>
-        </p:txBody>
-      </p:sp>
-      <p:graphicFrame>
-        <p:nvGraphicFramePr>
-          <p:cNvPr id="4" name="Group 2">
-            <a:extLst>
-              <a:ext uri="{FF2B5EF4-FFF2-40B4-BE49-F238E27FC236}">
-                <a16:creationId xmlns:a16="http://schemas.microsoft.com/office/drawing/2014/main" id="{DD46D975-DD1B-4BB2-AA45-7B7A23215EAF}"/>
-              </a:ext>
-            </a:extLst>
-          </p:cNvPr>
-          <p:cNvGraphicFramePr>
-            <a:graphicFrameLocks noGrp="1"/>
-          </p:cNvGraphicFramePr>
-          <p:nvPr>
-            <p:extLst>
-              <p:ext uri="{D42A27DB-BD31-4B8C-83A1-F6EECF244321}">
-                <p14:modId xmlns:p14="http://schemas.microsoft.com/office/powerpoint/2010/main" val="3505841714"/>
-              </p:ext>
-            </p:extLst>
-          </p:nvPr>
-        </p:nvGraphicFramePr>
-        <p:xfrm>
-          <a:off x="3468670" y="2226495"/>
-          <a:ext cx="5254660" cy="2405011"/>
-        </p:xfrm>
-        <a:graphic>
-          <a:graphicData uri="http://schemas.openxmlformats.org/drawingml/2006/table">
-            <a:tbl>
-              <a:tblPr/>
-              <a:tblGrid>
-                <a:gridCol w="2539903">
-                  <a:extLst>
-                    <a:ext uri="{9D8B030D-6E8A-4147-A177-3AD203B41FA5}">
-                      <a16:colId xmlns:a16="http://schemas.microsoft.com/office/drawing/2014/main" val="2980957635"/>
-                    </a:ext>
-                  </a:extLst>
-                </a:gridCol>
-                <a:gridCol w="2714757">
-                  <a:extLst>
-                    <a:ext uri="{9D8B030D-6E8A-4147-A177-3AD203B41FA5}">
-                      <a16:colId xmlns:a16="http://schemas.microsoft.com/office/drawing/2014/main" val="2234031304"/>
-                    </a:ext>
-                  </a:extLst>
-                </a:gridCol>
-              </a:tblGrid>
-              <a:tr h="361682">
-                <a:tc gridSpan="2">
-                  <a:txBody>
-                    <a:bodyPr/>
-                    <a:lstStyle>
-                      <a:lvl1pPr>
-                        <a:spcBef>
-                          <a:spcPts val="1250"/>
-                        </a:spcBef>
-                        <a:tabLst>
-                          <a:tab pos="0" algn="l"/>
-                          <a:tab pos="447675" algn="l"/>
-                          <a:tab pos="896938" algn="l"/>
-                          <a:tab pos="1346200" algn="l"/>
-                          <a:tab pos="1795463" algn="l"/>
-                          <a:tab pos="2244725" algn="l"/>
-                          <a:tab pos="2693988" algn="l"/>
-                          <a:tab pos="3143250" algn="l"/>
-                          <a:tab pos="3592513" algn="l"/>
-                          <a:tab pos="4041775" algn="l"/>
-                          <a:tab pos="4491038" algn="l"/>
-                          <a:tab pos="4940300" algn="l"/>
-                          <a:tab pos="5389563" algn="l"/>
-                          <a:tab pos="5838825" algn="l"/>
-                          <a:tab pos="6288088" algn="l"/>
-                          <a:tab pos="6737350" algn="l"/>
-                          <a:tab pos="7186613" algn="l"/>
-                          <a:tab pos="7635875" algn="l"/>
-                          <a:tab pos="8085138" algn="l"/>
-                          <a:tab pos="8534400" algn="l"/>
-                          <a:tab pos="8983663" algn="l"/>
-                        </a:tabLst>
-                        <a:defRPr sz="4600">
-                          <a:solidFill>
-                            <a:srgbClr val="000000"/>
-                          </a:solidFill>
-                          <a:latin typeface="Tahoma" panose="020B0604030504040204" pitchFamily="34" charset="0"/>
-                          <a:ea typeface="MS PGothic" panose="020B0600070205080204" pitchFamily="34" charset="-128"/>
-                        </a:defRPr>
-                      </a:lvl1pPr>
-                      <a:lvl2pPr>
-                        <a:spcBef>
-                          <a:spcPts val="1088"/>
-                        </a:spcBef>
-                        <a:tabLst>
-                          <a:tab pos="0" algn="l"/>
-                          <a:tab pos="447675" algn="l"/>
-                          <a:tab pos="896938" algn="l"/>
-                          <a:tab pos="1346200" algn="l"/>
-                          <a:tab pos="1795463" algn="l"/>
-                          <a:tab pos="2244725" algn="l"/>
-                          <a:tab pos="2693988" algn="l"/>
-                          <a:tab pos="3143250" algn="l"/>
-                          <a:tab pos="3592513" algn="l"/>
-                          <a:tab pos="4041775" algn="l"/>
-                          <a:tab pos="4491038" algn="l"/>
-                          <a:tab pos="4940300" algn="l"/>
-                          <a:tab pos="5389563" algn="l"/>
-                          <a:tab pos="5838825" algn="l"/>
-                          <a:tab pos="6288088" algn="l"/>
-                          <a:tab pos="6737350" algn="l"/>
-                          <a:tab pos="7186613" algn="l"/>
-                          <a:tab pos="7635875" algn="l"/>
-                          <a:tab pos="8085138" algn="l"/>
-                          <a:tab pos="8534400" algn="l"/>
-                          <a:tab pos="8983663" algn="l"/>
-                        </a:tabLst>
-                        <a:defRPr sz="4000">
-                          <a:solidFill>
-                            <a:srgbClr val="000000"/>
-                          </a:solidFill>
-                          <a:latin typeface="Tahoma" panose="020B0604030504040204" pitchFamily="34" charset="0"/>
-                          <a:ea typeface="MS PGothic" panose="020B0600070205080204" pitchFamily="34" charset="-128"/>
-                        </a:defRPr>
-                      </a:lvl2pPr>
-                      <a:lvl3pPr>
-                        <a:spcBef>
-                          <a:spcPts val="925"/>
-                        </a:spcBef>
-                        <a:tabLst>
-                          <a:tab pos="0" algn="l"/>
-                          <a:tab pos="447675" algn="l"/>
-                          <a:tab pos="896938" algn="l"/>
-                          <a:tab pos="1346200" algn="l"/>
-                          <a:tab pos="1795463" algn="l"/>
-                          <a:tab pos="2244725" algn="l"/>
-                          <a:tab pos="2693988" algn="l"/>
-                          <a:tab pos="3143250" algn="l"/>
-                          <a:tab pos="3592513" algn="l"/>
-                          <a:tab pos="4041775" algn="l"/>
-                          <a:tab pos="4491038" algn="l"/>
-                          <a:tab pos="4940300" algn="l"/>
-                          <a:tab pos="5389563" algn="l"/>
-                          <a:tab pos="5838825" algn="l"/>
-                          <a:tab pos="6288088" algn="l"/>
-                          <a:tab pos="6737350" algn="l"/>
-                          <a:tab pos="7186613" algn="l"/>
-                          <a:tab pos="7635875" algn="l"/>
-                          <a:tab pos="8085138" algn="l"/>
-                          <a:tab pos="8534400" algn="l"/>
-                          <a:tab pos="8983663" algn="l"/>
-                        </a:tabLst>
-                        <a:defRPr sz="3400">
-                          <a:solidFill>
-                            <a:srgbClr val="000000"/>
-                          </a:solidFill>
-                          <a:latin typeface="Tahoma" panose="020B0604030504040204" pitchFamily="34" charset="0"/>
-                          <a:ea typeface="MS PGothic" panose="020B0600070205080204" pitchFamily="34" charset="-128"/>
-                        </a:defRPr>
-                      </a:lvl3pPr>
-                      <a:lvl4pPr>
-                        <a:spcBef>
-                          <a:spcPts val="775"/>
-                        </a:spcBef>
-                        <a:tabLst>
-                          <a:tab pos="0" algn="l"/>
-                          <a:tab pos="447675" algn="l"/>
-                          <a:tab pos="896938" algn="l"/>
-                          <a:tab pos="1346200" algn="l"/>
-                          <a:tab pos="1795463" algn="l"/>
-                          <a:tab pos="2244725" algn="l"/>
-                          <a:tab pos="2693988" algn="l"/>
-                          <a:tab pos="3143250" algn="l"/>
-                          <a:tab pos="3592513" algn="l"/>
-                          <a:tab pos="4041775" algn="l"/>
-                          <a:tab pos="4491038" algn="l"/>
-                          <a:tab pos="4940300" algn="l"/>
-                          <a:tab pos="5389563" algn="l"/>
-                          <a:tab pos="5838825" algn="l"/>
-                          <a:tab pos="6288088" algn="l"/>
-                          <a:tab pos="6737350" algn="l"/>
-                          <a:tab pos="7186613" algn="l"/>
-                          <a:tab pos="7635875" algn="l"/>
-                          <a:tab pos="8085138" algn="l"/>
-                          <a:tab pos="8534400" algn="l"/>
-                          <a:tab pos="8983663" algn="l"/>
-                        </a:tabLst>
-                        <a:defRPr sz="2700">
-                          <a:solidFill>
-                            <a:srgbClr val="000000"/>
-                          </a:solidFill>
-                          <a:latin typeface="Tahoma" panose="020B0604030504040204" pitchFamily="34" charset="0"/>
-                          <a:ea typeface="MS PGothic" panose="020B0600070205080204" pitchFamily="34" charset="-128"/>
-                        </a:defRPr>
-                      </a:lvl4pPr>
-                      <a:lvl5pPr>
-                        <a:spcBef>
-                          <a:spcPts val="775"/>
-                        </a:spcBef>
-                        <a:tabLst>
-                          <a:tab pos="0" algn="l"/>
-                          <a:tab pos="447675" algn="l"/>
-                          <a:tab pos="896938" algn="l"/>
-                          <a:tab pos="1346200" algn="l"/>
-                          <a:tab pos="1795463" algn="l"/>
-                          <a:tab pos="2244725" algn="l"/>
-                          <a:tab pos="2693988" algn="l"/>
-                          <a:tab pos="3143250" algn="l"/>
-                          <a:tab pos="3592513" algn="l"/>
-                          <a:tab pos="4041775" algn="l"/>
-                          <a:tab pos="4491038" algn="l"/>
-                          <a:tab pos="4940300" algn="l"/>
-                          <a:tab pos="5389563" algn="l"/>
-                          <a:tab pos="5838825" algn="l"/>
-                          <a:tab pos="6288088" algn="l"/>
-                          <a:tab pos="6737350" algn="l"/>
-                          <a:tab pos="7186613" algn="l"/>
-                          <a:tab pos="7635875" algn="l"/>
-                          <a:tab pos="8085138" algn="l"/>
-                          <a:tab pos="8534400" algn="l"/>
-                          <a:tab pos="8983663" algn="l"/>
-                        </a:tabLst>
-                        <a:defRPr sz="2700">
-                          <a:solidFill>
-                            <a:srgbClr val="000000"/>
-                          </a:solidFill>
-                          <a:latin typeface="Tahoma" panose="020B0604030504040204" pitchFamily="34" charset="0"/>
-                          <a:ea typeface="MS PGothic" panose="020B0600070205080204" pitchFamily="34" charset="-128"/>
-                        </a:defRPr>
-                      </a:lvl5pPr>
-                      <a:lvl6pPr marL="2514600" indent="-228600" defTabSz="449263" eaLnBrk="0" fontAlgn="base" hangingPunct="0">
-                        <a:spcBef>
-                          <a:spcPts val="775"/>
-                        </a:spcBef>
-                        <a:spcAft>
-                          <a:spcPct val="0"/>
-                        </a:spcAft>
-                        <a:buClr>
-                          <a:srgbClr val="000000"/>
-                        </a:buClr>
-                        <a:buSzPct val="100000"/>
-                        <a:buFont typeface="Times New Roman" panose="02020603050405020304" pitchFamily="18" charset="0"/>
-                        <a:tabLst>
-                          <a:tab pos="0" algn="l"/>
-                          <a:tab pos="447675" algn="l"/>
-                          <a:tab pos="896938" algn="l"/>
-                          <a:tab pos="1346200" algn="l"/>
-                          <a:tab pos="1795463" algn="l"/>
-                          <a:tab pos="2244725" algn="l"/>
-                          <a:tab pos="2693988" algn="l"/>
-                          <a:tab pos="3143250" algn="l"/>
-                          <a:tab pos="3592513" algn="l"/>
-                          <a:tab pos="4041775" algn="l"/>
-                          <a:tab pos="4491038" algn="l"/>
-                          <a:tab pos="4940300" algn="l"/>
-                          <a:tab pos="5389563" algn="l"/>
-                          <a:tab pos="5838825" algn="l"/>
-                          <a:tab pos="6288088" algn="l"/>
-                          <a:tab pos="6737350" algn="l"/>
-                          <a:tab pos="7186613" algn="l"/>
-                          <a:tab pos="7635875" algn="l"/>
-                          <a:tab pos="8085138" algn="l"/>
-                          <a:tab pos="8534400" algn="l"/>
-                          <a:tab pos="8983663" algn="l"/>
-                        </a:tabLst>
-                        <a:defRPr sz="2700">
-                          <a:solidFill>
-                            <a:srgbClr val="000000"/>
-                          </a:solidFill>
-                          <a:latin typeface="Tahoma" panose="020B0604030504040204" pitchFamily="34" charset="0"/>
-                          <a:ea typeface="MS PGothic" panose="020B0600070205080204" pitchFamily="34" charset="-128"/>
-                        </a:defRPr>
-                      </a:lvl6pPr>
-                      <a:lvl7pPr marL="2971800" indent="-228600" defTabSz="449263" eaLnBrk="0" fontAlgn="base" hangingPunct="0">
-                        <a:spcBef>
-                          <a:spcPts val="775"/>
-                        </a:spcBef>
-                        <a:spcAft>
-                          <a:spcPct val="0"/>
-                        </a:spcAft>
-                        <a:buClr>
-                          <a:srgbClr val="000000"/>
-                        </a:buClr>
-                        <a:buSzPct val="100000"/>
-                        <a:buFont typeface="Times New Roman" panose="02020603050405020304" pitchFamily="18" charset="0"/>
-                        <a:tabLst>
-                          <a:tab pos="0" algn="l"/>
-                          <a:tab pos="447675" algn="l"/>
-                          <a:tab pos="896938" algn="l"/>
-                          <a:tab pos="1346200" algn="l"/>
-                          <a:tab pos="1795463" algn="l"/>
-                          <a:tab pos="2244725" algn="l"/>
-                          <a:tab pos="2693988" algn="l"/>
-                          <a:tab pos="3143250" algn="l"/>
-                          <a:tab pos="3592513" algn="l"/>
-                          <a:tab pos="4041775" algn="l"/>
-                          <a:tab pos="4491038" algn="l"/>
-                          <a:tab pos="4940300" algn="l"/>
-                          <a:tab pos="5389563" algn="l"/>
-                          <a:tab pos="5838825" algn="l"/>
-                          <a:tab pos="6288088" algn="l"/>
-                          <a:tab pos="6737350" algn="l"/>
-                          <a:tab pos="7186613" algn="l"/>
-                          <a:tab pos="7635875" algn="l"/>
-                          <a:tab pos="8085138" algn="l"/>
-                          <a:tab pos="8534400" algn="l"/>
-                          <a:tab pos="8983663" algn="l"/>
-                        </a:tabLst>
-                        <a:defRPr sz="2700">
-                          <a:solidFill>
-                            <a:srgbClr val="000000"/>
-                          </a:solidFill>
-                          <a:latin typeface="Tahoma" panose="020B0604030504040204" pitchFamily="34" charset="0"/>
-                          <a:ea typeface="MS PGothic" panose="020B0600070205080204" pitchFamily="34" charset="-128"/>
-                        </a:defRPr>
-                      </a:lvl7pPr>
-                      <a:lvl8pPr marL="3429000" indent="-228600" defTabSz="449263" eaLnBrk="0" fontAlgn="base" hangingPunct="0">
-                        <a:spcBef>
-                          <a:spcPts val="775"/>
-                        </a:spcBef>
-                        <a:spcAft>
-                          <a:spcPct val="0"/>
-                        </a:spcAft>
-                        <a:buClr>
-                          <a:srgbClr val="000000"/>
-                        </a:buClr>
-                        <a:buSzPct val="100000"/>
-                        <a:buFont typeface="Times New Roman" panose="02020603050405020304" pitchFamily="18" charset="0"/>
-                        <a:tabLst>
-                          <a:tab pos="0" algn="l"/>
-                          <a:tab pos="447675" algn="l"/>
-                          <a:tab pos="896938" algn="l"/>
-                          <a:tab pos="1346200" algn="l"/>
-                          <a:tab pos="1795463" algn="l"/>
-                          <a:tab pos="2244725" algn="l"/>
-                          <a:tab pos="2693988" algn="l"/>
-                          <a:tab pos="3143250" algn="l"/>
-                          <a:tab pos="3592513" algn="l"/>
-                          <a:tab pos="4041775" algn="l"/>
-                          <a:tab pos="4491038" algn="l"/>
-                          <a:tab pos="4940300" algn="l"/>
-                          <a:tab pos="5389563" algn="l"/>
-                          <a:tab pos="5838825" algn="l"/>
-                          <a:tab pos="6288088" algn="l"/>
-                          <a:tab pos="6737350" algn="l"/>
-                          <a:tab pos="7186613" algn="l"/>
-                          <a:tab pos="7635875" algn="l"/>
-                          <a:tab pos="8085138" algn="l"/>
-                          <a:tab pos="8534400" algn="l"/>
-                          <a:tab pos="8983663" algn="l"/>
-                        </a:tabLst>
-                        <a:defRPr sz="2700">
-                          <a:solidFill>
-                            <a:srgbClr val="000000"/>
-                          </a:solidFill>
-                          <a:latin typeface="Tahoma" panose="020B0604030504040204" pitchFamily="34" charset="0"/>
-                          <a:ea typeface="MS PGothic" panose="020B0600070205080204" pitchFamily="34" charset="-128"/>
-                        </a:defRPr>
-                      </a:lvl8pPr>
-                      <a:lvl9pPr marL="3886200" indent="-228600" defTabSz="449263" eaLnBrk="0" fontAlgn="base" hangingPunct="0">
-                        <a:spcBef>
-                          <a:spcPts val="775"/>
-                        </a:spcBef>
-                        <a:spcAft>
-                          <a:spcPct val="0"/>
-                        </a:spcAft>
-                        <a:buClr>
-                          <a:srgbClr val="000000"/>
-                        </a:buClr>
-                        <a:buSzPct val="100000"/>
-                        <a:buFont typeface="Times New Roman" panose="02020603050405020304" pitchFamily="18" charset="0"/>
-                        <a:tabLst>
-                          <a:tab pos="0" algn="l"/>
-                          <a:tab pos="447675" algn="l"/>
-                          <a:tab pos="896938" algn="l"/>
-                          <a:tab pos="1346200" algn="l"/>
-                          <a:tab pos="1795463" algn="l"/>
-                          <a:tab pos="2244725" algn="l"/>
-                          <a:tab pos="2693988" algn="l"/>
-                          <a:tab pos="3143250" algn="l"/>
-                          <a:tab pos="3592513" algn="l"/>
-                          <a:tab pos="4041775" algn="l"/>
-                          <a:tab pos="4491038" algn="l"/>
-                          <a:tab pos="4940300" algn="l"/>
-                          <a:tab pos="5389563" algn="l"/>
-                          <a:tab pos="5838825" algn="l"/>
-                          <a:tab pos="6288088" algn="l"/>
-                          <a:tab pos="6737350" algn="l"/>
-                          <a:tab pos="7186613" algn="l"/>
-                          <a:tab pos="7635875" algn="l"/>
-                          <a:tab pos="8085138" algn="l"/>
-                          <a:tab pos="8534400" algn="l"/>
-                          <a:tab pos="8983663" algn="l"/>
-                        </a:tabLst>
-                        <a:defRPr sz="2700">
-                          <a:solidFill>
-                            <a:srgbClr val="000000"/>
-                          </a:solidFill>
-                          <a:latin typeface="Tahoma" panose="020B0604030504040204" pitchFamily="34" charset="0"/>
-                          <a:ea typeface="MS PGothic" panose="020B0600070205080204" pitchFamily="34" charset="-128"/>
-                        </a:defRPr>
-                      </a:lvl9pPr>
-                    </a:lstStyle>
-                    <a:p>
-                      <a:pPr marL="0" marR="0" lvl="0" indent="0" algn="l" defTabSz="449263" rtl="0" eaLnBrk="1" fontAlgn="base" latinLnBrk="0" hangingPunct="1">
-                        <a:lnSpc>
-                          <a:spcPct val="80000"/>
-                        </a:lnSpc>
-                        <a:spcBef>
-                          <a:spcPct val="0"/>
-                        </a:spcBef>
-                        <a:spcAft>
-                          <a:spcPct val="0"/>
-                        </a:spcAft>
-                        <a:buClrTx/>
-                        <a:buSzPct val="100000"/>
-                        <a:buFontTx/>
-                        <a:buNone/>
-                        <a:tabLst>
-                          <a:tab pos="0" algn="l"/>
-                          <a:tab pos="447675" algn="l"/>
-                          <a:tab pos="896938" algn="l"/>
-                          <a:tab pos="1346200" algn="l"/>
-                          <a:tab pos="1795463" algn="l"/>
-                          <a:tab pos="2244725" algn="l"/>
-                          <a:tab pos="2693988" algn="l"/>
-                          <a:tab pos="3143250" algn="l"/>
-                          <a:tab pos="3592513" algn="l"/>
-                          <a:tab pos="4041775" algn="l"/>
-                          <a:tab pos="4491038" algn="l"/>
-                          <a:tab pos="4940300" algn="l"/>
-                          <a:tab pos="5389563" algn="l"/>
-                          <a:tab pos="5838825" algn="l"/>
-                          <a:tab pos="6288088" algn="l"/>
-                          <a:tab pos="6737350" algn="l"/>
-                          <a:tab pos="7186613" algn="l"/>
-                          <a:tab pos="7635875" algn="l"/>
-                          <a:tab pos="8085138" algn="l"/>
-                          <a:tab pos="8534400" algn="l"/>
-                          <a:tab pos="8983663" algn="l"/>
-                        </a:tabLst>
-                      </a:pPr>
-                      <a:r>
-                        <a:rPr kumimoji="0" lang="pt-BR" altLang="pt-BR" sz="1100" b="0" i="0" u="none" strike="noStrike" cap="none" normalizeH="0" baseline="0" dirty="0">
-                          <a:ln>
-                            <a:noFill/>
-                          </a:ln>
-                          <a:solidFill>
-                            <a:srgbClr val="FFFFFF"/>
-                          </a:solidFill>
-                          <a:effectLst/>
-                          <a:latin typeface="Arial" panose="020B0604020202020204" pitchFamily="34" charset="0"/>
-                          <a:ea typeface="MS PGothic" panose="020B0600070205080204" pitchFamily="34" charset="-128"/>
-                          <a:cs typeface="Arial" panose="020B0604020202020204" pitchFamily="34" charset="0"/>
-                        </a:rPr>
-                        <a:t>CT08.6 – Visualizar lançamentos por Categoria.</a:t>
-                      </a:r>
-                    </a:p>
-                  </a:txBody>
-                  <a:tcPr marL="53410" marR="53410" marT="29906" marB="27129" horzOverflow="overflow">
-                    <a:lnL w="720" cap="flat" cmpd="sng" algn="ctr">
-                      <a:solidFill>
-                        <a:srgbClr val="FFFFFF"/>
-                      </a:solidFill>
-                      <a:prstDash val="solid"/>
-                      <a:round/>
-                      <a:headEnd type="none" w="med" len="med"/>
-                      <a:tailEnd type="none" w="med" len="med"/>
-                    </a:lnL>
-                    <a:lnR>
-                      <a:noFill/>
-                    </a:lnR>
-                    <a:lnT w="720" cap="flat" cmpd="sng" algn="ctr">
-                      <a:solidFill>
-                        <a:srgbClr val="FFFFFF"/>
-                      </a:solidFill>
-                      <a:prstDash val="solid"/>
-                      <a:round/>
-                      <a:headEnd type="none" w="med" len="med"/>
-                      <a:tailEnd type="none" w="med" len="med"/>
-                    </a:lnT>
-                    <a:lnB w="720" cap="flat" cmpd="sng" algn="ctr">
-                      <a:solidFill>
-                        <a:srgbClr val="FFFFFF"/>
-                      </a:solidFill>
-                      <a:prstDash val="solid"/>
-                      <a:round/>
-                      <a:headEnd type="none" w="med" len="med"/>
-                      <a:tailEnd type="none" w="med" len="med"/>
-                    </a:lnB>
-                    <a:lnTlToBr>
-                      <a:noFill/>
-                    </a:lnTlToBr>
-                    <a:lnBlToTr>
-                      <a:noFill/>
-                    </a:lnBlToTr>
-                    <a:solidFill>
-                      <a:srgbClr val="80B5E2"/>
-                    </a:solidFill>
-                  </a:tcPr>
-                </a:tc>
-                <a:tc hMerge="1">
-                  <a:txBody>
-                    <a:bodyPr/>
-                    <a:lstStyle/>
-                    <a:p>
-                      <a:endParaRPr lang="pt-BR"/>
-                    </a:p>
-                  </a:txBody>
-                  <a:tcPr/>
-                </a:tc>
-                <a:extLst>
-                  <a:ext uri="{0D108BD9-81ED-4DB2-BD59-A6C34878D82A}">
-                    <a16:rowId xmlns:a16="http://schemas.microsoft.com/office/drawing/2014/main" val="344403018"/>
-                  </a:ext>
-                </a:extLst>
-              </a:tr>
-              <a:tr h="536319">
-                <a:tc gridSpan="2">
-                  <a:txBody>
-                    <a:bodyPr/>
-                    <a:lstStyle>
-                      <a:lvl1pPr>
-                        <a:spcBef>
-                          <a:spcPts val="1250"/>
-                        </a:spcBef>
-                        <a:tabLst>
-                          <a:tab pos="0" algn="l"/>
-                          <a:tab pos="447675" algn="l"/>
-                          <a:tab pos="896938" algn="l"/>
-                          <a:tab pos="1346200" algn="l"/>
-                          <a:tab pos="1795463" algn="l"/>
-                          <a:tab pos="2244725" algn="l"/>
-                          <a:tab pos="2693988" algn="l"/>
-                          <a:tab pos="3143250" algn="l"/>
-                          <a:tab pos="3592513" algn="l"/>
-                          <a:tab pos="4041775" algn="l"/>
-                          <a:tab pos="4491038" algn="l"/>
-                          <a:tab pos="4940300" algn="l"/>
-                          <a:tab pos="5389563" algn="l"/>
-                          <a:tab pos="5838825" algn="l"/>
-                          <a:tab pos="6288088" algn="l"/>
-                          <a:tab pos="6737350" algn="l"/>
-                          <a:tab pos="7186613" algn="l"/>
-                          <a:tab pos="7635875" algn="l"/>
-                          <a:tab pos="8085138" algn="l"/>
-                          <a:tab pos="8534400" algn="l"/>
-                          <a:tab pos="8983663" algn="l"/>
-                        </a:tabLst>
-                        <a:defRPr sz="4600">
-                          <a:solidFill>
-                            <a:srgbClr val="000000"/>
-                          </a:solidFill>
-                          <a:latin typeface="Tahoma" panose="020B0604030504040204" pitchFamily="34" charset="0"/>
-                          <a:ea typeface="MS PGothic" panose="020B0600070205080204" pitchFamily="34" charset="-128"/>
-                        </a:defRPr>
-                      </a:lvl1pPr>
-                      <a:lvl2pPr>
-                        <a:spcBef>
-                          <a:spcPts val="1088"/>
-                        </a:spcBef>
-                        <a:tabLst>
-                          <a:tab pos="0" algn="l"/>
-                          <a:tab pos="447675" algn="l"/>
-                          <a:tab pos="896938" algn="l"/>
-                          <a:tab pos="1346200" algn="l"/>
-                          <a:tab pos="1795463" algn="l"/>
-                          <a:tab pos="2244725" algn="l"/>
-                          <a:tab pos="2693988" algn="l"/>
-                          <a:tab pos="3143250" algn="l"/>
-                          <a:tab pos="3592513" algn="l"/>
-                          <a:tab pos="4041775" algn="l"/>
-                          <a:tab pos="4491038" algn="l"/>
-                          <a:tab pos="4940300" algn="l"/>
-                          <a:tab pos="5389563" algn="l"/>
-                          <a:tab pos="5838825" algn="l"/>
-                          <a:tab pos="6288088" algn="l"/>
-                          <a:tab pos="6737350" algn="l"/>
-                          <a:tab pos="7186613" algn="l"/>
-                          <a:tab pos="7635875" algn="l"/>
-                          <a:tab pos="8085138" algn="l"/>
-                          <a:tab pos="8534400" algn="l"/>
-                          <a:tab pos="8983663" algn="l"/>
-                        </a:tabLst>
-                        <a:defRPr sz="4000">
-                          <a:solidFill>
-                            <a:srgbClr val="000000"/>
-                          </a:solidFill>
-                          <a:latin typeface="Tahoma" panose="020B0604030504040204" pitchFamily="34" charset="0"/>
-                          <a:ea typeface="MS PGothic" panose="020B0600070205080204" pitchFamily="34" charset="-128"/>
-                        </a:defRPr>
-                      </a:lvl2pPr>
-                      <a:lvl3pPr>
-                        <a:spcBef>
-                          <a:spcPts val="925"/>
-                        </a:spcBef>
-                        <a:tabLst>
-                          <a:tab pos="0" algn="l"/>
-                          <a:tab pos="447675" algn="l"/>
-                          <a:tab pos="896938" algn="l"/>
-                          <a:tab pos="1346200" algn="l"/>
-                          <a:tab pos="1795463" algn="l"/>
-                          <a:tab pos="2244725" algn="l"/>
-                          <a:tab pos="2693988" algn="l"/>
-                          <a:tab pos="3143250" algn="l"/>
-                          <a:tab pos="3592513" algn="l"/>
-                          <a:tab pos="4041775" algn="l"/>
-                          <a:tab pos="4491038" algn="l"/>
-                          <a:tab pos="4940300" algn="l"/>
-                          <a:tab pos="5389563" algn="l"/>
-                          <a:tab pos="5838825" algn="l"/>
-                          <a:tab pos="6288088" algn="l"/>
-                          <a:tab pos="6737350" algn="l"/>
-                          <a:tab pos="7186613" algn="l"/>
-                          <a:tab pos="7635875" algn="l"/>
-                          <a:tab pos="8085138" algn="l"/>
-                          <a:tab pos="8534400" algn="l"/>
-                          <a:tab pos="8983663" algn="l"/>
-                        </a:tabLst>
-                        <a:defRPr sz="3400">
-                          <a:solidFill>
-                            <a:srgbClr val="000000"/>
-                          </a:solidFill>
-                          <a:latin typeface="Tahoma" panose="020B0604030504040204" pitchFamily="34" charset="0"/>
-                          <a:ea typeface="MS PGothic" panose="020B0600070205080204" pitchFamily="34" charset="-128"/>
-                        </a:defRPr>
-                      </a:lvl3pPr>
-                      <a:lvl4pPr>
-                        <a:spcBef>
-                          <a:spcPts val="775"/>
-                        </a:spcBef>
-                        <a:tabLst>
-                          <a:tab pos="0" algn="l"/>
-                          <a:tab pos="447675" algn="l"/>
-                          <a:tab pos="896938" algn="l"/>
-                          <a:tab pos="1346200" algn="l"/>
-                          <a:tab pos="1795463" algn="l"/>
-                          <a:tab pos="2244725" algn="l"/>
-                          <a:tab pos="2693988" algn="l"/>
-                          <a:tab pos="3143250" algn="l"/>
-                          <a:tab pos="3592513" algn="l"/>
-                          <a:tab pos="4041775" algn="l"/>
-                          <a:tab pos="4491038" algn="l"/>
-                          <a:tab pos="4940300" algn="l"/>
-                          <a:tab pos="5389563" algn="l"/>
-                          <a:tab pos="5838825" algn="l"/>
-                          <a:tab pos="6288088" algn="l"/>
-                          <a:tab pos="6737350" algn="l"/>
-                          <a:tab pos="7186613" algn="l"/>
-                          <a:tab pos="7635875" algn="l"/>
-                          <a:tab pos="8085138" algn="l"/>
-                          <a:tab pos="8534400" algn="l"/>
-                          <a:tab pos="8983663" algn="l"/>
-                        </a:tabLst>
-                        <a:defRPr sz="2700">
-                          <a:solidFill>
-                            <a:srgbClr val="000000"/>
-                          </a:solidFill>
-                          <a:latin typeface="Tahoma" panose="020B0604030504040204" pitchFamily="34" charset="0"/>
-                          <a:ea typeface="MS PGothic" panose="020B0600070205080204" pitchFamily="34" charset="-128"/>
-                        </a:defRPr>
-                      </a:lvl4pPr>
-                      <a:lvl5pPr>
-                        <a:spcBef>
-                          <a:spcPts val="775"/>
-                        </a:spcBef>
-                        <a:tabLst>
-                          <a:tab pos="0" algn="l"/>
-                          <a:tab pos="447675" algn="l"/>
-                          <a:tab pos="896938" algn="l"/>
-                          <a:tab pos="1346200" algn="l"/>
-                          <a:tab pos="1795463" algn="l"/>
-                          <a:tab pos="2244725" algn="l"/>
-                          <a:tab pos="2693988" algn="l"/>
-                          <a:tab pos="3143250" algn="l"/>
-                          <a:tab pos="3592513" algn="l"/>
-                          <a:tab pos="4041775" algn="l"/>
-                          <a:tab pos="4491038" algn="l"/>
-                          <a:tab pos="4940300" algn="l"/>
-                          <a:tab pos="5389563" algn="l"/>
-                          <a:tab pos="5838825" algn="l"/>
-                          <a:tab pos="6288088" algn="l"/>
-                          <a:tab pos="6737350" algn="l"/>
-                          <a:tab pos="7186613" algn="l"/>
-                          <a:tab pos="7635875" algn="l"/>
-                          <a:tab pos="8085138" algn="l"/>
-                          <a:tab pos="8534400" algn="l"/>
-                          <a:tab pos="8983663" algn="l"/>
-                        </a:tabLst>
-                        <a:defRPr sz="2700">
-                          <a:solidFill>
-                            <a:srgbClr val="000000"/>
-                          </a:solidFill>
-                          <a:latin typeface="Tahoma" panose="020B0604030504040204" pitchFamily="34" charset="0"/>
-                          <a:ea typeface="MS PGothic" panose="020B0600070205080204" pitchFamily="34" charset="-128"/>
-                        </a:defRPr>
-                      </a:lvl5pPr>
-                      <a:lvl6pPr marL="2514600" indent="-228600" defTabSz="449263" eaLnBrk="0" fontAlgn="base" hangingPunct="0">
-                        <a:spcBef>
-                          <a:spcPts val="775"/>
-                        </a:spcBef>
-                        <a:spcAft>
-                          <a:spcPct val="0"/>
-                        </a:spcAft>
-                        <a:buClr>
-                          <a:srgbClr val="000000"/>
-                        </a:buClr>
-                        <a:buSzPct val="100000"/>
-                        <a:buFont typeface="Times New Roman" panose="02020603050405020304" pitchFamily="18" charset="0"/>
-                        <a:tabLst>
-                          <a:tab pos="0" algn="l"/>
-                          <a:tab pos="447675" algn="l"/>
-                          <a:tab pos="896938" algn="l"/>
-                          <a:tab pos="1346200" algn="l"/>
-                          <a:tab pos="1795463" algn="l"/>
-                          <a:tab pos="2244725" algn="l"/>
-                          <a:tab pos="2693988" algn="l"/>
-                          <a:tab pos="3143250" algn="l"/>
-                          <a:tab pos="3592513" algn="l"/>
-                          <a:tab pos="4041775" algn="l"/>
-                          <a:tab pos="4491038" algn="l"/>
-                          <a:tab pos="4940300" algn="l"/>
-                          <a:tab pos="5389563" algn="l"/>
-                          <a:tab pos="5838825" algn="l"/>
-                          <a:tab pos="6288088" algn="l"/>
-                          <a:tab pos="6737350" algn="l"/>
-                          <a:tab pos="7186613" algn="l"/>
-                          <a:tab pos="7635875" algn="l"/>
-                          <a:tab pos="8085138" algn="l"/>
-                          <a:tab pos="8534400" algn="l"/>
-                          <a:tab pos="8983663" algn="l"/>
-                        </a:tabLst>
-                        <a:defRPr sz="2700">
-                          <a:solidFill>
-                            <a:srgbClr val="000000"/>
-                          </a:solidFill>
-                          <a:latin typeface="Tahoma" panose="020B0604030504040204" pitchFamily="34" charset="0"/>
-                          <a:ea typeface="MS PGothic" panose="020B0600070205080204" pitchFamily="34" charset="-128"/>
-                        </a:defRPr>
-                      </a:lvl6pPr>
-                      <a:lvl7pPr marL="2971800" indent="-228600" defTabSz="449263" eaLnBrk="0" fontAlgn="base" hangingPunct="0">
-                        <a:spcBef>
-                          <a:spcPts val="775"/>
-                        </a:spcBef>
-                        <a:spcAft>
-                          <a:spcPct val="0"/>
-                        </a:spcAft>
-                        <a:buClr>
-                          <a:srgbClr val="000000"/>
-                        </a:buClr>
-                        <a:buSzPct val="100000"/>
-                        <a:buFont typeface="Times New Roman" panose="02020603050405020304" pitchFamily="18" charset="0"/>
-                        <a:tabLst>
-                          <a:tab pos="0" algn="l"/>
-                          <a:tab pos="447675" algn="l"/>
-                          <a:tab pos="896938" algn="l"/>
-                          <a:tab pos="1346200" algn="l"/>
-                          <a:tab pos="1795463" algn="l"/>
-                          <a:tab pos="2244725" algn="l"/>
-                          <a:tab pos="2693988" algn="l"/>
-                          <a:tab pos="3143250" algn="l"/>
-                          <a:tab pos="3592513" algn="l"/>
-                          <a:tab pos="4041775" algn="l"/>
-                          <a:tab pos="4491038" algn="l"/>
-                          <a:tab pos="4940300" algn="l"/>
-                          <a:tab pos="5389563" algn="l"/>
-                          <a:tab pos="5838825" algn="l"/>
-                          <a:tab pos="6288088" algn="l"/>
-                          <a:tab pos="6737350" algn="l"/>
-                          <a:tab pos="7186613" algn="l"/>
-                          <a:tab pos="7635875" algn="l"/>
-                          <a:tab pos="8085138" algn="l"/>
-                          <a:tab pos="8534400" algn="l"/>
-                          <a:tab pos="8983663" algn="l"/>
-                        </a:tabLst>
-                        <a:defRPr sz="2700">
-                          <a:solidFill>
-                            <a:srgbClr val="000000"/>
-                          </a:solidFill>
-                          <a:latin typeface="Tahoma" panose="020B0604030504040204" pitchFamily="34" charset="0"/>
-                          <a:ea typeface="MS PGothic" panose="020B0600070205080204" pitchFamily="34" charset="-128"/>
-                        </a:defRPr>
-                      </a:lvl7pPr>
-                      <a:lvl8pPr marL="3429000" indent="-228600" defTabSz="449263" eaLnBrk="0" fontAlgn="base" hangingPunct="0">
-                        <a:spcBef>
-                          <a:spcPts val="775"/>
-                        </a:spcBef>
-                        <a:spcAft>
-                          <a:spcPct val="0"/>
-                        </a:spcAft>
-                        <a:buClr>
-                          <a:srgbClr val="000000"/>
-                        </a:buClr>
-                        <a:buSzPct val="100000"/>
-                        <a:buFont typeface="Times New Roman" panose="02020603050405020304" pitchFamily="18" charset="0"/>
-                        <a:tabLst>
-                          <a:tab pos="0" algn="l"/>
-                          <a:tab pos="447675" algn="l"/>
-                          <a:tab pos="896938" algn="l"/>
-                          <a:tab pos="1346200" algn="l"/>
-                          <a:tab pos="1795463" algn="l"/>
-                          <a:tab pos="2244725" algn="l"/>
-                          <a:tab pos="2693988" algn="l"/>
-                          <a:tab pos="3143250" algn="l"/>
-                          <a:tab pos="3592513" algn="l"/>
-                          <a:tab pos="4041775" algn="l"/>
-                          <a:tab pos="4491038" algn="l"/>
-                          <a:tab pos="4940300" algn="l"/>
-                          <a:tab pos="5389563" algn="l"/>
-                          <a:tab pos="5838825" algn="l"/>
-                          <a:tab pos="6288088" algn="l"/>
-                          <a:tab pos="6737350" algn="l"/>
-                          <a:tab pos="7186613" algn="l"/>
-                          <a:tab pos="7635875" algn="l"/>
-                          <a:tab pos="8085138" algn="l"/>
-                          <a:tab pos="8534400" algn="l"/>
-                          <a:tab pos="8983663" algn="l"/>
-                        </a:tabLst>
-                        <a:defRPr sz="2700">
-                          <a:solidFill>
-                            <a:srgbClr val="000000"/>
-                          </a:solidFill>
-                          <a:latin typeface="Tahoma" panose="020B0604030504040204" pitchFamily="34" charset="0"/>
-                          <a:ea typeface="MS PGothic" panose="020B0600070205080204" pitchFamily="34" charset="-128"/>
-                        </a:defRPr>
-                      </a:lvl8pPr>
-                      <a:lvl9pPr marL="3886200" indent="-228600" defTabSz="449263" eaLnBrk="0" fontAlgn="base" hangingPunct="0">
-                        <a:spcBef>
-                          <a:spcPts val="775"/>
-                        </a:spcBef>
-                        <a:spcAft>
-                          <a:spcPct val="0"/>
-                        </a:spcAft>
-                        <a:buClr>
-                          <a:srgbClr val="000000"/>
-                        </a:buClr>
-                        <a:buSzPct val="100000"/>
-                        <a:buFont typeface="Times New Roman" panose="02020603050405020304" pitchFamily="18" charset="0"/>
-                        <a:tabLst>
-                          <a:tab pos="0" algn="l"/>
-                          <a:tab pos="447675" algn="l"/>
-                          <a:tab pos="896938" algn="l"/>
-                          <a:tab pos="1346200" algn="l"/>
-                          <a:tab pos="1795463" algn="l"/>
-                          <a:tab pos="2244725" algn="l"/>
-                          <a:tab pos="2693988" algn="l"/>
-                          <a:tab pos="3143250" algn="l"/>
-                          <a:tab pos="3592513" algn="l"/>
-                          <a:tab pos="4041775" algn="l"/>
-                          <a:tab pos="4491038" algn="l"/>
-                          <a:tab pos="4940300" algn="l"/>
-                          <a:tab pos="5389563" algn="l"/>
-                          <a:tab pos="5838825" algn="l"/>
-                          <a:tab pos="6288088" algn="l"/>
-                          <a:tab pos="6737350" algn="l"/>
-                          <a:tab pos="7186613" algn="l"/>
-                          <a:tab pos="7635875" algn="l"/>
-                          <a:tab pos="8085138" algn="l"/>
-                          <a:tab pos="8534400" algn="l"/>
-                          <a:tab pos="8983663" algn="l"/>
-                        </a:tabLst>
-                        <a:defRPr sz="2700">
-                          <a:solidFill>
-                            <a:srgbClr val="000000"/>
-                          </a:solidFill>
-                          <a:latin typeface="Tahoma" panose="020B0604030504040204" pitchFamily="34" charset="0"/>
-                          <a:ea typeface="MS PGothic" panose="020B0600070205080204" pitchFamily="34" charset="-128"/>
-                        </a:defRPr>
-                      </a:lvl9pPr>
-                    </a:lstStyle>
-                    <a:p>
-                      <a:pPr marL="0" marR="0" lvl="0" indent="0" algn="l" defTabSz="449263" rtl="0" eaLnBrk="1" fontAlgn="base" latinLnBrk="0" hangingPunct="1">
-                        <a:lnSpc>
-                          <a:spcPct val="80000"/>
-                        </a:lnSpc>
-                        <a:spcBef>
-                          <a:spcPct val="0"/>
-                        </a:spcBef>
-                        <a:spcAft>
-                          <a:spcPct val="0"/>
-                        </a:spcAft>
-                        <a:buClrTx/>
-                        <a:buSzPct val="100000"/>
-                        <a:buFontTx/>
-                        <a:buNone/>
-                        <a:tabLst>
-                          <a:tab pos="0" algn="l"/>
-                          <a:tab pos="447675" algn="l"/>
-                          <a:tab pos="896938" algn="l"/>
-                          <a:tab pos="1346200" algn="l"/>
-                          <a:tab pos="1795463" algn="l"/>
-                          <a:tab pos="2244725" algn="l"/>
-                          <a:tab pos="2693988" algn="l"/>
-                          <a:tab pos="3143250" algn="l"/>
-                          <a:tab pos="3592513" algn="l"/>
-                          <a:tab pos="4041775" algn="l"/>
-                          <a:tab pos="4491038" algn="l"/>
-                          <a:tab pos="4940300" algn="l"/>
-                          <a:tab pos="5389563" algn="l"/>
-                          <a:tab pos="5838825" algn="l"/>
-                          <a:tab pos="6288088" algn="l"/>
-                          <a:tab pos="6737350" algn="l"/>
-                          <a:tab pos="7186613" algn="l"/>
-                          <a:tab pos="7635875" algn="l"/>
-                          <a:tab pos="8085138" algn="l"/>
-                          <a:tab pos="8534400" algn="l"/>
-                          <a:tab pos="8983663" algn="l"/>
-                        </a:tabLst>
-                      </a:pPr>
-                      <a:r>
-                        <a:rPr kumimoji="0" lang="pt-BR" altLang="pt-BR" sz="1100" b="0" i="0" u="none" strike="noStrike" cap="none" normalizeH="0" baseline="0" dirty="0">
-                          <a:ln>
-                            <a:noFill/>
-                          </a:ln>
-                          <a:solidFill>
-                            <a:srgbClr val="000000"/>
-                          </a:solidFill>
-                          <a:effectLst/>
-                          <a:latin typeface="Arial" panose="020B0604020202020204" pitchFamily="34" charset="0"/>
-                          <a:ea typeface="MS PGothic" panose="020B0600070205080204" pitchFamily="34" charset="-128"/>
-                          <a:cs typeface="Arial" panose="020B0604020202020204" pitchFamily="34" charset="0"/>
-                        </a:rPr>
-                        <a:t>Pré-condição: O usuário deve estar autenticado no sistema.</a:t>
-                      </a:r>
-                    </a:p>
-                  </a:txBody>
-                  <a:tcPr marL="53410" marR="53410" marT="29906" marB="27129" horzOverflow="overflow">
-                    <a:lnL w="720" cap="flat" cmpd="sng" algn="ctr">
-                      <a:solidFill>
-                        <a:srgbClr val="FFFFFF"/>
-                      </a:solidFill>
-                      <a:prstDash val="solid"/>
-                      <a:round/>
-                      <a:headEnd type="none" w="med" len="med"/>
-                      <a:tailEnd type="none" w="med" len="med"/>
-                    </a:lnL>
-                    <a:lnR>
-                      <a:noFill/>
-                    </a:lnR>
-                    <a:lnT w="720" cap="flat" cmpd="sng" algn="ctr">
-                      <a:solidFill>
-                        <a:srgbClr val="FFFFFF"/>
-                      </a:solidFill>
-                      <a:prstDash val="solid"/>
-                      <a:round/>
-                      <a:headEnd type="none" w="med" len="med"/>
-                      <a:tailEnd type="none" w="med" len="med"/>
-                    </a:lnT>
-                    <a:lnB w="720" cap="flat" cmpd="sng" algn="ctr">
-                      <a:solidFill>
-                        <a:srgbClr val="FFFFFF"/>
-                      </a:solidFill>
-                      <a:prstDash val="solid"/>
-                      <a:round/>
-                      <a:headEnd type="none" w="med" len="med"/>
-                      <a:tailEnd type="none" w="med" len="med"/>
-                    </a:lnB>
-                    <a:lnTlToBr>
-                      <a:noFill/>
-                    </a:lnTlToBr>
-                    <a:lnBlToTr>
-                      <a:noFill/>
-                    </a:lnBlToTr>
-                    <a:solidFill>
-                      <a:srgbClr val="CCD1E1"/>
-                    </a:solidFill>
-                  </a:tcPr>
-                </a:tc>
-                <a:tc hMerge="1">
-                  <a:txBody>
-                    <a:bodyPr/>
-                    <a:lstStyle/>
-                    <a:p>
-                      <a:endParaRPr lang="pt-BR"/>
-                    </a:p>
-                  </a:txBody>
-                  <a:tcPr/>
-                </a:tc>
-                <a:extLst>
-                  <a:ext uri="{0D108BD9-81ED-4DB2-BD59-A6C34878D82A}">
-                    <a16:rowId xmlns:a16="http://schemas.microsoft.com/office/drawing/2014/main" val="60960057"/>
-                  </a:ext>
-                </a:extLst>
-              </a:tr>
-              <a:tr h="280126">
-                <a:tc>
-                  <a:txBody>
-                    <a:bodyPr/>
-                    <a:lstStyle>
-                      <a:lvl1pPr>
-                        <a:spcBef>
-                          <a:spcPts val="1250"/>
-                        </a:spcBef>
-                        <a:tabLst>
-                          <a:tab pos="0" algn="l"/>
-                          <a:tab pos="447675" algn="l"/>
-                          <a:tab pos="896938" algn="l"/>
-                          <a:tab pos="1346200" algn="l"/>
-                          <a:tab pos="1795463" algn="l"/>
-                          <a:tab pos="2244725" algn="l"/>
-                          <a:tab pos="2693988" algn="l"/>
-                          <a:tab pos="3143250" algn="l"/>
-                          <a:tab pos="3592513" algn="l"/>
-                          <a:tab pos="4041775" algn="l"/>
-                          <a:tab pos="4491038" algn="l"/>
-                          <a:tab pos="4940300" algn="l"/>
-                          <a:tab pos="5389563" algn="l"/>
-                          <a:tab pos="5838825" algn="l"/>
-                          <a:tab pos="6288088" algn="l"/>
-                          <a:tab pos="6737350" algn="l"/>
-                          <a:tab pos="7186613" algn="l"/>
-                          <a:tab pos="7635875" algn="l"/>
-                          <a:tab pos="8085138" algn="l"/>
-                          <a:tab pos="8534400" algn="l"/>
-                          <a:tab pos="8983663" algn="l"/>
-                        </a:tabLst>
-                        <a:defRPr sz="4600">
-                          <a:solidFill>
-                            <a:srgbClr val="000000"/>
-                          </a:solidFill>
-                          <a:latin typeface="Tahoma" panose="020B0604030504040204" pitchFamily="34" charset="0"/>
-                          <a:ea typeface="MS PGothic" panose="020B0600070205080204" pitchFamily="34" charset="-128"/>
-                        </a:defRPr>
-                      </a:lvl1pPr>
-                      <a:lvl2pPr>
-                        <a:spcBef>
-                          <a:spcPts val="1088"/>
-                        </a:spcBef>
-                        <a:tabLst>
-                          <a:tab pos="0" algn="l"/>
-                          <a:tab pos="447675" algn="l"/>
-                          <a:tab pos="896938" algn="l"/>
-                          <a:tab pos="1346200" algn="l"/>
-                          <a:tab pos="1795463" algn="l"/>
-                          <a:tab pos="2244725" algn="l"/>
-                          <a:tab pos="2693988" algn="l"/>
-                          <a:tab pos="3143250" algn="l"/>
-                          <a:tab pos="3592513" algn="l"/>
-                          <a:tab pos="4041775" algn="l"/>
-                          <a:tab pos="4491038" algn="l"/>
-                          <a:tab pos="4940300" algn="l"/>
-                          <a:tab pos="5389563" algn="l"/>
-                          <a:tab pos="5838825" algn="l"/>
-                          <a:tab pos="6288088" algn="l"/>
-                          <a:tab pos="6737350" algn="l"/>
-                          <a:tab pos="7186613" algn="l"/>
-                          <a:tab pos="7635875" algn="l"/>
-                          <a:tab pos="8085138" algn="l"/>
-                          <a:tab pos="8534400" algn="l"/>
-                          <a:tab pos="8983663" algn="l"/>
-                        </a:tabLst>
-                        <a:defRPr sz="4000">
-                          <a:solidFill>
-                            <a:srgbClr val="000000"/>
-                          </a:solidFill>
-                          <a:latin typeface="Tahoma" panose="020B0604030504040204" pitchFamily="34" charset="0"/>
-                          <a:ea typeface="MS PGothic" panose="020B0600070205080204" pitchFamily="34" charset="-128"/>
-                        </a:defRPr>
-                      </a:lvl2pPr>
-                      <a:lvl3pPr>
-                        <a:spcBef>
-                          <a:spcPts val="925"/>
-                        </a:spcBef>
-                        <a:tabLst>
-                          <a:tab pos="0" algn="l"/>
-                          <a:tab pos="447675" algn="l"/>
-                          <a:tab pos="896938" algn="l"/>
-                          <a:tab pos="1346200" algn="l"/>
-                          <a:tab pos="1795463" algn="l"/>
-                          <a:tab pos="2244725" algn="l"/>
-                          <a:tab pos="2693988" algn="l"/>
-                          <a:tab pos="3143250" algn="l"/>
-                          <a:tab pos="3592513" algn="l"/>
-                          <a:tab pos="4041775" algn="l"/>
-                          <a:tab pos="4491038" algn="l"/>
-                          <a:tab pos="4940300" algn="l"/>
-                          <a:tab pos="5389563" algn="l"/>
-                          <a:tab pos="5838825" algn="l"/>
-                          <a:tab pos="6288088" algn="l"/>
-                          <a:tab pos="6737350" algn="l"/>
-                          <a:tab pos="7186613" algn="l"/>
-                          <a:tab pos="7635875" algn="l"/>
-                          <a:tab pos="8085138" algn="l"/>
-                          <a:tab pos="8534400" algn="l"/>
-                          <a:tab pos="8983663" algn="l"/>
-                        </a:tabLst>
-                        <a:defRPr sz="3400">
-                          <a:solidFill>
-                            <a:srgbClr val="000000"/>
-                          </a:solidFill>
-                          <a:latin typeface="Tahoma" panose="020B0604030504040204" pitchFamily="34" charset="0"/>
-                          <a:ea typeface="MS PGothic" panose="020B0600070205080204" pitchFamily="34" charset="-128"/>
-                        </a:defRPr>
-                      </a:lvl3pPr>
-                      <a:lvl4pPr>
-                        <a:spcBef>
-                          <a:spcPts val="775"/>
-                        </a:spcBef>
-                        <a:tabLst>
-                          <a:tab pos="0" algn="l"/>
-                          <a:tab pos="447675" algn="l"/>
-                          <a:tab pos="896938" algn="l"/>
-                          <a:tab pos="1346200" algn="l"/>
-                          <a:tab pos="1795463" algn="l"/>
-                          <a:tab pos="2244725" algn="l"/>
-                          <a:tab pos="2693988" algn="l"/>
-                          <a:tab pos="3143250" algn="l"/>
-                          <a:tab pos="3592513" algn="l"/>
-                          <a:tab pos="4041775" algn="l"/>
-                          <a:tab pos="4491038" algn="l"/>
-                          <a:tab pos="4940300" algn="l"/>
-                          <a:tab pos="5389563" algn="l"/>
-                          <a:tab pos="5838825" algn="l"/>
-                          <a:tab pos="6288088" algn="l"/>
-                          <a:tab pos="6737350" algn="l"/>
-                          <a:tab pos="7186613" algn="l"/>
-                          <a:tab pos="7635875" algn="l"/>
-                          <a:tab pos="8085138" algn="l"/>
-                          <a:tab pos="8534400" algn="l"/>
-                          <a:tab pos="8983663" algn="l"/>
-                        </a:tabLst>
-                        <a:defRPr sz="2700">
-                          <a:solidFill>
-                            <a:srgbClr val="000000"/>
-                          </a:solidFill>
-                          <a:latin typeface="Tahoma" panose="020B0604030504040204" pitchFamily="34" charset="0"/>
-                          <a:ea typeface="MS PGothic" panose="020B0600070205080204" pitchFamily="34" charset="-128"/>
-                        </a:defRPr>
-                      </a:lvl4pPr>
-                      <a:lvl5pPr>
-                        <a:spcBef>
-                          <a:spcPts val="775"/>
-                        </a:spcBef>
-                        <a:tabLst>
-                          <a:tab pos="0" algn="l"/>
-                          <a:tab pos="447675" algn="l"/>
-                          <a:tab pos="896938" algn="l"/>
-                          <a:tab pos="1346200" algn="l"/>
-                          <a:tab pos="1795463" algn="l"/>
-                          <a:tab pos="2244725" algn="l"/>
-                          <a:tab pos="2693988" algn="l"/>
-                          <a:tab pos="3143250" algn="l"/>
-                          <a:tab pos="3592513" algn="l"/>
-                          <a:tab pos="4041775" algn="l"/>
-                          <a:tab pos="4491038" algn="l"/>
-                          <a:tab pos="4940300" algn="l"/>
-                          <a:tab pos="5389563" algn="l"/>
-                          <a:tab pos="5838825" algn="l"/>
-                          <a:tab pos="6288088" algn="l"/>
-                          <a:tab pos="6737350" algn="l"/>
-                          <a:tab pos="7186613" algn="l"/>
-                          <a:tab pos="7635875" algn="l"/>
-                          <a:tab pos="8085138" algn="l"/>
-                          <a:tab pos="8534400" algn="l"/>
-                          <a:tab pos="8983663" algn="l"/>
-                        </a:tabLst>
-                        <a:defRPr sz="2700">
-                          <a:solidFill>
-                            <a:srgbClr val="000000"/>
-                          </a:solidFill>
-                          <a:latin typeface="Tahoma" panose="020B0604030504040204" pitchFamily="34" charset="0"/>
-                          <a:ea typeface="MS PGothic" panose="020B0600070205080204" pitchFamily="34" charset="-128"/>
-                        </a:defRPr>
-                      </a:lvl5pPr>
-                      <a:lvl6pPr marL="2514600" indent="-228600" defTabSz="449263" eaLnBrk="0" fontAlgn="base" hangingPunct="0">
-                        <a:spcBef>
-                          <a:spcPts val="775"/>
-                        </a:spcBef>
-                        <a:spcAft>
-                          <a:spcPct val="0"/>
-                        </a:spcAft>
-                        <a:buClr>
-                          <a:srgbClr val="000000"/>
-                        </a:buClr>
-                        <a:buSzPct val="100000"/>
-                        <a:buFont typeface="Times New Roman" panose="02020603050405020304" pitchFamily="18" charset="0"/>
-                        <a:tabLst>
-                          <a:tab pos="0" algn="l"/>
-                          <a:tab pos="447675" algn="l"/>
-                          <a:tab pos="896938" algn="l"/>
-                          <a:tab pos="1346200" algn="l"/>
-                          <a:tab pos="1795463" algn="l"/>
-                          <a:tab pos="2244725" algn="l"/>
-                          <a:tab pos="2693988" algn="l"/>
-                          <a:tab pos="3143250" algn="l"/>
-                          <a:tab pos="3592513" algn="l"/>
-                          <a:tab pos="4041775" algn="l"/>
-                          <a:tab pos="4491038" algn="l"/>
-                          <a:tab pos="4940300" algn="l"/>
-                          <a:tab pos="5389563" algn="l"/>
-                          <a:tab pos="5838825" algn="l"/>
-                          <a:tab pos="6288088" algn="l"/>
-                          <a:tab pos="6737350" algn="l"/>
-                          <a:tab pos="7186613" algn="l"/>
-                          <a:tab pos="7635875" algn="l"/>
-                          <a:tab pos="8085138" algn="l"/>
-                          <a:tab pos="8534400" algn="l"/>
-                          <a:tab pos="8983663" algn="l"/>
-                        </a:tabLst>
-                        <a:defRPr sz="2700">
-                          <a:solidFill>
-                            <a:srgbClr val="000000"/>
-                          </a:solidFill>
-                          <a:latin typeface="Tahoma" panose="020B0604030504040204" pitchFamily="34" charset="0"/>
-                          <a:ea typeface="MS PGothic" panose="020B0600070205080204" pitchFamily="34" charset="-128"/>
-                        </a:defRPr>
-                      </a:lvl6pPr>
-                      <a:lvl7pPr marL="2971800" indent="-228600" defTabSz="449263" eaLnBrk="0" fontAlgn="base" hangingPunct="0">
-                        <a:spcBef>
-                          <a:spcPts val="775"/>
-                        </a:spcBef>
-                        <a:spcAft>
-                          <a:spcPct val="0"/>
-                        </a:spcAft>
-                        <a:buClr>
-                          <a:srgbClr val="000000"/>
-                        </a:buClr>
-                        <a:buSzPct val="100000"/>
-                        <a:buFont typeface="Times New Roman" panose="02020603050405020304" pitchFamily="18" charset="0"/>
-                        <a:tabLst>
-                          <a:tab pos="0" algn="l"/>
-                          <a:tab pos="447675" algn="l"/>
-                          <a:tab pos="896938" algn="l"/>
-                          <a:tab pos="1346200" algn="l"/>
-                          <a:tab pos="1795463" algn="l"/>
-                          <a:tab pos="2244725" algn="l"/>
-                          <a:tab pos="2693988" algn="l"/>
-                          <a:tab pos="3143250" algn="l"/>
-                          <a:tab pos="3592513" algn="l"/>
-                          <a:tab pos="4041775" algn="l"/>
-                          <a:tab pos="4491038" algn="l"/>
-                          <a:tab pos="4940300" algn="l"/>
-                          <a:tab pos="5389563" algn="l"/>
-                          <a:tab pos="5838825" algn="l"/>
-                          <a:tab pos="6288088" algn="l"/>
-                          <a:tab pos="6737350" algn="l"/>
-                          <a:tab pos="7186613" algn="l"/>
-                          <a:tab pos="7635875" algn="l"/>
-                          <a:tab pos="8085138" algn="l"/>
-                          <a:tab pos="8534400" algn="l"/>
-                          <a:tab pos="8983663" algn="l"/>
-                        </a:tabLst>
-                        <a:defRPr sz="2700">
-                          <a:solidFill>
-                            <a:srgbClr val="000000"/>
-                          </a:solidFill>
-                          <a:latin typeface="Tahoma" panose="020B0604030504040204" pitchFamily="34" charset="0"/>
-                          <a:ea typeface="MS PGothic" panose="020B0600070205080204" pitchFamily="34" charset="-128"/>
-                        </a:defRPr>
-                      </a:lvl7pPr>
-                      <a:lvl8pPr marL="3429000" indent="-228600" defTabSz="449263" eaLnBrk="0" fontAlgn="base" hangingPunct="0">
-                        <a:spcBef>
-                          <a:spcPts val="775"/>
-                        </a:spcBef>
-                        <a:spcAft>
-                          <a:spcPct val="0"/>
-                        </a:spcAft>
-                        <a:buClr>
-                          <a:srgbClr val="000000"/>
-                        </a:buClr>
-                        <a:buSzPct val="100000"/>
-                        <a:buFont typeface="Times New Roman" panose="02020603050405020304" pitchFamily="18" charset="0"/>
-                        <a:tabLst>
-                          <a:tab pos="0" algn="l"/>
-                          <a:tab pos="447675" algn="l"/>
-                          <a:tab pos="896938" algn="l"/>
-                          <a:tab pos="1346200" algn="l"/>
-                          <a:tab pos="1795463" algn="l"/>
-                          <a:tab pos="2244725" algn="l"/>
-                          <a:tab pos="2693988" algn="l"/>
-                          <a:tab pos="3143250" algn="l"/>
-                          <a:tab pos="3592513" algn="l"/>
-                          <a:tab pos="4041775" algn="l"/>
-                          <a:tab pos="4491038" algn="l"/>
-                          <a:tab pos="4940300" algn="l"/>
-                          <a:tab pos="5389563" algn="l"/>
-                          <a:tab pos="5838825" algn="l"/>
-                          <a:tab pos="6288088" algn="l"/>
-                          <a:tab pos="6737350" algn="l"/>
-                          <a:tab pos="7186613" algn="l"/>
-                          <a:tab pos="7635875" algn="l"/>
-                          <a:tab pos="8085138" algn="l"/>
-                          <a:tab pos="8534400" algn="l"/>
-                          <a:tab pos="8983663" algn="l"/>
-                        </a:tabLst>
-                        <a:defRPr sz="2700">
-                          <a:solidFill>
-                            <a:srgbClr val="000000"/>
-                          </a:solidFill>
-                          <a:latin typeface="Tahoma" panose="020B0604030504040204" pitchFamily="34" charset="0"/>
-                          <a:ea typeface="MS PGothic" panose="020B0600070205080204" pitchFamily="34" charset="-128"/>
-                        </a:defRPr>
-                      </a:lvl8pPr>
-                      <a:lvl9pPr marL="3886200" indent="-228600" defTabSz="449263" eaLnBrk="0" fontAlgn="base" hangingPunct="0">
-                        <a:spcBef>
-                          <a:spcPts val="775"/>
-                        </a:spcBef>
-                        <a:spcAft>
-                          <a:spcPct val="0"/>
-                        </a:spcAft>
-                        <a:buClr>
-                          <a:srgbClr val="000000"/>
-                        </a:buClr>
-                        <a:buSzPct val="100000"/>
-                        <a:buFont typeface="Times New Roman" panose="02020603050405020304" pitchFamily="18" charset="0"/>
-                        <a:tabLst>
-                          <a:tab pos="0" algn="l"/>
-                          <a:tab pos="447675" algn="l"/>
-                          <a:tab pos="896938" algn="l"/>
-                          <a:tab pos="1346200" algn="l"/>
-                          <a:tab pos="1795463" algn="l"/>
-                          <a:tab pos="2244725" algn="l"/>
-                          <a:tab pos="2693988" algn="l"/>
-                          <a:tab pos="3143250" algn="l"/>
-                          <a:tab pos="3592513" algn="l"/>
-                          <a:tab pos="4041775" algn="l"/>
-                          <a:tab pos="4491038" algn="l"/>
-                          <a:tab pos="4940300" algn="l"/>
-                          <a:tab pos="5389563" algn="l"/>
-                          <a:tab pos="5838825" algn="l"/>
-                          <a:tab pos="6288088" algn="l"/>
-                          <a:tab pos="6737350" algn="l"/>
-                          <a:tab pos="7186613" algn="l"/>
-                          <a:tab pos="7635875" algn="l"/>
-                          <a:tab pos="8085138" algn="l"/>
-                          <a:tab pos="8534400" algn="l"/>
-                          <a:tab pos="8983663" algn="l"/>
-                        </a:tabLst>
-                        <a:defRPr sz="2700">
-                          <a:solidFill>
-                            <a:srgbClr val="000000"/>
-                          </a:solidFill>
-                          <a:latin typeface="Tahoma" panose="020B0604030504040204" pitchFamily="34" charset="0"/>
-                          <a:ea typeface="MS PGothic" panose="020B0600070205080204" pitchFamily="34" charset="-128"/>
-                        </a:defRPr>
-                      </a:lvl9pPr>
-                    </a:lstStyle>
-                    <a:p>
-                      <a:pPr marL="0" marR="0" lvl="0" indent="0" algn="l" defTabSz="449263" rtl="0" eaLnBrk="1" fontAlgn="base" latinLnBrk="0" hangingPunct="1">
-                        <a:lnSpc>
-                          <a:spcPct val="80000"/>
-                        </a:lnSpc>
-                        <a:spcBef>
-                          <a:spcPct val="0"/>
-                        </a:spcBef>
-                        <a:spcAft>
-                          <a:spcPct val="0"/>
-                        </a:spcAft>
-                        <a:buClrTx/>
-                        <a:buSzPct val="100000"/>
-                        <a:buFontTx/>
-                        <a:buNone/>
-                        <a:tabLst>
-                          <a:tab pos="0" algn="l"/>
-                          <a:tab pos="447675" algn="l"/>
-                          <a:tab pos="896938" algn="l"/>
-                          <a:tab pos="1346200" algn="l"/>
-                          <a:tab pos="1795463" algn="l"/>
-                          <a:tab pos="2244725" algn="l"/>
-                          <a:tab pos="2693988" algn="l"/>
-                          <a:tab pos="3143250" algn="l"/>
-                          <a:tab pos="3592513" algn="l"/>
-                          <a:tab pos="4041775" algn="l"/>
-                          <a:tab pos="4491038" algn="l"/>
-                          <a:tab pos="4940300" algn="l"/>
-                          <a:tab pos="5389563" algn="l"/>
-                          <a:tab pos="5838825" algn="l"/>
-                          <a:tab pos="6288088" algn="l"/>
-                          <a:tab pos="6737350" algn="l"/>
-                          <a:tab pos="7186613" algn="l"/>
-                          <a:tab pos="7635875" algn="l"/>
-                          <a:tab pos="8085138" algn="l"/>
-                          <a:tab pos="8534400" algn="l"/>
-                          <a:tab pos="8983663" algn="l"/>
-                        </a:tabLst>
-                      </a:pPr>
-                      <a:r>
-                        <a:rPr kumimoji="0" lang="pt-BR" altLang="pt-BR" sz="1100" b="0" i="1" u="none" strike="noStrike" cap="none" normalizeH="0" baseline="0">
-                          <a:ln>
-                            <a:noFill/>
-                          </a:ln>
-                          <a:solidFill>
-                            <a:srgbClr val="2469A6"/>
-                          </a:solidFill>
-                          <a:effectLst/>
-                          <a:latin typeface="Arial" panose="020B0604020202020204" pitchFamily="34" charset="0"/>
-                          <a:ea typeface="MS PGothic" panose="020B0600070205080204" pitchFamily="34" charset="-128"/>
-                          <a:cs typeface="Arial" panose="020B0604020202020204" pitchFamily="34" charset="0"/>
-                        </a:rPr>
-                        <a:t>Procedimentos</a:t>
-                      </a:r>
-                    </a:p>
-                  </a:txBody>
-                  <a:tcPr marL="53410" marR="53410" marT="29479" marB="27129" horzOverflow="overflow">
-                    <a:lnL w="720" cap="flat" cmpd="sng" algn="ctr">
-                      <a:solidFill>
-                        <a:srgbClr val="FFFFFF"/>
-                      </a:solidFill>
-                      <a:prstDash val="solid"/>
-                      <a:round/>
-                      <a:headEnd type="none" w="med" len="med"/>
-                      <a:tailEnd type="none" w="med" len="med"/>
-                    </a:lnL>
-                    <a:lnR w="720" cap="flat" cmpd="sng" algn="ctr">
-                      <a:solidFill>
-                        <a:srgbClr val="FFFFFF"/>
-                      </a:solidFill>
-                      <a:prstDash val="solid"/>
-                      <a:round/>
-                      <a:headEnd type="none" w="med" len="med"/>
-                      <a:tailEnd type="none" w="med" len="med"/>
-                    </a:lnR>
-                    <a:lnT w="720" cap="flat" cmpd="sng" algn="ctr">
-                      <a:solidFill>
-                        <a:srgbClr val="FFFFFF"/>
-                      </a:solidFill>
-                      <a:prstDash val="solid"/>
-                      <a:round/>
-                      <a:headEnd type="none" w="med" len="med"/>
-                      <a:tailEnd type="none" w="med" len="med"/>
-                    </a:lnT>
-                    <a:lnB w="720" cap="flat" cmpd="sng" algn="ctr">
-                      <a:solidFill>
-                        <a:srgbClr val="FFFFFF"/>
-                      </a:solidFill>
-                      <a:prstDash val="solid"/>
-                      <a:round/>
-                      <a:headEnd type="none" w="med" len="med"/>
-                      <a:tailEnd type="none" w="med" len="med"/>
-                    </a:lnB>
-                    <a:lnTlToBr>
-                      <a:noFill/>
-                    </a:lnTlToBr>
-                    <a:lnBlToTr>
-                      <a:noFill/>
-                    </a:lnBlToTr>
-                    <a:solidFill>
-                      <a:srgbClr val="E8E9F1"/>
-                    </a:solidFill>
-                  </a:tcPr>
-                </a:tc>
-                <a:tc>
-                  <a:txBody>
-                    <a:bodyPr/>
-                    <a:lstStyle>
-                      <a:lvl1pPr>
-                        <a:spcBef>
-                          <a:spcPts val="1250"/>
-                        </a:spcBef>
-                        <a:tabLst>
-                          <a:tab pos="0" algn="l"/>
-                          <a:tab pos="447675" algn="l"/>
-                          <a:tab pos="896938" algn="l"/>
-                          <a:tab pos="1346200" algn="l"/>
-                          <a:tab pos="1795463" algn="l"/>
-                          <a:tab pos="2244725" algn="l"/>
-                          <a:tab pos="2693988" algn="l"/>
-                          <a:tab pos="3143250" algn="l"/>
-                          <a:tab pos="3592513" algn="l"/>
-                          <a:tab pos="4041775" algn="l"/>
-                          <a:tab pos="4491038" algn="l"/>
-                          <a:tab pos="4940300" algn="l"/>
-                          <a:tab pos="5389563" algn="l"/>
-                          <a:tab pos="5838825" algn="l"/>
-                          <a:tab pos="6288088" algn="l"/>
-                          <a:tab pos="6737350" algn="l"/>
-                          <a:tab pos="7186613" algn="l"/>
-                          <a:tab pos="7635875" algn="l"/>
-                          <a:tab pos="8085138" algn="l"/>
-                          <a:tab pos="8534400" algn="l"/>
-                          <a:tab pos="8983663" algn="l"/>
-                        </a:tabLst>
-                        <a:defRPr sz="4600">
-                          <a:solidFill>
-                            <a:srgbClr val="000000"/>
-                          </a:solidFill>
-                          <a:latin typeface="Tahoma" panose="020B0604030504040204" pitchFamily="34" charset="0"/>
-                          <a:ea typeface="MS PGothic" panose="020B0600070205080204" pitchFamily="34" charset="-128"/>
-                        </a:defRPr>
-                      </a:lvl1pPr>
-                      <a:lvl2pPr>
-                        <a:spcBef>
-                          <a:spcPts val="1088"/>
-                        </a:spcBef>
-                        <a:tabLst>
-                          <a:tab pos="0" algn="l"/>
-                          <a:tab pos="447675" algn="l"/>
-                          <a:tab pos="896938" algn="l"/>
-                          <a:tab pos="1346200" algn="l"/>
-                          <a:tab pos="1795463" algn="l"/>
-                          <a:tab pos="2244725" algn="l"/>
-                          <a:tab pos="2693988" algn="l"/>
-                          <a:tab pos="3143250" algn="l"/>
-                          <a:tab pos="3592513" algn="l"/>
-                          <a:tab pos="4041775" algn="l"/>
-                          <a:tab pos="4491038" algn="l"/>
-                          <a:tab pos="4940300" algn="l"/>
-                          <a:tab pos="5389563" algn="l"/>
-                          <a:tab pos="5838825" algn="l"/>
-                          <a:tab pos="6288088" algn="l"/>
-                          <a:tab pos="6737350" algn="l"/>
-                          <a:tab pos="7186613" algn="l"/>
-                          <a:tab pos="7635875" algn="l"/>
-                          <a:tab pos="8085138" algn="l"/>
-                          <a:tab pos="8534400" algn="l"/>
-                          <a:tab pos="8983663" algn="l"/>
-                        </a:tabLst>
-                        <a:defRPr sz="4000">
-                          <a:solidFill>
-                            <a:srgbClr val="000000"/>
-                          </a:solidFill>
-                          <a:latin typeface="Tahoma" panose="020B0604030504040204" pitchFamily="34" charset="0"/>
-                          <a:ea typeface="MS PGothic" panose="020B0600070205080204" pitchFamily="34" charset="-128"/>
-                        </a:defRPr>
-                      </a:lvl2pPr>
-                      <a:lvl3pPr>
-                        <a:spcBef>
-                          <a:spcPts val="925"/>
-                        </a:spcBef>
-                        <a:tabLst>
-                          <a:tab pos="0" algn="l"/>
-                          <a:tab pos="447675" algn="l"/>
-                          <a:tab pos="896938" algn="l"/>
-                          <a:tab pos="1346200" algn="l"/>
-                          <a:tab pos="1795463" algn="l"/>
-                          <a:tab pos="2244725" algn="l"/>
-                          <a:tab pos="2693988" algn="l"/>
-                          <a:tab pos="3143250" algn="l"/>
-                          <a:tab pos="3592513" algn="l"/>
-                          <a:tab pos="4041775" algn="l"/>
-                          <a:tab pos="4491038" algn="l"/>
-                          <a:tab pos="4940300" algn="l"/>
-                          <a:tab pos="5389563" algn="l"/>
-                          <a:tab pos="5838825" algn="l"/>
-                          <a:tab pos="6288088" algn="l"/>
-                          <a:tab pos="6737350" algn="l"/>
-                          <a:tab pos="7186613" algn="l"/>
-                          <a:tab pos="7635875" algn="l"/>
-                          <a:tab pos="8085138" algn="l"/>
-                          <a:tab pos="8534400" algn="l"/>
-                          <a:tab pos="8983663" algn="l"/>
-                        </a:tabLst>
-                        <a:defRPr sz="3400">
-                          <a:solidFill>
-                            <a:srgbClr val="000000"/>
-                          </a:solidFill>
-                          <a:latin typeface="Tahoma" panose="020B0604030504040204" pitchFamily="34" charset="0"/>
-                          <a:ea typeface="MS PGothic" panose="020B0600070205080204" pitchFamily="34" charset="-128"/>
-                        </a:defRPr>
-                      </a:lvl3pPr>
-                      <a:lvl4pPr>
-                        <a:spcBef>
-                          <a:spcPts val="775"/>
-                        </a:spcBef>
-                        <a:tabLst>
-                          <a:tab pos="0" algn="l"/>
-                          <a:tab pos="447675" algn="l"/>
-                          <a:tab pos="896938" algn="l"/>
-                          <a:tab pos="1346200" algn="l"/>
-                          <a:tab pos="1795463" algn="l"/>
-                          <a:tab pos="2244725" algn="l"/>
-                          <a:tab pos="2693988" algn="l"/>
-                          <a:tab pos="3143250" algn="l"/>
-                          <a:tab pos="3592513" algn="l"/>
-                          <a:tab pos="4041775" algn="l"/>
-                          <a:tab pos="4491038" algn="l"/>
-                          <a:tab pos="4940300" algn="l"/>
-                          <a:tab pos="5389563" algn="l"/>
-                          <a:tab pos="5838825" algn="l"/>
-                          <a:tab pos="6288088" algn="l"/>
-                          <a:tab pos="6737350" algn="l"/>
-                          <a:tab pos="7186613" algn="l"/>
-                          <a:tab pos="7635875" algn="l"/>
-                          <a:tab pos="8085138" algn="l"/>
-                          <a:tab pos="8534400" algn="l"/>
-                          <a:tab pos="8983663" algn="l"/>
-                        </a:tabLst>
-                        <a:defRPr sz="2700">
-                          <a:solidFill>
-                            <a:srgbClr val="000000"/>
-                          </a:solidFill>
-                          <a:latin typeface="Tahoma" panose="020B0604030504040204" pitchFamily="34" charset="0"/>
-                          <a:ea typeface="MS PGothic" panose="020B0600070205080204" pitchFamily="34" charset="-128"/>
-                        </a:defRPr>
-                      </a:lvl4pPr>
-                      <a:lvl5pPr>
-                        <a:spcBef>
-                          <a:spcPts val="775"/>
-                        </a:spcBef>
-                        <a:tabLst>
-                          <a:tab pos="0" algn="l"/>
-                          <a:tab pos="447675" algn="l"/>
-                          <a:tab pos="896938" algn="l"/>
-                          <a:tab pos="1346200" algn="l"/>
-                          <a:tab pos="1795463" algn="l"/>
-                          <a:tab pos="2244725" algn="l"/>
-                          <a:tab pos="2693988" algn="l"/>
-                          <a:tab pos="3143250" algn="l"/>
-                          <a:tab pos="3592513" algn="l"/>
-                          <a:tab pos="4041775" algn="l"/>
-                          <a:tab pos="4491038" algn="l"/>
-                          <a:tab pos="4940300" algn="l"/>
-                          <a:tab pos="5389563" algn="l"/>
-                          <a:tab pos="5838825" algn="l"/>
-                          <a:tab pos="6288088" algn="l"/>
-                          <a:tab pos="6737350" algn="l"/>
-                          <a:tab pos="7186613" algn="l"/>
-                          <a:tab pos="7635875" algn="l"/>
-                          <a:tab pos="8085138" algn="l"/>
-                          <a:tab pos="8534400" algn="l"/>
-                          <a:tab pos="8983663" algn="l"/>
-                        </a:tabLst>
-                        <a:defRPr sz="2700">
-                          <a:solidFill>
-                            <a:srgbClr val="000000"/>
-                          </a:solidFill>
-                          <a:latin typeface="Tahoma" panose="020B0604030504040204" pitchFamily="34" charset="0"/>
-                          <a:ea typeface="MS PGothic" panose="020B0600070205080204" pitchFamily="34" charset="-128"/>
-                        </a:defRPr>
-                      </a:lvl5pPr>
-                      <a:lvl6pPr marL="2514600" indent="-228600" defTabSz="449263" eaLnBrk="0" fontAlgn="base" hangingPunct="0">
-                        <a:spcBef>
-                          <a:spcPts val="775"/>
-                        </a:spcBef>
-                        <a:spcAft>
-                          <a:spcPct val="0"/>
-                        </a:spcAft>
-                        <a:buClr>
-                          <a:srgbClr val="000000"/>
-                        </a:buClr>
-                        <a:buSzPct val="100000"/>
-                        <a:buFont typeface="Times New Roman" panose="02020603050405020304" pitchFamily="18" charset="0"/>
-                        <a:tabLst>
-                          <a:tab pos="0" algn="l"/>
-                          <a:tab pos="447675" algn="l"/>
-                          <a:tab pos="896938" algn="l"/>
-                          <a:tab pos="1346200" algn="l"/>
-                          <a:tab pos="1795463" algn="l"/>
-                          <a:tab pos="2244725" algn="l"/>
-                          <a:tab pos="2693988" algn="l"/>
-                          <a:tab pos="3143250" algn="l"/>
-                          <a:tab pos="3592513" algn="l"/>
-                          <a:tab pos="4041775" algn="l"/>
-                          <a:tab pos="4491038" algn="l"/>
-                          <a:tab pos="4940300" algn="l"/>
-                          <a:tab pos="5389563" algn="l"/>
-                          <a:tab pos="5838825" algn="l"/>
-                          <a:tab pos="6288088" algn="l"/>
-                          <a:tab pos="6737350" algn="l"/>
-                          <a:tab pos="7186613" algn="l"/>
-                          <a:tab pos="7635875" algn="l"/>
-                          <a:tab pos="8085138" algn="l"/>
-                          <a:tab pos="8534400" algn="l"/>
-                          <a:tab pos="8983663" algn="l"/>
-                        </a:tabLst>
-                        <a:defRPr sz="2700">
-                          <a:solidFill>
-                            <a:srgbClr val="000000"/>
-                          </a:solidFill>
-                          <a:latin typeface="Tahoma" panose="020B0604030504040204" pitchFamily="34" charset="0"/>
-                          <a:ea typeface="MS PGothic" panose="020B0600070205080204" pitchFamily="34" charset="-128"/>
-                        </a:defRPr>
-                      </a:lvl6pPr>
-                      <a:lvl7pPr marL="2971800" indent="-228600" defTabSz="449263" eaLnBrk="0" fontAlgn="base" hangingPunct="0">
-                        <a:spcBef>
-                          <a:spcPts val="775"/>
-                        </a:spcBef>
-                        <a:spcAft>
-                          <a:spcPct val="0"/>
-                        </a:spcAft>
-                        <a:buClr>
-                          <a:srgbClr val="000000"/>
-                        </a:buClr>
-                        <a:buSzPct val="100000"/>
-                        <a:buFont typeface="Times New Roman" panose="02020603050405020304" pitchFamily="18" charset="0"/>
-                        <a:tabLst>
-                          <a:tab pos="0" algn="l"/>
-                          <a:tab pos="447675" algn="l"/>
-                          <a:tab pos="896938" algn="l"/>
-                          <a:tab pos="1346200" algn="l"/>
-                          <a:tab pos="1795463" algn="l"/>
-                          <a:tab pos="2244725" algn="l"/>
-                          <a:tab pos="2693988" algn="l"/>
-                          <a:tab pos="3143250" algn="l"/>
-                          <a:tab pos="3592513" algn="l"/>
-                          <a:tab pos="4041775" algn="l"/>
-                          <a:tab pos="4491038" algn="l"/>
-                          <a:tab pos="4940300" algn="l"/>
-                          <a:tab pos="5389563" algn="l"/>
-                          <a:tab pos="5838825" algn="l"/>
-                          <a:tab pos="6288088" algn="l"/>
-                          <a:tab pos="6737350" algn="l"/>
-                          <a:tab pos="7186613" algn="l"/>
-                          <a:tab pos="7635875" algn="l"/>
-                          <a:tab pos="8085138" algn="l"/>
-                          <a:tab pos="8534400" algn="l"/>
-                          <a:tab pos="8983663" algn="l"/>
-                        </a:tabLst>
-                        <a:defRPr sz="2700">
-                          <a:solidFill>
-                            <a:srgbClr val="000000"/>
-                          </a:solidFill>
-                          <a:latin typeface="Tahoma" panose="020B0604030504040204" pitchFamily="34" charset="0"/>
-                          <a:ea typeface="MS PGothic" panose="020B0600070205080204" pitchFamily="34" charset="-128"/>
-                        </a:defRPr>
-                      </a:lvl7pPr>
-                      <a:lvl8pPr marL="3429000" indent="-228600" defTabSz="449263" eaLnBrk="0" fontAlgn="base" hangingPunct="0">
-                        <a:spcBef>
-                          <a:spcPts val="775"/>
-                        </a:spcBef>
-                        <a:spcAft>
-                          <a:spcPct val="0"/>
-                        </a:spcAft>
-                        <a:buClr>
-                          <a:srgbClr val="000000"/>
-                        </a:buClr>
-                        <a:buSzPct val="100000"/>
-                        <a:buFont typeface="Times New Roman" panose="02020603050405020304" pitchFamily="18" charset="0"/>
-                        <a:tabLst>
-                          <a:tab pos="0" algn="l"/>
-                          <a:tab pos="447675" algn="l"/>
-                          <a:tab pos="896938" algn="l"/>
-                          <a:tab pos="1346200" algn="l"/>
-                          <a:tab pos="1795463" algn="l"/>
-                          <a:tab pos="2244725" algn="l"/>
-                          <a:tab pos="2693988" algn="l"/>
-                          <a:tab pos="3143250" algn="l"/>
-                          <a:tab pos="3592513" algn="l"/>
-                          <a:tab pos="4041775" algn="l"/>
-                          <a:tab pos="4491038" algn="l"/>
-                          <a:tab pos="4940300" algn="l"/>
-                          <a:tab pos="5389563" algn="l"/>
-                          <a:tab pos="5838825" algn="l"/>
-                          <a:tab pos="6288088" algn="l"/>
-                          <a:tab pos="6737350" algn="l"/>
-                          <a:tab pos="7186613" algn="l"/>
-                          <a:tab pos="7635875" algn="l"/>
-                          <a:tab pos="8085138" algn="l"/>
-                          <a:tab pos="8534400" algn="l"/>
-                          <a:tab pos="8983663" algn="l"/>
-                        </a:tabLst>
-                        <a:defRPr sz="2700">
-                          <a:solidFill>
-                            <a:srgbClr val="000000"/>
-                          </a:solidFill>
-                          <a:latin typeface="Tahoma" panose="020B0604030504040204" pitchFamily="34" charset="0"/>
-                          <a:ea typeface="MS PGothic" panose="020B0600070205080204" pitchFamily="34" charset="-128"/>
-                        </a:defRPr>
-                      </a:lvl8pPr>
-                      <a:lvl9pPr marL="3886200" indent="-228600" defTabSz="449263" eaLnBrk="0" fontAlgn="base" hangingPunct="0">
-                        <a:spcBef>
-                          <a:spcPts val="775"/>
-                        </a:spcBef>
-                        <a:spcAft>
-                          <a:spcPct val="0"/>
-                        </a:spcAft>
-                        <a:buClr>
-                          <a:srgbClr val="000000"/>
-                        </a:buClr>
-                        <a:buSzPct val="100000"/>
-                        <a:buFont typeface="Times New Roman" panose="02020603050405020304" pitchFamily="18" charset="0"/>
-                        <a:tabLst>
-                          <a:tab pos="0" algn="l"/>
-                          <a:tab pos="447675" algn="l"/>
-                          <a:tab pos="896938" algn="l"/>
-                          <a:tab pos="1346200" algn="l"/>
-                          <a:tab pos="1795463" algn="l"/>
-                          <a:tab pos="2244725" algn="l"/>
-                          <a:tab pos="2693988" algn="l"/>
-                          <a:tab pos="3143250" algn="l"/>
-                          <a:tab pos="3592513" algn="l"/>
-                          <a:tab pos="4041775" algn="l"/>
-                          <a:tab pos="4491038" algn="l"/>
-                          <a:tab pos="4940300" algn="l"/>
-                          <a:tab pos="5389563" algn="l"/>
-                          <a:tab pos="5838825" algn="l"/>
-                          <a:tab pos="6288088" algn="l"/>
-                          <a:tab pos="6737350" algn="l"/>
-                          <a:tab pos="7186613" algn="l"/>
-                          <a:tab pos="7635875" algn="l"/>
-                          <a:tab pos="8085138" algn="l"/>
-                          <a:tab pos="8534400" algn="l"/>
-                          <a:tab pos="8983663" algn="l"/>
-                        </a:tabLst>
-                        <a:defRPr sz="2700">
-                          <a:solidFill>
-                            <a:srgbClr val="000000"/>
-                          </a:solidFill>
-                          <a:latin typeface="Tahoma" panose="020B0604030504040204" pitchFamily="34" charset="0"/>
-                          <a:ea typeface="MS PGothic" panose="020B0600070205080204" pitchFamily="34" charset="-128"/>
-                        </a:defRPr>
-                      </a:lvl9pPr>
-                    </a:lstStyle>
-                    <a:p>
-                      <a:pPr marL="0" marR="0" lvl="0" indent="0" algn="l" defTabSz="449263" rtl="0" eaLnBrk="1" fontAlgn="base" latinLnBrk="0" hangingPunct="1">
-                        <a:lnSpc>
-                          <a:spcPct val="80000"/>
-                        </a:lnSpc>
-                        <a:spcBef>
-                          <a:spcPct val="0"/>
-                        </a:spcBef>
-                        <a:spcAft>
-                          <a:spcPct val="0"/>
-                        </a:spcAft>
-                        <a:buClrTx/>
-                        <a:buSzPct val="100000"/>
-                        <a:buFontTx/>
-                        <a:buNone/>
-                        <a:tabLst>
-                          <a:tab pos="0" algn="l"/>
-                          <a:tab pos="447675" algn="l"/>
-                          <a:tab pos="896938" algn="l"/>
-                          <a:tab pos="1346200" algn="l"/>
-                          <a:tab pos="1795463" algn="l"/>
-                          <a:tab pos="2244725" algn="l"/>
-                          <a:tab pos="2693988" algn="l"/>
-                          <a:tab pos="3143250" algn="l"/>
-                          <a:tab pos="3592513" algn="l"/>
-                          <a:tab pos="4041775" algn="l"/>
-                          <a:tab pos="4491038" algn="l"/>
-                          <a:tab pos="4940300" algn="l"/>
-                          <a:tab pos="5389563" algn="l"/>
-                          <a:tab pos="5838825" algn="l"/>
-                          <a:tab pos="6288088" algn="l"/>
-                          <a:tab pos="6737350" algn="l"/>
-                          <a:tab pos="7186613" algn="l"/>
-                          <a:tab pos="7635875" algn="l"/>
-                          <a:tab pos="8085138" algn="l"/>
-                          <a:tab pos="8534400" algn="l"/>
-                          <a:tab pos="8983663" algn="l"/>
-                        </a:tabLst>
-                      </a:pPr>
-                      <a:r>
-                        <a:rPr kumimoji="0" lang="pt-BR" altLang="pt-BR" sz="1100" b="0" i="1" u="none" strike="noStrike" cap="none" normalizeH="0" baseline="0">
-                          <a:ln>
-                            <a:noFill/>
-                          </a:ln>
-                          <a:solidFill>
-                            <a:srgbClr val="2469A6"/>
-                          </a:solidFill>
-                          <a:effectLst/>
-                          <a:latin typeface="Arial" panose="020B0604020202020204" pitchFamily="34" charset="0"/>
-                          <a:ea typeface="MS PGothic" panose="020B0600070205080204" pitchFamily="34" charset="-128"/>
-                          <a:cs typeface="Arial" panose="020B0604020202020204" pitchFamily="34" charset="0"/>
-                        </a:rPr>
-                        <a:t>Resultado Esperado</a:t>
-                      </a:r>
-                    </a:p>
-                  </a:txBody>
-                  <a:tcPr marL="53410" marR="53410" marT="29479" marB="27129" horzOverflow="overflow">
-                    <a:lnL w="720" cap="flat" cmpd="sng" algn="ctr">
-                      <a:solidFill>
-                        <a:srgbClr val="FFFFFF"/>
-                      </a:solidFill>
-                      <a:prstDash val="solid"/>
-                      <a:round/>
-                      <a:headEnd type="none" w="med" len="med"/>
-                      <a:tailEnd type="none" w="med" len="med"/>
-                    </a:lnL>
-                    <a:lnR w="720" cap="flat" cmpd="sng" algn="ctr">
-                      <a:solidFill>
-                        <a:srgbClr val="FFFFFF"/>
-                      </a:solidFill>
-                      <a:prstDash val="solid"/>
-                      <a:round/>
-                      <a:headEnd type="none" w="med" len="med"/>
-                      <a:tailEnd type="none" w="med" len="med"/>
-                    </a:lnR>
-                    <a:lnT>
-                      <a:noFill/>
-                    </a:lnT>
-                    <a:lnB w="720" cap="flat" cmpd="sng" algn="ctr">
-                      <a:solidFill>
-                        <a:srgbClr val="FFFFFF"/>
-                      </a:solidFill>
-                      <a:prstDash val="solid"/>
-                      <a:round/>
-                      <a:headEnd type="none" w="med" len="med"/>
-                      <a:tailEnd type="none" w="med" len="med"/>
-                    </a:lnB>
-                    <a:lnTlToBr>
-                      <a:noFill/>
-                    </a:lnTlToBr>
-                    <a:lnBlToTr>
-                      <a:noFill/>
-                    </a:lnBlToTr>
-                    <a:solidFill>
-                      <a:srgbClr val="E8E9F1"/>
-                    </a:solidFill>
-                  </a:tcPr>
-                </a:tc>
-                <a:extLst>
-                  <a:ext uri="{0D108BD9-81ED-4DB2-BD59-A6C34878D82A}">
-                    <a16:rowId xmlns:a16="http://schemas.microsoft.com/office/drawing/2014/main" val="2518742335"/>
-                  </a:ext>
-                </a:extLst>
-              </a:tr>
-              <a:tr h="613442">
-                <a:tc>
-                  <a:txBody>
-                    <a:bodyPr/>
-                    <a:lstStyle>
-                      <a:lvl1pPr>
-                        <a:spcBef>
-                          <a:spcPts val="1250"/>
-                        </a:spcBef>
-                        <a:tabLst>
-                          <a:tab pos="0" algn="l"/>
-                          <a:tab pos="447675" algn="l"/>
-                          <a:tab pos="896938" algn="l"/>
-                          <a:tab pos="1346200" algn="l"/>
-                          <a:tab pos="1795463" algn="l"/>
-                          <a:tab pos="2244725" algn="l"/>
-                          <a:tab pos="2693988" algn="l"/>
-                          <a:tab pos="3143250" algn="l"/>
-                          <a:tab pos="3592513" algn="l"/>
-                          <a:tab pos="4041775" algn="l"/>
-                          <a:tab pos="4491038" algn="l"/>
-                          <a:tab pos="4940300" algn="l"/>
-                          <a:tab pos="5389563" algn="l"/>
-                          <a:tab pos="5838825" algn="l"/>
-                          <a:tab pos="6288088" algn="l"/>
-                          <a:tab pos="6737350" algn="l"/>
-                          <a:tab pos="7186613" algn="l"/>
-                          <a:tab pos="7635875" algn="l"/>
-                          <a:tab pos="8085138" algn="l"/>
-                          <a:tab pos="8534400" algn="l"/>
-                          <a:tab pos="8983663" algn="l"/>
-                        </a:tabLst>
-                        <a:defRPr sz="4600">
-                          <a:solidFill>
-                            <a:srgbClr val="000000"/>
-                          </a:solidFill>
-                          <a:latin typeface="Tahoma" panose="020B0604030504040204" pitchFamily="34" charset="0"/>
-                          <a:ea typeface="MS PGothic" panose="020B0600070205080204" pitchFamily="34" charset="-128"/>
-                        </a:defRPr>
-                      </a:lvl1pPr>
-                      <a:lvl2pPr>
-                        <a:spcBef>
-                          <a:spcPts val="1088"/>
-                        </a:spcBef>
-                        <a:tabLst>
-                          <a:tab pos="0" algn="l"/>
-                          <a:tab pos="447675" algn="l"/>
-                          <a:tab pos="896938" algn="l"/>
-                          <a:tab pos="1346200" algn="l"/>
-                          <a:tab pos="1795463" algn="l"/>
-                          <a:tab pos="2244725" algn="l"/>
-                          <a:tab pos="2693988" algn="l"/>
-                          <a:tab pos="3143250" algn="l"/>
-                          <a:tab pos="3592513" algn="l"/>
-                          <a:tab pos="4041775" algn="l"/>
-                          <a:tab pos="4491038" algn="l"/>
-                          <a:tab pos="4940300" algn="l"/>
-                          <a:tab pos="5389563" algn="l"/>
-                          <a:tab pos="5838825" algn="l"/>
-                          <a:tab pos="6288088" algn="l"/>
-                          <a:tab pos="6737350" algn="l"/>
-                          <a:tab pos="7186613" algn="l"/>
-                          <a:tab pos="7635875" algn="l"/>
-                          <a:tab pos="8085138" algn="l"/>
-                          <a:tab pos="8534400" algn="l"/>
-                          <a:tab pos="8983663" algn="l"/>
-                        </a:tabLst>
-                        <a:defRPr sz="4000">
-                          <a:solidFill>
-                            <a:srgbClr val="000000"/>
-                          </a:solidFill>
-                          <a:latin typeface="Tahoma" panose="020B0604030504040204" pitchFamily="34" charset="0"/>
-                          <a:ea typeface="MS PGothic" panose="020B0600070205080204" pitchFamily="34" charset="-128"/>
-                        </a:defRPr>
-                      </a:lvl2pPr>
-                      <a:lvl3pPr>
-                        <a:spcBef>
-                          <a:spcPts val="925"/>
-                        </a:spcBef>
-                        <a:tabLst>
-                          <a:tab pos="0" algn="l"/>
-                          <a:tab pos="447675" algn="l"/>
-                          <a:tab pos="896938" algn="l"/>
-                          <a:tab pos="1346200" algn="l"/>
-                          <a:tab pos="1795463" algn="l"/>
-                          <a:tab pos="2244725" algn="l"/>
-                          <a:tab pos="2693988" algn="l"/>
-                          <a:tab pos="3143250" algn="l"/>
-                          <a:tab pos="3592513" algn="l"/>
-                          <a:tab pos="4041775" algn="l"/>
-                          <a:tab pos="4491038" algn="l"/>
-                          <a:tab pos="4940300" algn="l"/>
-                          <a:tab pos="5389563" algn="l"/>
-                          <a:tab pos="5838825" algn="l"/>
-                          <a:tab pos="6288088" algn="l"/>
-                          <a:tab pos="6737350" algn="l"/>
-                          <a:tab pos="7186613" algn="l"/>
-                          <a:tab pos="7635875" algn="l"/>
-                          <a:tab pos="8085138" algn="l"/>
-                          <a:tab pos="8534400" algn="l"/>
-                          <a:tab pos="8983663" algn="l"/>
-                        </a:tabLst>
-                        <a:defRPr sz="3400">
-                          <a:solidFill>
-                            <a:srgbClr val="000000"/>
-                          </a:solidFill>
-                          <a:latin typeface="Tahoma" panose="020B0604030504040204" pitchFamily="34" charset="0"/>
-                          <a:ea typeface="MS PGothic" panose="020B0600070205080204" pitchFamily="34" charset="-128"/>
-                        </a:defRPr>
-                      </a:lvl3pPr>
-                      <a:lvl4pPr>
-                        <a:spcBef>
-                          <a:spcPts val="775"/>
-                        </a:spcBef>
-                        <a:tabLst>
-                          <a:tab pos="0" algn="l"/>
-                          <a:tab pos="447675" algn="l"/>
-                          <a:tab pos="896938" algn="l"/>
-                          <a:tab pos="1346200" algn="l"/>
-                          <a:tab pos="1795463" algn="l"/>
-                          <a:tab pos="2244725" algn="l"/>
-                          <a:tab pos="2693988" algn="l"/>
-                          <a:tab pos="3143250" algn="l"/>
-                          <a:tab pos="3592513" algn="l"/>
-                          <a:tab pos="4041775" algn="l"/>
-                          <a:tab pos="4491038" algn="l"/>
-                          <a:tab pos="4940300" algn="l"/>
-                          <a:tab pos="5389563" algn="l"/>
-                          <a:tab pos="5838825" algn="l"/>
-                          <a:tab pos="6288088" algn="l"/>
-                          <a:tab pos="6737350" algn="l"/>
-                          <a:tab pos="7186613" algn="l"/>
-                          <a:tab pos="7635875" algn="l"/>
-                          <a:tab pos="8085138" algn="l"/>
-                          <a:tab pos="8534400" algn="l"/>
-                          <a:tab pos="8983663" algn="l"/>
-                        </a:tabLst>
-                        <a:defRPr sz="2700">
-                          <a:solidFill>
-                            <a:srgbClr val="000000"/>
-                          </a:solidFill>
-                          <a:latin typeface="Tahoma" panose="020B0604030504040204" pitchFamily="34" charset="0"/>
-                          <a:ea typeface="MS PGothic" panose="020B0600070205080204" pitchFamily="34" charset="-128"/>
-                        </a:defRPr>
-                      </a:lvl4pPr>
-                      <a:lvl5pPr>
-                        <a:spcBef>
-                          <a:spcPts val="775"/>
-                        </a:spcBef>
-                        <a:tabLst>
-                          <a:tab pos="0" algn="l"/>
-                          <a:tab pos="447675" algn="l"/>
-                          <a:tab pos="896938" algn="l"/>
-                          <a:tab pos="1346200" algn="l"/>
-                          <a:tab pos="1795463" algn="l"/>
-                          <a:tab pos="2244725" algn="l"/>
-                          <a:tab pos="2693988" algn="l"/>
-                          <a:tab pos="3143250" algn="l"/>
-                          <a:tab pos="3592513" algn="l"/>
-                          <a:tab pos="4041775" algn="l"/>
-                          <a:tab pos="4491038" algn="l"/>
-                          <a:tab pos="4940300" algn="l"/>
-                          <a:tab pos="5389563" algn="l"/>
-                          <a:tab pos="5838825" algn="l"/>
-                          <a:tab pos="6288088" algn="l"/>
-                          <a:tab pos="6737350" algn="l"/>
-                          <a:tab pos="7186613" algn="l"/>
-                          <a:tab pos="7635875" algn="l"/>
-                          <a:tab pos="8085138" algn="l"/>
-                          <a:tab pos="8534400" algn="l"/>
-                          <a:tab pos="8983663" algn="l"/>
-                        </a:tabLst>
-                        <a:defRPr sz="2700">
-                          <a:solidFill>
-                            <a:srgbClr val="000000"/>
-                          </a:solidFill>
-                          <a:latin typeface="Tahoma" panose="020B0604030504040204" pitchFamily="34" charset="0"/>
-                          <a:ea typeface="MS PGothic" panose="020B0600070205080204" pitchFamily="34" charset="-128"/>
-                        </a:defRPr>
-                      </a:lvl5pPr>
-                      <a:lvl6pPr marL="2514600" indent="-228600" defTabSz="449263" eaLnBrk="0" fontAlgn="base" hangingPunct="0">
-                        <a:spcBef>
-                          <a:spcPts val="775"/>
-                        </a:spcBef>
-                        <a:spcAft>
-                          <a:spcPct val="0"/>
-                        </a:spcAft>
-                        <a:buClr>
-                          <a:srgbClr val="000000"/>
-                        </a:buClr>
-                        <a:buSzPct val="100000"/>
-                        <a:buFont typeface="Times New Roman" panose="02020603050405020304" pitchFamily="18" charset="0"/>
-                        <a:tabLst>
-                          <a:tab pos="0" algn="l"/>
-                          <a:tab pos="447675" algn="l"/>
-                          <a:tab pos="896938" algn="l"/>
-                          <a:tab pos="1346200" algn="l"/>
-                          <a:tab pos="1795463" algn="l"/>
-                          <a:tab pos="2244725" algn="l"/>
-                          <a:tab pos="2693988" algn="l"/>
-                          <a:tab pos="3143250" algn="l"/>
-                          <a:tab pos="3592513" algn="l"/>
-                          <a:tab pos="4041775" algn="l"/>
-                          <a:tab pos="4491038" algn="l"/>
-                          <a:tab pos="4940300" algn="l"/>
-                          <a:tab pos="5389563" algn="l"/>
-                          <a:tab pos="5838825" algn="l"/>
-                          <a:tab pos="6288088" algn="l"/>
-                          <a:tab pos="6737350" algn="l"/>
-                          <a:tab pos="7186613" algn="l"/>
-                          <a:tab pos="7635875" algn="l"/>
-                          <a:tab pos="8085138" algn="l"/>
-                          <a:tab pos="8534400" algn="l"/>
-                          <a:tab pos="8983663" algn="l"/>
-                        </a:tabLst>
-                        <a:defRPr sz="2700">
-                          <a:solidFill>
-                            <a:srgbClr val="000000"/>
-                          </a:solidFill>
-                          <a:latin typeface="Tahoma" panose="020B0604030504040204" pitchFamily="34" charset="0"/>
-                          <a:ea typeface="MS PGothic" panose="020B0600070205080204" pitchFamily="34" charset="-128"/>
-                        </a:defRPr>
-                      </a:lvl6pPr>
-                      <a:lvl7pPr marL="2971800" indent="-228600" defTabSz="449263" eaLnBrk="0" fontAlgn="base" hangingPunct="0">
-                        <a:spcBef>
-                          <a:spcPts val="775"/>
-                        </a:spcBef>
-                        <a:spcAft>
-                          <a:spcPct val="0"/>
-                        </a:spcAft>
-                        <a:buClr>
-                          <a:srgbClr val="000000"/>
-                        </a:buClr>
-                        <a:buSzPct val="100000"/>
-                        <a:buFont typeface="Times New Roman" panose="02020603050405020304" pitchFamily="18" charset="0"/>
-                        <a:tabLst>
-                          <a:tab pos="0" algn="l"/>
-                          <a:tab pos="447675" algn="l"/>
-                          <a:tab pos="896938" algn="l"/>
-                          <a:tab pos="1346200" algn="l"/>
-                          <a:tab pos="1795463" algn="l"/>
-                          <a:tab pos="2244725" algn="l"/>
-                          <a:tab pos="2693988" algn="l"/>
-                          <a:tab pos="3143250" algn="l"/>
-                          <a:tab pos="3592513" algn="l"/>
-                          <a:tab pos="4041775" algn="l"/>
-                          <a:tab pos="4491038" algn="l"/>
-                          <a:tab pos="4940300" algn="l"/>
-                          <a:tab pos="5389563" algn="l"/>
-                          <a:tab pos="5838825" algn="l"/>
-                          <a:tab pos="6288088" algn="l"/>
-                          <a:tab pos="6737350" algn="l"/>
-                          <a:tab pos="7186613" algn="l"/>
-                          <a:tab pos="7635875" algn="l"/>
-                          <a:tab pos="8085138" algn="l"/>
-                          <a:tab pos="8534400" algn="l"/>
-                          <a:tab pos="8983663" algn="l"/>
-                        </a:tabLst>
-                        <a:defRPr sz="2700">
-                          <a:solidFill>
-                            <a:srgbClr val="000000"/>
-                          </a:solidFill>
-                          <a:latin typeface="Tahoma" panose="020B0604030504040204" pitchFamily="34" charset="0"/>
-                          <a:ea typeface="MS PGothic" panose="020B0600070205080204" pitchFamily="34" charset="-128"/>
-                        </a:defRPr>
-                      </a:lvl7pPr>
-                      <a:lvl8pPr marL="3429000" indent="-228600" defTabSz="449263" eaLnBrk="0" fontAlgn="base" hangingPunct="0">
-                        <a:spcBef>
-                          <a:spcPts val="775"/>
-                        </a:spcBef>
-                        <a:spcAft>
-                          <a:spcPct val="0"/>
-                        </a:spcAft>
-                        <a:buClr>
-                          <a:srgbClr val="000000"/>
-                        </a:buClr>
-                        <a:buSzPct val="100000"/>
-                        <a:buFont typeface="Times New Roman" panose="02020603050405020304" pitchFamily="18" charset="0"/>
-                        <a:tabLst>
-                          <a:tab pos="0" algn="l"/>
-                          <a:tab pos="447675" algn="l"/>
-                          <a:tab pos="896938" algn="l"/>
-                          <a:tab pos="1346200" algn="l"/>
-                          <a:tab pos="1795463" algn="l"/>
-                          <a:tab pos="2244725" algn="l"/>
-                          <a:tab pos="2693988" algn="l"/>
-                          <a:tab pos="3143250" algn="l"/>
-                          <a:tab pos="3592513" algn="l"/>
-                          <a:tab pos="4041775" algn="l"/>
-                          <a:tab pos="4491038" algn="l"/>
-                          <a:tab pos="4940300" algn="l"/>
-                          <a:tab pos="5389563" algn="l"/>
-                          <a:tab pos="5838825" algn="l"/>
-                          <a:tab pos="6288088" algn="l"/>
-                          <a:tab pos="6737350" algn="l"/>
-                          <a:tab pos="7186613" algn="l"/>
-                          <a:tab pos="7635875" algn="l"/>
-                          <a:tab pos="8085138" algn="l"/>
-                          <a:tab pos="8534400" algn="l"/>
-                          <a:tab pos="8983663" algn="l"/>
-                        </a:tabLst>
-                        <a:defRPr sz="2700">
-                          <a:solidFill>
-                            <a:srgbClr val="000000"/>
-                          </a:solidFill>
-                          <a:latin typeface="Tahoma" panose="020B0604030504040204" pitchFamily="34" charset="0"/>
-                          <a:ea typeface="MS PGothic" panose="020B0600070205080204" pitchFamily="34" charset="-128"/>
-                        </a:defRPr>
-                      </a:lvl8pPr>
-                      <a:lvl9pPr marL="3886200" indent="-228600" defTabSz="449263" eaLnBrk="0" fontAlgn="base" hangingPunct="0">
-                        <a:spcBef>
-                          <a:spcPts val="775"/>
-                        </a:spcBef>
-                        <a:spcAft>
-                          <a:spcPct val="0"/>
-                        </a:spcAft>
-                        <a:buClr>
-                          <a:srgbClr val="000000"/>
-                        </a:buClr>
-                        <a:buSzPct val="100000"/>
-                        <a:buFont typeface="Times New Roman" panose="02020603050405020304" pitchFamily="18" charset="0"/>
-                        <a:tabLst>
-                          <a:tab pos="0" algn="l"/>
-                          <a:tab pos="447675" algn="l"/>
-                          <a:tab pos="896938" algn="l"/>
-                          <a:tab pos="1346200" algn="l"/>
-                          <a:tab pos="1795463" algn="l"/>
-                          <a:tab pos="2244725" algn="l"/>
-                          <a:tab pos="2693988" algn="l"/>
-                          <a:tab pos="3143250" algn="l"/>
-                          <a:tab pos="3592513" algn="l"/>
-                          <a:tab pos="4041775" algn="l"/>
-                          <a:tab pos="4491038" algn="l"/>
-                          <a:tab pos="4940300" algn="l"/>
-                          <a:tab pos="5389563" algn="l"/>
-                          <a:tab pos="5838825" algn="l"/>
-                          <a:tab pos="6288088" algn="l"/>
-                          <a:tab pos="6737350" algn="l"/>
-                          <a:tab pos="7186613" algn="l"/>
-                          <a:tab pos="7635875" algn="l"/>
-                          <a:tab pos="8085138" algn="l"/>
-                          <a:tab pos="8534400" algn="l"/>
-                          <a:tab pos="8983663" algn="l"/>
-                        </a:tabLst>
-                        <a:defRPr sz="2700">
-                          <a:solidFill>
-                            <a:srgbClr val="000000"/>
-                          </a:solidFill>
-                          <a:latin typeface="Tahoma" panose="020B0604030504040204" pitchFamily="34" charset="0"/>
-                          <a:ea typeface="MS PGothic" panose="020B0600070205080204" pitchFamily="34" charset="-128"/>
-                        </a:defRPr>
-                      </a:lvl9pPr>
-                    </a:lstStyle>
-                    <a:p>
-                      <a:pPr marL="0" marR="0" lvl="0" indent="0" algn="just" defTabSz="449263" rtl="0" eaLnBrk="1" fontAlgn="base" latinLnBrk="0" hangingPunct="0">
-                        <a:lnSpc>
-                          <a:spcPct val="86000"/>
-                        </a:lnSpc>
-                        <a:spcBef>
-                          <a:spcPct val="0"/>
-                        </a:spcBef>
-                        <a:spcAft>
-                          <a:spcPct val="0"/>
-                        </a:spcAft>
-                        <a:buClrTx/>
-                        <a:buSzPct val="100000"/>
-                        <a:buFontTx/>
-                        <a:buNone/>
-                        <a:tabLst>
-                          <a:tab pos="0" algn="l"/>
-                          <a:tab pos="447675" algn="l"/>
-                          <a:tab pos="896938" algn="l"/>
-                          <a:tab pos="1346200" algn="l"/>
-                          <a:tab pos="1795463" algn="l"/>
-                          <a:tab pos="2244725" algn="l"/>
-                          <a:tab pos="2693988" algn="l"/>
-                          <a:tab pos="3143250" algn="l"/>
-                          <a:tab pos="3592513" algn="l"/>
-                          <a:tab pos="4041775" algn="l"/>
-                          <a:tab pos="4491038" algn="l"/>
-                          <a:tab pos="4940300" algn="l"/>
-                          <a:tab pos="5389563" algn="l"/>
-                          <a:tab pos="5838825" algn="l"/>
-                          <a:tab pos="6288088" algn="l"/>
-                          <a:tab pos="6737350" algn="l"/>
-                          <a:tab pos="7186613" algn="l"/>
-                          <a:tab pos="7635875" algn="l"/>
-                          <a:tab pos="8085138" algn="l"/>
-                          <a:tab pos="8534400" algn="l"/>
-                          <a:tab pos="8983663" algn="l"/>
-                        </a:tabLst>
-                      </a:pPr>
-                      <a:r>
-                        <a:rPr kumimoji="0" lang="pt-BR" altLang="pt-BR" sz="1100" b="0" i="0" u="none" strike="noStrike" cap="none" normalizeH="0" baseline="0" dirty="0">
-                          <a:ln>
-                            <a:noFill/>
-                          </a:ln>
-                          <a:solidFill>
-                            <a:srgbClr val="000000"/>
-                          </a:solidFill>
-                          <a:effectLst/>
-                          <a:latin typeface="Arial" panose="020B0604020202020204" pitchFamily="34" charset="0"/>
-                          <a:ea typeface="MS PGothic" panose="020B0600070205080204" pitchFamily="34" charset="-128"/>
-                          <a:cs typeface="Arial" panose="020B0604020202020204" pitchFamily="34" charset="0"/>
-                        </a:rPr>
-                        <a:t>1. Escolher o filtro “</a:t>
-                      </a:r>
-                      <a:r>
-                        <a:rPr kumimoji="0" lang="pt-BR" altLang="pt-BR" sz="1100" b="0" i="0" u="none" strike="noStrike" cap="none" normalizeH="0" baseline="0" dirty="0">
-                          <a:ln>
-                            <a:noFill/>
-                          </a:ln>
-                          <a:solidFill>
-                            <a:schemeClr val="tx1"/>
-                          </a:solidFill>
-                          <a:effectLst/>
-                          <a:latin typeface="Arial" panose="020B0604020202020204" pitchFamily="34" charset="0"/>
-                          <a:ea typeface="MS PGothic" panose="020B0600070205080204" pitchFamily="34" charset="-128"/>
-                          <a:cs typeface="Arial" panose="020B0604020202020204" pitchFamily="34" charset="0"/>
-                        </a:rPr>
-                        <a:t>Categoria</a:t>
-                      </a:r>
-                      <a:r>
-                        <a:rPr kumimoji="0" lang="pt-BR" altLang="pt-BR" sz="1100" b="0" i="0" u="none" strike="noStrike" cap="none" normalizeH="0" baseline="0" dirty="0">
-                          <a:ln>
-                            <a:noFill/>
-                          </a:ln>
-                          <a:solidFill>
-                            <a:srgbClr val="000000"/>
-                          </a:solidFill>
-                          <a:effectLst/>
-                          <a:latin typeface="Arial" panose="020B0604020202020204" pitchFamily="34" charset="0"/>
-                          <a:ea typeface="MS PGothic" panose="020B0600070205080204" pitchFamily="34" charset="-128"/>
-                          <a:cs typeface="Arial" panose="020B0604020202020204" pitchFamily="34" charset="0"/>
-                        </a:rPr>
-                        <a:t>”</a:t>
-                      </a:r>
-                    </a:p>
-                  </a:txBody>
-                  <a:tcPr marL="53410" marR="53410" marT="29265" marB="27129" horzOverflow="overflow">
-                    <a:lnL w="720" cap="flat" cmpd="sng" algn="ctr">
-                      <a:solidFill>
-                        <a:srgbClr val="FFFFFF"/>
-                      </a:solidFill>
-                      <a:prstDash val="solid"/>
-                      <a:round/>
-                      <a:headEnd type="none" w="med" len="med"/>
-                      <a:tailEnd type="none" w="med" len="med"/>
-                    </a:lnL>
-                    <a:lnR w="720" cap="flat" cmpd="sng" algn="ctr">
-                      <a:solidFill>
-                        <a:srgbClr val="FFFFFF"/>
-                      </a:solidFill>
-                      <a:prstDash val="solid"/>
-                      <a:round/>
-                      <a:headEnd type="none" w="med" len="med"/>
-                      <a:tailEnd type="none" w="med" len="med"/>
-                    </a:lnR>
-                    <a:lnT w="720" cap="flat" cmpd="sng" algn="ctr">
-                      <a:solidFill>
-                        <a:srgbClr val="FFFFFF"/>
-                      </a:solidFill>
-                      <a:prstDash val="solid"/>
-                      <a:round/>
-                      <a:headEnd type="none" w="med" len="med"/>
-                      <a:tailEnd type="none" w="med" len="med"/>
-                    </a:lnT>
-                    <a:lnB w="720" cap="flat" cmpd="sng" algn="ctr">
-                      <a:solidFill>
-                        <a:srgbClr val="FFFFFF"/>
-                      </a:solidFill>
-                      <a:prstDash val="solid"/>
-                      <a:round/>
-                      <a:headEnd type="none" w="med" len="med"/>
-                      <a:tailEnd type="none" w="med" len="med"/>
-                    </a:lnB>
-                    <a:lnTlToBr>
-                      <a:noFill/>
-                    </a:lnTlToBr>
-                    <a:lnBlToTr>
-                      <a:noFill/>
-                    </a:lnBlToTr>
-                    <a:solidFill>
-                      <a:srgbClr val="CCD1E1"/>
-                    </a:solidFill>
-                  </a:tcPr>
-                </a:tc>
-                <a:tc>
-                  <a:txBody>
-                    <a:bodyPr/>
-                    <a:lstStyle>
-                      <a:lvl1pPr>
-                        <a:spcBef>
-                          <a:spcPts val="1250"/>
-                        </a:spcBef>
-                        <a:tabLst>
-                          <a:tab pos="0" algn="l"/>
-                          <a:tab pos="447675" algn="l"/>
-                          <a:tab pos="896938" algn="l"/>
-                          <a:tab pos="1346200" algn="l"/>
-                          <a:tab pos="1795463" algn="l"/>
-                          <a:tab pos="2244725" algn="l"/>
-                          <a:tab pos="2693988" algn="l"/>
-                          <a:tab pos="3143250" algn="l"/>
-                          <a:tab pos="3592513" algn="l"/>
-                          <a:tab pos="4041775" algn="l"/>
-                          <a:tab pos="4491038" algn="l"/>
-                          <a:tab pos="4940300" algn="l"/>
-                          <a:tab pos="5389563" algn="l"/>
-                          <a:tab pos="5838825" algn="l"/>
-                          <a:tab pos="6288088" algn="l"/>
-                          <a:tab pos="6737350" algn="l"/>
-                          <a:tab pos="7186613" algn="l"/>
-                          <a:tab pos="7635875" algn="l"/>
-                          <a:tab pos="8085138" algn="l"/>
-                          <a:tab pos="8534400" algn="l"/>
-                          <a:tab pos="8983663" algn="l"/>
-                        </a:tabLst>
-                        <a:defRPr sz="4600">
-                          <a:solidFill>
-                            <a:srgbClr val="000000"/>
-                          </a:solidFill>
-                          <a:latin typeface="Tahoma" panose="020B0604030504040204" pitchFamily="34" charset="0"/>
-                          <a:ea typeface="MS PGothic" panose="020B0600070205080204" pitchFamily="34" charset="-128"/>
-                        </a:defRPr>
-                      </a:lvl1pPr>
-                      <a:lvl2pPr>
-                        <a:spcBef>
-                          <a:spcPts val="1088"/>
-                        </a:spcBef>
-                        <a:tabLst>
-                          <a:tab pos="0" algn="l"/>
-                          <a:tab pos="447675" algn="l"/>
-                          <a:tab pos="896938" algn="l"/>
-                          <a:tab pos="1346200" algn="l"/>
-                          <a:tab pos="1795463" algn="l"/>
-                          <a:tab pos="2244725" algn="l"/>
-                          <a:tab pos="2693988" algn="l"/>
-                          <a:tab pos="3143250" algn="l"/>
-                          <a:tab pos="3592513" algn="l"/>
-                          <a:tab pos="4041775" algn="l"/>
-                          <a:tab pos="4491038" algn="l"/>
-                          <a:tab pos="4940300" algn="l"/>
-                          <a:tab pos="5389563" algn="l"/>
-                          <a:tab pos="5838825" algn="l"/>
-                          <a:tab pos="6288088" algn="l"/>
-                          <a:tab pos="6737350" algn="l"/>
-                          <a:tab pos="7186613" algn="l"/>
-                          <a:tab pos="7635875" algn="l"/>
-                          <a:tab pos="8085138" algn="l"/>
-                          <a:tab pos="8534400" algn="l"/>
-                          <a:tab pos="8983663" algn="l"/>
-                        </a:tabLst>
-                        <a:defRPr sz="4000">
-                          <a:solidFill>
-                            <a:srgbClr val="000000"/>
-                          </a:solidFill>
-                          <a:latin typeface="Tahoma" panose="020B0604030504040204" pitchFamily="34" charset="0"/>
-                          <a:ea typeface="MS PGothic" panose="020B0600070205080204" pitchFamily="34" charset="-128"/>
-                        </a:defRPr>
-                      </a:lvl2pPr>
-                      <a:lvl3pPr>
-                        <a:spcBef>
-                          <a:spcPts val="925"/>
-                        </a:spcBef>
-                        <a:tabLst>
-                          <a:tab pos="0" algn="l"/>
-                          <a:tab pos="447675" algn="l"/>
-                          <a:tab pos="896938" algn="l"/>
-                          <a:tab pos="1346200" algn="l"/>
-                          <a:tab pos="1795463" algn="l"/>
-                          <a:tab pos="2244725" algn="l"/>
-                          <a:tab pos="2693988" algn="l"/>
-                          <a:tab pos="3143250" algn="l"/>
-                          <a:tab pos="3592513" algn="l"/>
-                          <a:tab pos="4041775" algn="l"/>
-                          <a:tab pos="4491038" algn="l"/>
-                          <a:tab pos="4940300" algn="l"/>
-                          <a:tab pos="5389563" algn="l"/>
-                          <a:tab pos="5838825" algn="l"/>
-                          <a:tab pos="6288088" algn="l"/>
-                          <a:tab pos="6737350" algn="l"/>
-                          <a:tab pos="7186613" algn="l"/>
-                          <a:tab pos="7635875" algn="l"/>
-                          <a:tab pos="8085138" algn="l"/>
-                          <a:tab pos="8534400" algn="l"/>
-                          <a:tab pos="8983663" algn="l"/>
-                        </a:tabLst>
-                        <a:defRPr sz="3400">
-                          <a:solidFill>
-                            <a:srgbClr val="000000"/>
-                          </a:solidFill>
-                          <a:latin typeface="Tahoma" panose="020B0604030504040204" pitchFamily="34" charset="0"/>
-                          <a:ea typeface="MS PGothic" panose="020B0600070205080204" pitchFamily="34" charset="-128"/>
-                        </a:defRPr>
-                      </a:lvl3pPr>
-                      <a:lvl4pPr>
-                        <a:spcBef>
-                          <a:spcPts val="775"/>
-                        </a:spcBef>
-                        <a:tabLst>
-                          <a:tab pos="0" algn="l"/>
-                          <a:tab pos="447675" algn="l"/>
-                          <a:tab pos="896938" algn="l"/>
-                          <a:tab pos="1346200" algn="l"/>
-                          <a:tab pos="1795463" algn="l"/>
-                          <a:tab pos="2244725" algn="l"/>
-                          <a:tab pos="2693988" algn="l"/>
-                          <a:tab pos="3143250" algn="l"/>
-                          <a:tab pos="3592513" algn="l"/>
-                          <a:tab pos="4041775" algn="l"/>
-                          <a:tab pos="4491038" algn="l"/>
-                          <a:tab pos="4940300" algn="l"/>
-                          <a:tab pos="5389563" algn="l"/>
-                          <a:tab pos="5838825" algn="l"/>
-                          <a:tab pos="6288088" algn="l"/>
-                          <a:tab pos="6737350" algn="l"/>
-                          <a:tab pos="7186613" algn="l"/>
-                          <a:tab pos="7635875" algn="l"/>
-                          <a:tab pos="8085138" algn="l"/>
-                          <a:tab pos="8534400" algn="l"/>
-                          <a:tab pos="8983663" algn="l"/>
-                        </a:tabLst>
-                        <a:defRPr sz="2700">
-                          <a:solidFill>
-                            <a:srgbClr val="000000"/>
-                          </a:solidFill>
-                          <a:latin typeface="Tahoma" panose="020B0604030504040204" pitchFamily="34" charset="0"/>
-                          <a:ea typeface="MS PGothic" panose="020B0600070205080204" pitchFamily="34" charset="-128"/>
-                        </a:defRPr>
-                      </a:lvl4pPr>
-                      <a:lvl5pPr>
-                        <a:spcBef>
-                          <a:spcPts val="775"/>
-                        </a:spcBef>
-                        <a:tabLst>
-                          <a:tab pos="0" algn="l"/>
-                          <a:tab pos="447675" algn="l"/>
-                          <a:tab pos="896938" algn="l"/>
-                          <a:tab pos="1346200" algn="l"/>
-                          <a:tab pos="1795463" algn="l"/>
-                          <a:tab pos="2244725" algn="l"/>
-                          <a:tab pos="2693988" algn="l"/>
-                          <a:tab pos="3143250" algn="l"/>
-                          <a:tab pos="3592513" algn="l"/>
-                          <a:tab pos="4041775" algn="l"/>
-                          <a:tab pos="4491038" algn="l"/>
-                          <a:tab pos="4940300" algn="l"/>
-                          <a:tab pos="5389563" algn="l"/>
-                          <a:tab pos="5838825" algn="l"/>
-                          <a:tab pos="6288088" algn="l"/>
-                          <a:tab pos="6737350" algn="l"/>
-                          <a:tab pos="7186613" algn="l"/>
-                          <a:tab pos="7635875" algn="l"/>
-                          <a:tab pos="8085138" algn="l"/>
-                          <a:tab pos="8534400" algn="l"/>
-                          <a:tab pos="8983663" algn="l"/>
-                        </a:tabLst>
-                        <a:defRPr sz="2700">
-                          <a:solidFill>
-                            <a:srgbClr val="000000"/>
-                          </a:solidFill>
-                          <a:latin typeface="Tahoma" panose="020B0604030504040204" pitchFamily="34" charset="0"/>
-                          <a:ea typeface="MS PGothic" panose="020B0600070205080204" pitchFamily="34" charset="-128"/>
-                        </a:defRPr>
-                      </a:lvl5pPr>
-                      <a:lvl6pPr marL="2514600" indent="-228600" defTabSz="449263" eaLnBrk="0" fontAlgn="base" hangingPunct="0">
-                        <a:spcBef>
-                          <a:spcPts val="775"/>
-                        </a:spcBef>
-                        <a:spcAft>
-                          <a:spcPct val="0"/>
-                        </a:spcAft>
-                        <a:buClr>
-                          <a:srgbClr val="000000"/>
-                        </a:buClr>
-                        <a:buSzPct val="100000"/>
-                        <a:buFont typeface="Times New Roman" panose="02020603050405020304" pitchFamily="18" charset="0"/>
-                        <a:tabLst>
-                          <a:tab pos="0" algn="l"/>
-                          <a:tab pos="447675" algn="l"/>
-                          <a:tab pos="896938" algn="l"/>
-                          <a:tab pos="1346200" algn="l"/>
-                          <a:tab pos="1795463" algn="l"/>
-                          <a:tab pos="2244725" algn="l"/>
-                          <a:tab pos="2693988" algn="l"/>
-                          <a:tab pos="3143250" algn="l"/>
-                          <a:tab pos="3592513" algn="l"/>
-                          <a:tab pos="4041775" algn="l"/>
-                          <a:tab pos="4491038" algn="l"/>
-                          <a:tab pos="4940300" algn="l"/>
-                          <a:tab pos="5389563" algn="l"/>
-                          <a:tab pos="5838825" algn="l"/>
-                          <a:tab pos="6288088" algn="l"/>
-                          <a:tab pos="6737350" algn="l"/>
-                          <a:tab pos="7186613" algn="l"/>
-                          <a:tab pos="7635875" algn="l"/>
-                          <a:tab pos="8085138" algn="l"/>
-                          <a:tab pos="8534400" algn="l"/>
-                          <a:tab pos="8983663" algn="l"/>
-                        </a:tabLst>
-                        <a:defRPr sz="2700">
-                          <a:solidFill>
-                            <a:srgbClr val="000000"/>
-                          </a:solidFill>
-                          <a:latin typeface="Tahoma" panose="020B0604030504040204" pitchFamily="34" charset="0"/>
-                          <a:ea typeface="MS PGothic" panose="020B0600070205080204" pitchFamily="34" charset="-128"/>
-                        </a:defRPr>
-                      </a:lvl6pPr>
-                      <a:lvl7pPr marL="2971800" indent="-228600" defTabSz="449263" eaLnBrk="0" fontAlgn="base" hangingPunct="0">
-                        <a:spcBef>
-                          <a:spcPts val="775"/>
-                        </a:spcBef>
-                        <a:spcAft>
-                          <a:spcPct val="0"/>
-                        </a:spcAft>
-                        <a:buClr>
-                          <a:srgbClr val="000000"/>
-                        </a:buClr>
-                        <a:buSzPct val="100000"/>
-                        <a:buFont typeface="Times New Roman" panose="02020603050405020304" pitchFamily="18" charset="0"/>
-                        <a:tabLst>
-                          <a:tab pos="0" algn="l"/>
-                          <a:tab pos="447675" algn="l"/>
-                          <a:tab pos="896938" algn="l"/>
-                          <a:tab pos="1346200" algn="l"/>
-                          <a:tab pos="1795463" algn="l"/>
-                          <a:tab pos="2244725" algn="l"/>
-                          <a:tab pos="2693988" algn="l"/>
-                          <a:tab pos="3143250" algn="l"/>
-                          <a:tab pos="3592513" algn="l"/>
-                          <a:tab pos="4041775" algn="l"/>
-                          <a:tab pos="4491038" algn="l"/>
-                          <a:tab pos="4940300" algn="l"/>
-                          <a:tab pos="5389563" algn="l"/>
-                          <a:tab pos="5838825" algn="l"/>
-                          <a:tab pos="6288088" algn="l"/>
-                          <a:tab pos="6737350" algn="l"/>
-                          <a:tab pos="7186613" algn="l"/>
-                          <a:tab pos="7635875" algn="l"/>
-                          <a:tab pos="8085138" algn="l"/>
-                          <a:tab pos="8534400" algn="l"/>
-                          <a:tab pos="8983663" algn="l"/>
-                        </a:tabLst>
-                        <a:defRPr sz="2700">
-                          <a:solidFill>
-                            <a:srgbClr val="000000"/>
-                          </a:solidFill>
-                          <a:latin typeface="Tahoma" panose="020B0604030504040204" pitchFamily="34" charset="0"/>
-                          <a:ea typeface="MS PGothic" panose="020B0600070205080204" pitchFamily="34" charset="-128"/>
-                        </a:defRPr>
-                      </a:lvl7pPr>
-                      <a:lvl8pPr marL="3429000" indent="-228600" defTabSz="449263" eaLnBrk="0" fontAlgn="base" hangingPunct="0">
-                        <a:spcBef>
-                          <a:spcPts val="775"/>
-                        </a:spcBef>
-                        <a:spcAft>
-                          <a:spcPct val="0"/>
-                        </a:spcAft>
-                        <a:buClr>
-                          <a:srgbClr val="000000"/>
-                        </a:buClr>
-                        <a:buSzPct val="100000"/>
-                        <a:buFont typeface="Times New Roman" panose="02020603050405020304" pitchFamily="18" charset="0"/>
-                        <a:tabLst>
-                          <a:tab pos="0" algn="l"/>
-                          <a:tab pos="447675" algn="l"/>
-                          <a:tab pos="896938" algn="l"/>
-                          <a:tab pos="1346200" algn="l"/>
-                          <a:tab pos="1795463" algn="l"/>
-                          <a:tab pos="2244725" algn="l"/>
-                          <a:tab pos="2693988" algn="l"/>
-                          <a:tab pos="3143250" algn="l"/>
-                          <a:tab pos="3592513" algn="l"/>
-                          <a:tab pos="4041775" algn="l"/>
-                          <a:tab pos="4491038" algn="l"/>
-                          <a:tab pos="4940300" algn="l"/>
-                          <a:tab pos="5389563" algn="l"/>
-                          <a:tab pos="5838825" algn="l"/>
-                          <a:tab pos="6288088" algn="l"/>
-                          <a:tab pos="6737350" algn="l"/>
-                          <a:tab pos="7186613" algn="l"/>
-                          <a:tab pos="7635875" algn="l"/>
-                          <a:tab pos="8085138" algn="l"/>
-                          <a:tab pos="8534400" algn="l"/>
-                          <a:tab pos="8983663" algn="l"/>
-                        </a:tabLst>
-                        <a:defRPr sz="2700">
-                          <a:solidFill>
-                            <a:srgbClr val="000000"/>
-                          </a:solidFill>
-                          <a:latin typeface="Tahoma" panose="020B0604030504040204" pitchFamily="34" charset="0"/>
-                          <a:ea typeface="MS PGothic" panose="020B0600070205080204" pitchFamily="34" charset="-128"/>
-                        </a:defRPr>
-                      </a:lvl8pPr>
-                      <a:lvl9pPr marL="3886200" indent="-228600" defTabSz="449263" eaLnBrk="0" fontAlgn="base" hangingPunct="0">
-                        <a:spcBef>
-                          <a:spcPts val="775"/>
-                        </a:spcBef>
-                        <a:spcAft>
-                          <a:spcPct val="0"/>
-                        </a:spcAft>
-                        <a:buClr>
-                          <a:srgbClr val="000000"/>
-                        </a:buClr>
-                        <a:buSzPct val="100000"/>
-                        <a:buFont typeface="Times New Roman" panose="02020603050405020304" pitchFamily="18" charset="0"/>
-                        <a:tabLst>
-                          <a:tab pos="0" algn="l"/>
-                          <a:tab pos="447675" algn="l"/>
-                          <a:tab pos="896938" algn="l"/>
-                          <a:tab pos="1346200" algn="l"/>
-                          <a:tab pos="1795463" algn="l"/>
-                          <a:tab pos="2244725" algn="l"/>
-                          <a:tab pos="2693988" algn="l"/>
-                          <a:tab pos="3143250" algn="l"/>
-                          <a:tab pos="3592513" algn="l"/>
-                          <a:tab pos="4041775" algn="l"/>
-                          <a:tab pos="4491038" algn="l"/>
-                          <a:tab pos="4940300" algn="l"/>
-                          <a:tab pos="5389563" algn="l"/>
-                          <a:tab pos="5838825" algn="l"/>
-                          <a:tab pos="6288088" algn="l"/>
-                          <a:tab pos="6737350" algn="l"/>
-                          <a:tab pos="7186613" algn="l"/>
-                          <a:tab pos="7635875" algn="l"/>
-                          <a:tab pos="8085138" algn="l"/>
-                          <a:tab pos="8534400" algn="l"/>
-                          <a:tab pos="8983663" algn="l"/>
-                        </a:tabLst>
-                        <a:defRPr sz="2700">
-                          <a:solidFill>
-                            <a:srgbClr val="000000"/>
-                          </a:solidFill>
-                          <a:latin typeface="Tahoma" panose="020B0604030504040204" pitchFamily="34" charset="0"/>
-                          <a:ea typeface="MS PGothic" panose="020B0600070205080204" pitchFamily="34" charset="-128"/>
-                        </a:defRPr>
-                      </a:lvl9pPr>
-                    </a:lstStyle>
-                    <a:p>
-                      <a:pPr marL="0" marR="0" lvl="0" indent="0" algn="just" defTabSz="449263" rtl="0" eaLnBrk="1" fontAlgn="base" latinLnBrk="0" hangingPunct="0">
-                        <a:lnSpc>
-                          <a:spcPct val="86000"/>
-                        </a:lnSpc>
-                        <a:spcBef>
-                          <a:spcPct val="0"/>
-                        </a:spcBef>
-                        <a:spcAft>
-                          <a:spcPct val="0"/>
-                        </a:spcAft>
-                        <a:buClrTx/>
-                        <a:buSzPct val="100000"/>
-                        <a:buFontTx/>
-                        <a:buNone/>
-                        <a:tabLst>
-                          <a:tab pos="0" algn="l"/>
-                          <a:tab pos="447675" algn="l"/>
-                          <a:tab pos="896938" algn="l"/>
-                          <a:tab pos="1346200" algn="l"/>
-                          <a:tab pos="1795463" algn="l"/>
-                          <a:tab pos="2244725" algn="l"/>
-                          <a:tab pos="2693988" algn="l"/>
-                          <a:tab pos="3143250" algn="l"/>
-                          <a:tab pos="3592513" algn="l"/>
-                          <a:tab pos="4041775" algn="l"/>
-                          <a:tab pos="4491038" algn="l"/>
-                          <a:tab pos="4940300" algn="l"/>
-                          <a:tab pos="5389563" algn="l"/>
-                          <a:tab pos="5838825" algn="l"/>
-                          <a:tab pos="6288088" algn="l"/>
-                          <a:tab pos="6737350" algn="l"/>
-                          <a:tab pos="7186613" algn="l"/>
-                          <a:tab pos="7635875" algn="l"/>
-                          <a:tab pos="8085138" algn="l"/>
-                          <a:tab pos="8534400" algn="l"/>
-                          <a:tab pos="8983663" algn="l"/>
-                        </a:tabLst>
-                      </a:pPr>
-                      <a:r>
-                        <a:rPr kumimoji="0" lang="pt-BR" altLang="pt-BR" sz="1100" b="0" i="0" u="none" strike="noStrike" cap="none" normalizeH="0" baseline="0" dirty="0">
-                          <a:ln>
-                            <a:noFill/>
-                          </a:ln>
-                          <a:solidFill>
-                            <a:srgbClr val="000000"/>
-                          </a:solidFill>
-                          <a:effectLst/>
-                          <a:latin typeface="Arial" panose="020B0604020202020204" pitchFamily="34" charset="0"/>
-                          <a:ea typeface="MS PGothic" panose="020B0600070205080204" pitchFamily="34" charset="-128"/>
-                          <a:cs typeface="Arial" panose="020B0604020202020204" pitchFamily="34" charset="0"/>
-                        </a:rPr>
-                        <a:t>Deve aparecer uma tela apresentando as categorias.</a:t>
-                      </a:r>
-                    </a:p>
-                  </a:txBody>
-                  <a:tcPr marL="53410" marR="53410" marT="29265" marB="27129" horzOverflow="overflow">
-                    <a:lnL w="720" cap="flat" cmpd="sng" algn="ctr">
-                      <a:solidFill>
-                        <a:srgbClr val="FFFFFF"/>
-                      </a:solidFill>
-                      <a:prstDash val="solid"/>
-                      <a:round/>
-                      <a:headEnd type="none" w="med" len="med"/>
-                      <a:tailEnd type="none" w="med" len="med"/>
-                    </a:lnL>
-                    <a:lnR w="720" cap="flat" cmpd="sng" algn="ctr">
-                      <a:solidFill>
-                        <a:srgbClr val="FFFFFF"/>
-                      </a:solidFill>
-                      <a:prstDash val="solid"/>
-                      <a:round/>
-                      <a:headEnd type="none" w="med" len="med"/>
-                      <a:tailEnd type="none" w="med" len="med"/>
-                    </a:lnR>
-                    <a:lnT w="720" cap="flat" cmpd="sng" algn="ctr">
-                      <a:solidFill>
-                        <a:srgbClr val="FFFFFF"/>
-                      </a:solidFill>
-                      <a:prstDash val="solid"/>
-                      <a:round/>
-                      <a:headEnd type="none" w="med" len="med"/>
-                      <a:tailEnd type="none" w="med" len="med"/>
-                    </a:lnT>
-                    <a:lnB w="720" cap="flat" cmpd="sng" algn="ctr">
-                      <a:solidFill>
-                        <a:srgbClr val="FFFFFF"/>
-                      </a:solidFill>
-                      <a:prstDash val="solid"/>
-                      <a:round/>
-                      <a:headEnd type="none" w="med" len="med"/>
-                      <a:tailEnd type="none" w="med" len="med"/>
-                    </a:lnB>
-                    <a:lnTlToBr>
-                      <a:noFill/>
-                    </a:lnTlToBr>
-                    <a:lnBlToTr>
-                      <a:noFill/>
-                    </a:lnBlToTr>
-                    <a:solidFill>
-                      <a:srgbClr val="CCD1E1"/>
-                    </a:solidFill>
-                  </a:tcPr>
-                </a:tc>
-                <a:extLst>
-                  <a:ext uri="{0D108BD9-81ED-4DB2-BD59-A6C34878D82A}">
-                    <a16:rowId xmlns:a16="http://schemas.microsoft.com/office/drawing/2014/main" val="3894361772"/>
-                  </a:ext>
-                </a:extLst>
-              </a:tr>
-              <a:tr h="613442">
-                <a:tc>
-                  <a:txBody>
-                    <a:bodyPr/>
-                    <a:lstStyle>
-                      <a:lvl1pPr>
-                        <a:spcBef>
-                          <a:spcPts val="1250"/>
-                        </a:spcBef>
-                        <a:tabLst>
-                          <a:tab pos="0" algn="l"/>
-                          <a:tab pos="447675" algn="l"/>
-                          <a:tab pos="896938" algn="l"/>
-                          <a:tab pos="1346200" algn="l"/>
-                          <a:tab pos="1795463" algn="l"/>
-                          <a:tab pos="2244725" algn="l"/>
-                          <a:tab pos="2693988" algn="l"/>
-                          <a:tab pos="3143250" algn="l"/>
-                          <a:tab pos="3592513" algn="l"/>
-                          <a:tab pos="4041775" algn="l"/>
-                          <a:tab pos="4491038" algn="l"/>
-                          <a:tab pos="4940300" algn="l"/>
-                          <a:tab pos="5389563" algn="l"/>
-                          <a:tab pos="5838825" algn="l"/>
-                          <a:tab pos="6288088" algn="l"/>
-                          <a:tab pos="6737350" algn="l"/>
-                          <a:tab pos="7186613" algn="l"/>
-                          <a:tab pos="7635875" algn="l"/>
-                          <a:tab pos="8085138" algn="l"/>
-                          <a:tab pos="8534400" algn="l"/>
-                          <a:tab pos="8983663" algn="l"/>
-                        </a:tabLst>
-                        <a:defRPr sz="4600">
-                          <a:solidFill>
-                            <a:srgbClr val="000000"/>
-                          </a:solidFill>
-                          <a:latin typeface="Tahoma" panose="020B0604030504040204" pitchFamily="34" charset="0"/>
-                          <a:ea typeface="MS PGothic" panose="020B0600070205080204" pitchFamily="34" charset="-128"/>
-                        </a:defRPr>
-                      </a:lvl1pPr>
-                      <a:lvl2pPr>
-                        <a:spcBef>
-                          <a:spcPts val="1088"/>
-                        </a:spcBef>
-                        <a:tabLst>
-                          <a:tab pos="0" algn="l"/>
-                          <a:tab pos="447675" algn="l"/>
-                          <a:tab pos="896938" algn="l"/>
-                          <a:tab pos="1346200" algn="l"/>
-                          <a:tab pos="1795463" algn="l"/>
-                          <a:tab pos="2244725" algn="l"/>
-                          <a:tab pos="2693988" algn="l"/>
-                          <a:tab pos="3143250" algn="l"/>
-                          <a:tab pos="3592513" algn="l"/>
-                          <a:tab pos="4041775" algn="l"/>
-                          <a:tab pos="4491038" algn="l"/>
-                          <a:tab pos="4940300" algn="l"/>
-                          <a:tab pos="5389563" algn="l"/>
-                          <a:tab pos="5838825" algn="l"/>
-                          <a:tab pos="6288088" algn="l"/>
-                          <a:tab pos="6737350" algn="l"/>
-                          <a:tab pos="7186613" algn="l"/>
-                          <a:tab pos="7635875" algn="l"/>
-                          <a:tab pos="8085138" algn="l"/>
-                          <a:tab pos="8534400" algn="l"/>
-                          <a:tab pos="8983663" algn="l"/>
-                        </a:tabLst>
-                        <a:defRPr sz="4000">
-                          <a:solidFill>
-                            <a:srgbClr val="000000"/>
-                          </a:solidFill>
-                          <a:latin typeface="Tahoma" panose="020B0604030504040204" pitchFamily="34" charset="0"/>
-                          <a:ea typeface="MS PGothic" panose="020B0600070205080204" pitchFamily="34" charset="-128"/>
-                        </a:defRPr>
-                      </a:lvl2pPr>
-                      <a:lvl3pPr>
-                        <a:spcBef>
-                          <a:spcPts val="925"/>
-                        </a:spcBef>
-                        <a:tabLst>
-                          <a:tab pos="0" algn="l"/>
-                          <a:tab pos="447675" algn="l"/>
-                          <a:tab pos="896938" algn="l"/>
-                          <a:tab pos="1346200" algn="l"/>
-                          <a:tab pos="1795463" algn="l"/>
-                          <a:tab pos="2244725" algn="l"/>
-                          <a:tab pos="2693988" algn="l"/>
-                          <a:tab pos="3143250" algn="l"/>
-                          <a:tab pos="3592513" algn="l"/>
-                          <a:tab pos="4041775" algn="l"/>
-                          <a:tab pos="4491038" algn="l"/>
-                          <a:tab pos="4940300" algn="l"/>
-                          <a:tab pos="5389563" algn="l"/>
-                          <a:tab pos="5838825" algn="l"/>
-                          <a:tab pos="6288088" algn="l"/>
-                          <a:tab pos="6737350" algn="l"/>
-                          <a:tab pos="7186613" algn="l"/>
-                          <a:tab pos="7635875" algn="l"/>
-                          <a:tab pos="8085138" algn="l"/>
-                          <a:tab pos="8534400" algn="l"/>
-                          <a:tab pos="8983663" algn="l"/>
-                        </a:tabLst>
-                        <a:defRPr sz="3400">
-                          <a:solidFill>
-                            <a:srgbClr val="000000"/>
-                          </a:solidFill>
-                          <a:latin typeface="Tahoma" panose="020B0604030504040204" pitchFamily="34" charset="0"/>
-                          <a:ea typeface="MS PGothic" panose="020B0600070205080204" pitchFamily="34" charset="-128"/>
-                        </a:defRPr>
-                      </a:lvl3pPr>
-                      <a:lvl4pPr>
-                        <a:spcBef>
-                          <a:spcPts val="775"/>
-                        </a:spcBef>
-                        <a:tabLst>
-                          <a:tab pos="0" algn="l"/>
-                          <a:tab pos="447675" algn="l"/>
-                          <a:tab pos="896938" algn="l"/>
-                          <a:tab pos="1346200" algn="l"/>
-                          <a:tab pos="1795463" algn="l"/>
-                          <a:tab pos="2244725" algn="l"/>
-                          <a:tab pos="2693988" algn="l"/>
-                          <a:tab pos="3143250" algn="l"/>
-                          <a:tab pos="3592513" algn="l"/>
-                          <a:tab pos="4041775" algn="l"/>
-                          <a:tab pos="4491038" algn="l"/>
-                          <a:tab pos="4940300" algn="l"/>
-                          <a:tab pos="5389563" algn="l"/>
-                          <a:tab pos="5838825" algn="l"/>
-                          <a:tab pos="6288088" algn="l"/>
-                          <a:tab pos="6737350" algn="l"/>
-                          <a:tab pos="7186613" algn="l"/>
-                          <a:tab pos="7635875" algn="l"/>
-                          <a:tab pos="8085138" algn="l"/>
-                          <a:tab pos="8534400" algn="l"/>
-                          <a:tab pos="8983663" algn="l"/>
-                        </a:tabLst>
-                        <a:defRPr sz="2700">
-                          <a:solidFill>
-                            <a:srgbClr val="000000"/>
-                          </a:solidFill>
-                          <a:latin typeface="Tahoma" panose="020B0604030504040204" pitchFamily="34" charset="0"/>
-                          <a:ea typeface="MS PGothic" panose="020B0600070205080204" pitchFamily="34" charset="-128"/>
-                        </a:defRPr>
-                      </a:lvl4pPr>
-                      <a:lvl5pPr>
-                        <a:spcBef>
-                          <a:spcPts val="775"/>
-                        </a:spcBef>
-                        <a:tabLst>
-                          <a:tab pos="0" algn="l"/>
-                          <a:tab pos="447675" algn="l"/>
-                          <a:tab pos="896938" algn="l"/>
-                          <a:tab pos="1346200" algn="l"/>
-                          <a:tab pos="1795463" algn="l"/>
-                          <a:tab pos="2244725" algn="l"/>
-                          <a:tab pos="2693988" algn="l"/>
-                          <a:tab pos="3143250" algn="l"/>
-                          <a:tab pos="3592513" algn="l"/>
-                          <a:tab pos="4041775" algn="l"/>
-                          <a:tab pos="4491038" algn="l"/>
-                          <a:tab pos="4940300" algn="l"/>
-                          <a:tab pos="5389563" algn="l"/>
-                          <a:tab pos="5838825" algn="l"/>
-                          <a:tab pos="6288088" algn="l"/>
-                          <a:tab pos="6737350" algn="l"/>
-                          <a:tab pos="7186613" algn="l"/>
-                          <a:tab pos="7635875" algn="l"/>
-                          <a:tab pos="8085138" algn="l"/>
-                          <a:tab pos="8534400" algn="l"/>
-                          <a:tab pos="8983663" algn="l"/>
-                        </a:tabLst>
-                        <a:defRPr sz="2700">
-                          <a:solidFill>
-                            <a:srgbClr val="000000"/>
-                          </a:solidFill>
-                          <a:latin typeface="Tahoma" panose="020B0604030504040204" pitchFamily="34" charset="0"/>
-                          <a:ea typeface="MS PGothic" panose="020B0600070205080204" pitchFamily="34" charset="-128"/>
-                        </a:defRPr>
-                      </a:lvl5pPr>
-                      <a:lvl6pPr marL="2514600" indent="-228600" defTabSz="449263" eaLnBrk="0" fontAlgn="base" hangingPunct="0">
-                        <a:spcBef>
-                          <a:spcPts val="775"/>
-                        </a:spcBef>
-                        <a:spcAft>
-                          <a:spcPct val="0"/>
-                        </a:spcAft>
-                        <a:buClr>
-                          <a:srgbClr val="000000"/>
-                        </a:buClr>
-                        <a:buSzPct val="100000"/>
-                        <a:buFont typeface="Times New Roman" panose="02020603050405020304" pitchFamily="18" charset="0"/>
-                        <a:tabLst>
-                          <a:tab pos="0" algn="l"/>
-                          <a:tab pos="447675" algn="l"/>
-                          <a:tab pos="896938" algn="l"/>
-                          <a:tab pos="1346200" algn="l"/>
-                          <a:tab pos="1795463" algn="l"/>
-                          <a:tab pos="2244725" algn="l"/>
-                          <a:tab pos="2693988" algn="l"/>
-                          <a:tab pos="3143250" algn="l"/>
-                          <a:tab pos="3592513" algn="l"/>
-                          <a:tab pos="4041775" algn="l"/>
-                          <a:tab pos="4491038" algn="l"/>
-                          <a:tab pos="4940300" algn="l"/>
-                          <a:tab pos="5389563" algn="l"/>
-                          <a:tab pos="5838825" algn="l"/>
-                          <a:tab pos="6288088" algn="l"/>
-                          <a:tab pos="6737350" algn="l"/>
-                          <a:tab pos="7186613" algn="l"/>
-                          <a:tab pos="7635875" algn="l"/>
-                          <a:tab pos="8085138" algn="l"/>
-                          <a:tab pos="8534400" algn="l"/>
-                          <a:tab pos="8983663" algn="l"/>
-                        </a:tabLst>
-                        <a:defRPr sz="2700">
-                          <a:solidFill>
-                            <a:srgbClr val="000000"/>
-                          </a:solidFill>
-                          <a:latin typeface="Tahoma" panose="020B0604030504040204" pitchFamily="34" charset="0"/>
-                          <a:ea typeface="MS PGothic" panose="020B0600070205080204" pitchFamily="34" charset="-128"/>
-                        </a:defRPr>
-                      </a:lvl6pPr>
-                      <a:lvl7pPr marL="2971800" indent="-228600" defTabSz="449263" eaLnBrk="0" fontAlgn="base" hangingPunct="0">
-                        <a:spcBef>
-                          <a:spcPts val="775"/>
-                        </a:spcBef>
-                        <a:spcAft>
-                          <a:spcPct val="0"/>
-                        </a:spcAft>
-                        <a:buClr>
-                          <a:srgbClr val="000000"/>
-                        </a:buClr>
-                        <a:buSzPct val="100000"/>
-                        <a:buFont typeface="Times New Roman" panose="02020603050405020304" pitchFamily="18" charset="0"/>
-                        <a:tabLst>
-                          <a:tab pos="0" algn="l"/>
-                          <a:tab pos="447675" algn="l"/>
-                          <a:tab pos="896938" algn="l"/>
-                          <a:tab pos="1346200" algn="l"/>
-                          <a:tab pos="1795463" algn="l"/>
-                          <a:tab pos="2244725" algn="l"/>
-                          <a:tab pos="2693988" algn="l"/>
-                          <a:tab pos="3143250" algn="l"/>
-                          <a:tab pos="3592513" algn="l"/>
-                          <a:tab pos="4041775" algn="l"/>
-                          <a:tab pos="4491038" algn="l"/>
-                          <a:tab pos="4940300" algn="l"/>
-                          <a:tab pos="5389563" algn="l"/>
-                          <a:tab pos="5838825" algn="l"/>
-                          <a:tab pos="6288088" algn="l"/>
-                          <a:tab pos="6737350" algn="l"/>
-                          <a:tab pos="7186613" algn="l"/>
-                          <a:tab pos="7635875" algn="l"/>
-                          <a:tab pos="8085138" algn="l"/>
-                          <a:tab pos="8534400" algn="l"/>
-                          <a:tab pos="8983663" algn="l"/>
-                        </a:tabLst>
-                        <a:defRPr sz="2700">
-                          <a:solidFill>
-                            <a:srgbClr val="000000"/>
-                          </a:solidFill>
-                          <a:latin typeface="Tahoma" panose="020B0604030504040204" pitchFamily="34" charset="0"/>
-                          <a:ea typeface="MS PGothic" panose="020B0600070205080204" pitchFamily="34" charset="-128"/>
-                        </a:defRPr>
-                      </a:lvl7pPr>
-                      <a:lvl8pPr marL="3429000" indent="-228600" defTabSz="449263" eaLnBrk="0" fontAlgn="base" hangingPunct="0">
-                        <a:spcBef>
-                          <a:spcPts val="775"/>
-                        </a:spcBef>
-                        <a:spcAft>
-                          <a:spcPct val="0"/>
-                        </a:spcAft>
-                        <a:buClr>
-                          <a:srgbClr val="000000"/>
-                        </a:buClr>
-                        <a:buSzPct val="100000"/>
-                        <a:buFont typeface="Times New Roman" panose="02020603050405020304" pitchFamily="18" charset="0"/>
-                        <a:tabLst>
-                          <a:tab pos="0" algn="l"/>
-                          <a:tab pos="447675" algn="l"/>
-                          <a:tab pos="896938" algn="l"/>
-                          <a:tab pos="1346200" algn="l"/>
-                          <a:tab pos="1795463" algn="l"/>
-                          <a:tab pos="2244725" algn="l"/>
-                          <a:tab pos="2693988" algn="l"/>
-                          <a:tab pos="3143250" algn="l"/>
-                          <a:tab pos="3592513" algn="l"/>
-                          <a:tab pos="4041775" algn="l"/>
-                          <a:tab pos="4491038" algn="l"/>
-                          <a:tab pos="4940300" algn="l"/>
-                          <a:tab pos="5389563" algn="l"/>
-                          <a:tab pos="5838825" algn="l"/>
-                          <a:tab pos="6288088" algn="l"/>
-                          <a:tab pos="6737350" algn="l"/>
-                          <a:tab pos="7186613" algn="l"/>
-                          <a:tab pos="7635875" algn="l"/>
-                          <a:tab pos="8085138" algn="l"/>
-                          <a:tab pos="8534400" algn="l"/>
-                          <a:tab pos="8983663" algn="l"/>
-                        </a:tabLst>
-                        <a:defRPr sz="2700">
-                          <a:solidFill>
-                            <a:srgbClr val="000000"/>
-                          </a:solidFill>
-                          <a:latin typeface="Tahoma" panose="020B0604030504040204" pitchFamily="34" charset="0"/>
-                          <a:ea typeface="MS PGothic" panose="020B0600070205080204" pitchFamily="34" charset="-128"/>
-                        </a:defRPr>
-                      </a:lvl8pPr>
-                      <a:lvl9pPr marL="3886200" indent="-228600" defTabSz="449263" eaLnBrk="0" fontAlgn="base" hangingPunct="0">
-                        <a:spcBef>
-                          <a:spcPts val="775"/>
-                        </a:spcBef>
-                        <a:spcAft>
-                          <a:spcPct val="0"/>
-                        </a:spcAft>
-                        <a:buClr>
-                          <a:srgbClr val="000000"/>
-                        </a:buClr>
-                        <a:buSzPct val="100000"/>
-                        <a:buFont typeface="Times New Roman" panose="02020603050405020304" pitchFamily="18" charset="0"/>
-                        <a:tabLst>
-                          <a:tab pos="0" algn="l"/>
-                          <a:tab pos="447675" algn="l"/>
-                          <a:tab pos="896938" algn="l"/>
-                          <a:tab pos="1346200" algn="l"/>
-                          <a:tab pos="1795463" algn="l"/>
-                          <a:tab pos="2244725" algn="l"/>
-                          <a:tab pos="2693988" algn="l"/>
-                          <a:tab pos="3143250" algn="l"/>
-                          <a:tab pos="3592513" algn="l"/>
-                          <a:tab pos="4041775" algn="l"/>
-                          <a:tab pos="4491038" algn="l"/>
-                          <a:tab pos="4940300" algn="l"/>
-                          <a:tab pos="5389563" algn="l"/>
-                          <a:tab pos="5838825" algn="l"/>
-                          <a:tab pos="6288088" algn="l"/>
-                          <a:tab pos="6737350" algn="l"/>
-                          <a:tab pos="7186613" algn="l"/>
-                          <a:tab pos="7635875" algn="l"/>
-                          <a:tab pos="8085138" algn="l"/>
-                          <a:tab pos="8534400" algn="l"/>
-                          <a:tab pos="8983663" algn="l"/>
-                        </a:tabLst>
-                        <a:defRPr sz="2700">
-                          <a:solidFill>
-                            <a:srgbClr val="000000"/>
-                          </a:solidFill>
-                          <a:latin typeface="Tahoma" panose="020B0604030504040204" pitchFamily="34" charset="0"/>
-                          <a:ea typeface="MS PGothic" panose="020B0600070205080204" pitchFamily="34" charset="-128"/>
-                        </a:defRPr>
-                      </a:lvl9pPr>
-                    </a:lstStyle>
-                    <a:p>
-                      <a:pPr marL="0" marR="0" lvl="0" indent="0" algn="just" defTabSz="449263" rtl="0" eaLnBrk="1" fontAlgn="base" latinLnBrk="0" hangingPunct="1">
-                        <a:lnSpc>
-                          <a:spcPct val="80000"/>
-                        </a:lnSpc>
-                        <a:spcBef>
-                          <a:spcPct val="0"/>
-                        </a:spcBef>
-                        <a:spcAft>
-                          <a:spcPct val="0"/>
-                        </a:spcAft>
-                        <a:buClrTx/>
-                        <a:buSzPct val="100000"/>
-                        <a:buFontTx/>
-                        <a:buNone/>
-                        <a:tabLst>
-                          <a:tab pos="0" algn="l"/>
-                          <a:tab pos="447675" algn="l"/>
-                          <a:tab pos="896938" algn="l"/>
-                          <a:tab pos="1346200" algn="l"/>
-                          <a:tab pos="1795463" algn="l"/>
-                          <a:tab pos="2244725" algn="l"/>
-                          <a:tab pos="2693988" algn="l"/>
-                          <a:tab pos="3143250" algn="l"/>
-                          <a:tab pos="3592513" algn="l"/>
-                          <a:tab pos="4041775" algn="l"/>
-                          <a:tab pos="4491038" algn="l"/>
-                          <a:tab pos="4940300" algn="l"/>
-                          <a:tab pos="5389563" algn="l"/>
-                          <a:tab pos="5838825" algn="l"/>
-                          <a:tab pos="6288088" algn="l"/>
-                          <a:tab pos="6737350" algn="l"/>
-                          <a:tab pos="7186613" algn="l"/>
-                          <a:tab pos="7635875" algn="l"/>
-                          <a:tab pos="8085138" algn="l"/>
-                          <a:tab pos="8534400" algn="l"/>
-                          <a:tab pos="8983663" algn="l"/>
-                        </a:tabLst>
-                      </a:pPr>
-                      <a:r>
-                        <a:rPr kumimoji="0" lang="pt-BR" altLang="pt-BR" sz="1100" b="0" i="0" u="none" strike="noStrike" cap="none" normalizeH="0" baseline="0" dirty="0">
-                          <a:ln>
-                            <a:noFill/>
-                          </a:ln>
-                          <a:solidFill>
-                            <a:srgbClr val="000000"/>
-                          </a:solidFill>
-                          <a:effectLst/>
-                          <a:latin typeface="Arial" panose="020B0604020202020204" pitchFamily="34" charset="0"/>
-                          <a:ea typeface="MS PGothic" panose="020B0600070205080204" pitchFamily="34" charset="-128"/>
-                          <a:cs typeface="Arial" panose="020B0604020202020204" pitchFamily="34" charset="0"/>
-                        </a:rPr>
-                        <a:t>2. Selecionar a categoria e finalizar o procedimento escolhendo “Buscar”.</a:t>
-                      </a:r>
-                    </a:p>
-                  </a:txBody>
-                  <a:tcPr marL="53410" marR="53410" marT="29265" marB="27129" horzOverflow="overflow">
-                    <a:lnL w="720" cap="flat" cmpd="sng" algn="ctr">
-                      <a:solidFill>
-                        <a:srgbClr val="FFFFFF"/>
-                      </a:solidFill>
-                      <a:prstDash val="solid"/>
-                      <a:round/>
-                      <a:headEnd type="none" w="med" len="med"/>
-                      <a:tailEnd type="none" w="med" len="med"/>
-                    </a:lnL>
-                    <a:lnR w="720" cap="flat" cmpd="sng" algn="ctr">
-                      <a:solidFill>
-                        <a:srgbClr val="FFFFFF"/>
-                      </a:solidFill>
-                      <a:prstDash val="solid"/>
-                      <a:round/>
-                      <a:headEnd type="none" w="med" len="med"/>
-                      <a:tailEnd type="none" w="med" len="med"/>
-                    </a:lnR>
-                    <a:lnT w="720" cap="flat" cmpd="sng" algn="ctr">
-                      <a:solidFill>
-                        <a:srgbClr val="FFFFFF"/>
-                      </a:solidFill>
-                      <a:prstDash val="solid"/>
-                      <a:round/>
-                      <a:headEnd type="none" w="med" len="med"/>
-                      <a:tailEnd type="none" w="med" len="med"/>
-                    </a:lnT>
-                    <a:lnB w="720" cap="flat" cmpd="sng" algn="ctr">
-                      <a:solidFill>
-                        <a:srgbClr val="FFFFFF"/>
-                      </a:solidFill>
-                      <a:prstDash val="solid"/>
-                      <a:round/>
-                      <a:headEnd type="none" w="med" len="med"/>
-                      <a:tailEnd type="none" w="med" len="med"/>
-                    </a:lnB>
-                    <a:lnTlToBr>
-                      <a:noFill/>
-                    </a:lnTlToBr>
-                    <a:lnBlToTr>
-                      <a:noFill/>
-                    </a:lnBlToTr>
-                    <a:solidFill>
-                      <a:srgbClr val="CCD1E1"/>
-                    </a:solidFill>
-                  </a:tcPr>
-                </a:tc>
-                <a:tc>
-                  <a:txBody>
-                    <a:bodyPr/>
-                    <a:lstStyle>
-                      <a:lvl1pPr>
-                        <a:spcBef>
-                          <a:spcPts val="1250"/>
-                        </a:spcBef>
-                        <a:tabLst>
-                          <a:tab pos="0" algn="l"/>
-                          <a:tab pos="447675" algn="l"/>
-                          <a:tab pos="896938" algn="l"/>
-                          <a:tab pos="1346200" algn="l"/>
-                          <a:tab pos="1795463" algn="l"/>
-                          <a:tab pos="2244725" algn="l"/>
-                          <a:tab pos="2693988" algn="l"/>
-                          <a:tab pos="3143250" algn="l"/>
-                          <a:tab pos="3592513" algn="l"/>
-                          <a:tab pos="4041775" algn="l"/>
-                          <a:tab pos="4491038" algn="l"/>
-                          <a:tab pos="4940300" algn="l"/>
-                          <a:tab pos="5389563" algn="l"/>
-                          <a:tab pos="5838825" algn="l"/>
-                          <a:tab pos="6288088" algn="l"/>
-                          <a:tab pos="6737350" algn="l"/>
-                          <a:tab pos="7186613" algn="l"/>
-                          <a:tab pos="7635875" algn="l"/>
-                          <a:tab pos="8085138" algn="l"/>
-                          <a:tab pos="8534400" algn="l"/>
-                          <a:tab pos="8983663" algn="l"/>
-                        </a:tabLst>
-                        <a:defRPr sz="4600">
-                          <a:solidFill>
-                            <a:srgbClr val="000000"/>
-                          </a:solidFill>
-                          <a:latin typeface="Tahoma" panose="020B0604030504040204" pitchFamily="34" charset="0"/>
-                          <a:ea typeface="MS PGothic" panose="020B0600070205080204" pitchFamily="34" charset="-128"/>
-                        </a:defRPr>
-                      </a:lvl1pPr>
-                      <a:lvl2pPr>
-                        <a:spcBef>
-                          <a:spcPts val="1088"/>
-                        </a:spcBef>
-                        <a:tabLst>
-                          <a:tab pos="0" algn="l"/>
-                          <a:tab pos="447675" algn="l"/>
-                          <a:tab pos="896938" algn="l"/>
-                          <a:tab pos="1346200" algn="l"/>
-                          <a:tab pos="1795463" algn="l"/>
-                          <a:tab pos="2244725" algn="l"/>
-                          <a:tab pos="2693988" algn="l"/>
-                          <a:tab pos="3143250" algn="l"/>
-                          <a:tab pos="3592513" algn="l"/>
-                          <a:tab pos="4041775" algn="l"/>
-                          <a:tab pos="4491038" algn="l"/>
-                          <a:tab pos="4940300" algn="l"/>
-                          <a:tab pos="5389563" algn="l"/>
-                          <a:tab pos="5838825" algn="l"/>
-                          <a:tab pos="6288088" algn="l"/>
-                          <a:tab pos="6737350" algn="l"/>
-                          <a:tab pos="7186613" algn="l"/>
-                          <a:tab pos="7635875" algn="l"/>
-                          <a:tab pos="8085138" algn="l"/>
-                          <a:tab pos="8534400" algn="l"/>
-                          <a:tab pos="8983663" algn="l"/>
-                        </a:tabLst>
-                        <a:defRPr sz="4000">
-                          <a:solidFill>
-                            <a:srgbClr val="000000"/>
-                          </a:solidFill>
-                          <a:latin typeface="Tahoma" panose="020B0604030504040204" pitchFamily="34" charset="0"/>
-                          <a:ea typeface="MS PGothic" panose="020B0600070205080204" pitchFamily="34" charset="-128"/>
-                        </a:defRPr>
-                      </a:lvl2pPr>
-                      <a:lvl3pPr>
-                        <a:spcBef>
-                          <a:spcPts val="925"/>
-                        </a:spcBef>
-                        <a:tabLst>
-                          <a:tab pos="0" algn="l"/>
-                          <a:tab pos="447675" algn="l"/>
-                          <a:tab pos="896938" algn="l"/>
-                          <a:tab pos="1346200" algn="l"/>
-                          <a:tab pos="1795463" algn="l"/>
-                          <a:tab pos="2244725" algn="l"/>
-                          <a:tab pos="2693988" algn="l"/>
-                          <a:tab pos="3143250" algn="l"/>
-                          <a:tab pos="3592513" algn="l"/>
-                          <a:tab pos="4041775" algn="l"/>
-                          <a:tab pos="4491038" algn="l"/>
-                          <a:tab pos="4940300" algn="l"/>
-                          <a:tab pos="5389563" algn="l"/>
-                          <a:tab pos="5838825" algn="l"/>
-                          <a:tab pos="6288088" algn="l"/>
-                          <a:tab pos="6737350" algn="l"/>
-                          <a:tab pos="7186613" algn="l"/>
-                          <a:tab pos="7635875" algn="l"/>
-                          <a:tab pos="8085138" algn="l"/>
-                          <a:tab pos="8534400" algn="l"/>
-                          <a:tab pos="8983663" algn="l"/>
-                        </a:tabLst>
-                        <a:defRPr sz="3400">
-                          <a:solidFill>
-                            <a:srgbClr val="000000"/>
-                          </a:solidFill>
-                          <a:latin typeface="Tahoma" panose="020B0604030504040204" pitchFamily="34" charset="0"/>
-                          <a:ea typeface="MS PGothic" panose="020B0600070205080204" pitchFamily="34" charset="-128"/>
-                        </a:defRPr>
-                      </a:lvl3pPr>
-                      <a:lvl4pPr>
-                        <a:spcBef>
-                          <a:spcPts val="775"/>
-                        </a:spcBef>
-                        <a:tabLst>
-                          <a:tab pos="0" algn="l"/>
-                          <a:tab pos="447675" algn="l"/>
-                          <a:tab pos="896938" algn="l"/>
-                          <a:tab pos="1346200" algn="l"/>
-                          <a:tab pos="1795463" algn="l"/>
-                          <a:tab pos="2244725" algn="l"/>
-                          <a:tab pos="2693988" algn="l"/>
-                          <a:tab pos="3143250" algn="l"/>
-                          <a:tab pos="3592513" algn="l"/>
-                          <a:tab pos="4041775" algn="l"/>
-                          <a:tab pos="4491038" algn="l"/>
-                          <a:tab pos="4940300" algn="l"/>
-                          <a:tab pos="5389563" algn="l"/>
-                          <a:tab pos="5838825" algn="l"/>
-                          <a:tab pos="6288088" algn="l"/>
-                          <a:tab pos="6737350" algn="l"/>
-                          <a:tab pos="7186613" algn="l"/>
-                          <a:tab pos="7635875" algn="l"/>
-                          <a:tab pos="8085138" algn="l"/>
-                          <a:tab pos="8534400" algn="l"/>
-                          <a:tab pos="8983663" algn="l"/>
-                        </a:tabLst>
-                        <a:defRPr sz="2700">
-                          <a:solidFill>
-                            <a:srgbClr val="000000"/>
-                          </a:solidFill>
-                          <a:latin typeface="Tahoma" panose="020B0604030504040204" pitchFamily="34" charset="0"/>
-                          <a:ea typeface="MS PGothic" panose="020B0600070205080204" pitchFamily="34" charset="-128"/>
-                        </a:defRPr>
-                      </a:lvl4pPr>
-                      <a:lvl5pPr>
-                        <a:spcBef>
-                          <a:spcPts val="775"/>
-                        </a:spcBef>
-                        <a:tabLst>
-                          <a:tab pos="0" algn="l"/>
-                          <a:tab pos="447675" algn="l"/>
-                          <a:tab pos="896938" algn="l"/>
-                          <a:tab pos="1346200" algn="l"/>
-                          <a:tab pos="1795463" algn="l"/>
-                          <a:tab pos="2244725" algn="l"/>
-                          <a:tab pos="2693988" algn="l"/>
-                          <a:tab pos="3143250" algn="l"/>
-                          <a:tab pos="3592513" algn="l"/>
-                          <a:tab pos="4041775" algn="l"/>
-                          <a:tab pos="4491038" algn="l"/>
-                          <a:tab pos="4940300" algn="l"/>
-                          <a:tab pos="5389563" algn="l"/>
-                          <a:tab pos="5838825" algn="l"/>
-                          <a:tab pos="6288088" algn="l"/>
-                          <a:tab pos="6737350" algn="l"/>
-                          <a:tab pos="7186613" algn="l"/>
-                          <a:tab pos="7635875" algn="l"/>
-                          <a:tab pos="8085138" algn="l"/>
-                          <a:tab pos="8534400" algn="l"/>
-                          <a:tab pos="8983663" algn="l"/>
-                        </a:tabLst>
-                        <a:defRPr sz="2700">
-                          <a:solidFill>
-                            <a:srgbClr val="000000"/>
-                          </a:solidFill>
-                          <a:latin typeface="Tahoma" panose="020B0604030504040204" pitchFamily="34" charset="0"/>
-                          <a:ea typeface="MS PGothic" panose="020B0600070205080204" pitchFamily="34" charset="-128"/>
-                        </a:defRPr>
-                      </a:lvl5pPr>
-                      <a:lvl6pPr marL="2514600" indent="-228600" defTabSz="449263" eaLnBrk="0" fontAlgn="base" hangingPunct="0">
-                        <a:spcBef>
-                          <a:spcPts val="775"/>
-                        </a:spcBef>
-                        <a:spcAft>
-                          <a:spcPct val="0"/>
-                        </a:spcAft>
-                        <a:buClr>
-                          <a:srgbClr val="000000"/>
-                        </a:buClr>
-                        <a:buSzPct val="100000"/>
-                        <a:buFont typeface="Times New Roman" panose="02020603050405020304" pitchFamily="18" charset="0"/>
-                        <a:tabLst>
-                          <a:tab pos="0" algn="l"/>
-                          <a:tab pos="447675" algn="l"/>
-                          <a:tab pos="896938" algn="l"/>
-                          <a:tab pos="1346200" algn="l"/>
-                          <a:tab pos="1795463" algn="l"/>
-                          <a:tab pos="2244725" algn="l"/>
-                          <a:tab pos="2693988" algn="l"/>
-                          <a:tab pos="3143250" algn="l"/>
-                          <a:tab pos="3592513" algn="l"/>
-                          <a:tab pos="4041775" algn="l"/>
-                          <a:tab pos="4491038" algn="l"/>
-                          <a:tab pos="4940300" algn="l"/>
-                          <a:tab pos="5389563" algn="l"/>
-                          <a:tab pos="5838825" algn="l"/>
-                          <a:tab pos="6288088" algn="l"/>
-                          <a:tab pos="6737350" algn="l"/>
-                          <a:tab pos="7186613" algn="l"/>
-                          <a:tab pos="7635875" algn="l"/>
-                          <a:tab pos="8085138" algn="l"/>
-                          <a:tab pos="8534400" algn="l"/>
-                          <a:tab pos="8983663" algn="l"/>
-                        </a:tabLst>
-                        <a:defRPr sz="2700">
-                          <a:solidFill>
-                            <a:srgbClr val="000000"/>
-                          </a:solidFill>
-                          <a:latin typeface="Tahoma" panose="020B0604030504040204" pitchFamily="34" charset="0"/>
-                          <a:ea typeface="MS PGothic" panose="020B0600070205080204" pitchFamily="34" charset="-128"/>
-                        </a:defRPr>
-                      </a:lvl6pPr>
-                      <a:lvl7pPr marL="2971800" indent="-228600" defTabSz="449263" eaLnBrk="0" fontAlgn="base" hangingPunct="0">
-                        <a:spcBef>
-                          <a:spcPts val="775"/>
-                        </a:spcBef>
-                        <a:spcAft>
-                          <a:spcPct val="0"/>
-                        </a:spcAft>
-                        <a:buClr>
-                          <a:srgbClr val="000000"/>
-                        </a:buClr>
-                        <a:buSzPct val="100000"/>
-                        <a:buFont typeface="Times New Roman" panose="02020603050405020304" pitchFamily="18" charset="0"/>
-                        <a:tabLst>
-                          <a:tab pos="0" algn="l"/>
-                          <a:tab pos="447675" algn="l"/>
-                          <a:tab pos="896938" algn="l"/>
-                          <a:tab pos="1346200" algn="l"/>
-                          <a:tab pos="1795463" algn="l"/>
-                          <a:tab pos="2244725" algn="l"/>
-                          <a:tab pos="2693988" algn="l"/>
-                          <a:tab pos="3143250" algn="l"/>
-                          <a:tab pos="3592513" algn="l"/>
-                          <a:tab pos="4041775" algn="l"/>
-                          <a:tab pos="4491038" algn="l"/>
-                          <a:tab pos="4940300" algn="l"/>
-                          <a:tab pos="5389563" algn="l"/>
-                          <a:tab pos="5838825" algn="l"/>
-                          <a:tab pos="6288088" algn="l"/>
-                          <a:tab pos="6737350" algn="l"/>
-                          <a:tab pos="7186613" algn="l"/>
-                          <a:tab pos="7635875" algn="l"/>
-                          <a:tab pos="8085138" algn="l"/>
-                          <a:tab pos="8534400" algn="l"/>
-                          <a:tab pos="8983663" algn="l"/>
-                        </a:tabLst>
-                        <a:defRPr sz="2700">
-                          <a:solidFill>
-                            <a:srgbClr val="000000"/>
-                          </a:solidFill>
-                          <a:latin typeface="Tahoma" panose="020B0604030504040204" pitchFamily="34" charset="0"/>
-                          <a:ea typeface="MS PGothic" panose="020B0600070205080204" pitchFamily="34" charset="-128"/>
-                        </a:defRPr>
-                      </a:lvl7pPr>
-                      <a:lvl8pPr marL="3429000" indent="-228600" defTabSz="449263" eaLnBrk="0" fontAlgn="base" hangingPunct="0">
-                        <a:spcBef>
-                          <a:spcPts val="775"/>
-                        </a:spcBef>
-                        <a:spcAft>
-                          <a:spcPct val="0"/>
-                        </a:spcAft>
-                        <a:buClr>
-                          <a:srgbClr val="000000"/>
-                        </a:buClr>
-                        <a:buSzPct val="100000"/>
-                        <a:buFont typeface="Times New Roman" panose="02020603050405020304" pitchFamily="18" charset="0"/>
-                        <a:tabLst>
-                          <a:tab pos="0" algn="l"/>
-                          <a:tab pos="447675" algn="l"/>
-                          <a:tab pos="896938" algn="l"/>
-                          <a:tab pos="1346200" algn="l"/>
-                          <a:tab pos="1795463" algn="l"/>
-                          <a:tab pos="2244725" algn="l"/>
-                          <a:tab pos="2693988" algn="l"/>
-                          <a:tab pos="3143250" algn="l"/>
-                          <a:tab pos="3592513" algn="l"/>
-                          <a:tab pos="4041775" algn="l"/>
-                          <a:tab pos="4491038" algn="l"/>
-                          <a:tab pos="4940300" algn="l"/>
-                          <a:tab pos="5389563" algn="l"/>
-                          <a:tab pos="5838825" algn="l"/>
-                          <a:tab pos="6288088" algn="l"/>
-                          <a:tab pos="6737350" algn="l"/>
-                          <a:tab pos="7186613" algn="l"/>
-                          <a:tab pos="7635875" algn="l"/>
-                          <a:tab pos="8085138" algn="l"/>
-                          <a:tab pos="8534400" algn="l"/>
-                          <a:tab pos="8983663" algn="l"/>
-                        </a:tabLst>
-                        <a:defRPr sz="2700">
-                          <a:solidFill>
-                            <a:srgbClr val="000000"/>
-                          </a:solidFill>
-                          <a:latin typeface="Tahoma" panose="020B0604030504040204" pitchFamily="34" charset="0"/>
-                          <a:ea typeface="MS PGothic" panose="020B0600070205080204" pitchFamily="34" charset="-128"/>
-                        </a:defRPr>
-                      </a:lvl8pPr>
-                      <a:lvl9pPr marL="3886200" indent="-228600" defTabSz="449263" eaLnBrk="0" fontAlgn="base" hangingPunct="0">
-                        <a:spcBef>
-                          <a:spcPts val="775"/>
-                        </a:spcBef>
-                        <a:spcAft>
-                          <a:spcPct val="0"/>
-                        </a:spcAft>
-                        <a:buClr>
-                          <a:srgbClr val="000000"/>
-                        </a:buClr>
-                        <a:buSzPct val="100000"/>
-                        <a:buFont typeface="Times New Roman" panose="02020603050405020304" pitchFamily="18" charset="0"/>
-                        <a:tabLst>
-                          <a:tab pos="0" algn="l"/>
-                          <a:tab pos="447675" algn="l"/>
-                          <a:tab pos="896938" algn="l"/>
-                          <a:tab pos="1346200" algn="l"/>
-                          <a:tab pos="1795463" algn="l"/>
-                          <a:tab pos="2244725" algn="l"/>
-                          <a:tab pos="2693988" algn="l"/>
-                          <a:tab pos="3143250" algn="l"/>
-                          <a:tab pos="3592513" algn="l"/>
-                          <a:tab pos="4041775" algn="l"/>
-                          <a:tab pos="4491038" algn="l"/>
-                          <a:tab pos="4940300" algn="l"/>
-                          <a:tab pos="5389563" algn="l"/>
-                          <a:tab pos="5838825" algn="l"/>
-                          <a:tab pos="6288088" algn="l"/>
-                          <a:tab pos="6737350" algn="l"/>
-                          <a:tab pos="7186613" algn="l"/>
-                          <a:tab pos="7635875" algn="l"/>
-                          <a:tab pos="8085138" algn="l"/>
-                          <a:tab pos="8534400" algn="l"/>
-                          <a:tab pos="8983663" algn="l"/>
-                        </a:tabLst>
-                        <a:defRPr sz="2700">
-                          <a:solidFill>
-                            <a:srgbClr val="000000"/>
-                          </a:solidFill>
-                          <a:latin typeface="Tahoma" panose="020B0604030504040204" pitchFamily="34" charset="0"/>
-                          <a:ea typeface="MS PGothic" panose="020B0600070205080204" pitchFamily="34" charset="-128"/>
-                        </a:defRPr>
-                      </a:lvl9pPr>
-                    </a:lstStyle>
-                    <a:p>
-                      <a:pPr marL="0" marR="0" lvl="0" indent="0" algn="just" defTabSz="449263" rtl="0" eaLnBrk="1" fontAlgn="base" latinLnBrk="0" hangingPunct="1">
-                        <a:lnSpc>
-                          <a:spcPct val="80000"/>
-                        </a:lnSpc>
-                        <a:spcBef>
-                          <a:spcPct val="0"/>
-                        </a:spcBef>
-                        <a:spcAft>
-                          <a:spcPct val="0"/>
-                        </a:spcAft>
-                        <a:buClrTx/>
-                        <a:buSzPct val="100000"/>
-                        <a:buFontTx/>
-                        <a:buNone/>
-                        <a:tabLst>
-                          <a:tab pos="0" algn="l"/>
-                          <a:tab pos="447675" algn="l"/>
-                          <a:tab pos="896938" algn="l"/>
-                          <a:tab pos="1346200" algn="l"/>
-                          <a:tab pos="1795463" algn="l"/>
-                          <a:tab pos="2244725" algn="l"/>
-                          <a:tab pos="2693988" algn="l"/>
-                          <a:tab pos="3143250" algn="l"/>
-                          <a:tab pos="3592513" algn="l"/>
-                          <a:tab pos="4041775" algn="l"/>
-                          <a:tab pos="4491038" algn="l"/>
-                          <a:tab pos="4940300" algn="l"/>
-                          <a:tab pos="5389563" algn="l"/>
-                          <a:tab pos="5838825" algn="l"/>
-                          <a:tab pos="6288088" algn="l"/>
-                          <a:tab pos="6737350" algn="l"/>
-                          <a:tab pos="7186613" algn="l"/>
-                          <a:tab pos="7635875" algn="l"/>
-                          <a:tab pos="8085138" algn="l"/>
-                          <a:tab pos="8534400" algn="l"/>
-                          <a:tab pos="8983663" algn="l"/>
-                        </a:tabLst>
-                      </a:pPr>
-                      <a:r>
-                        <a:rPr kumimoji="0" lang="pt-BR" altLang="pt-BR" sz="1100" b="0" i="0" u="none" strike="noStrike" cap="none" normalizeH="0" baseline="0" dirty="0">
-                          <a:ln>
-                            <a:noFill/>
-                          </a:ln>
-                          <a:solidFill>
-                            <a:srgbClr val="000000"/>
-                          </a:solidFill>
-                          <a:effectLst/>
-                          <a:latin typeface="Arial" panose="020B0604020202020204" pitchFamily="34" charset="0"/>
-                          <a:ea typeface="MS PGothic" panose="020B0600070205080204" pitchFamily="34" charset="-128"/>
-                          <a:cs typeface="Arial" panose="020B0604020202020204" pitchFamily="34" charset="0"/>
-                        </a:rPr>
-                        <a:t>Aparece uma tela com a lista de lançamentos  de determinado categoria informado.</a:t>
-                      </a:r>
-                    </a:p>
-                  </a:txBody>
-                  <a:tcPr marL="53410" marR="53410" marT="29265" marB="27129" horzOverflow="overflow">
-                    <a:lnL w="720" cap="flat" cmpd="sng" algn="ctr">
-                      <a:solidFill>
-                        <a:srgbClr val="FFFFFF"/>
-                      </a:solidFill>
-                      <a:prstDash val="solid"/>
-                      <a:round/>
-                      <a:headEnd type="none" w="med" len="med"/>
-                      <a:tailEnd type="none" w="med" len="med"/>
-                    </a:lnL>
-                    <a:lnR w="720" cap="flat" cmpd="sng" algn="ctr">
-                      <a:solidFill>
-                        <a:srgbClr val="FFFFFF"/>
-                      </a:solidFill>
-                      <a:prstDash val="solid"/>
-                      <a:round/>
-                      <a:headEnd type="none" w="med" len="med"/>
-                      <a:tailEnd type="none" w="med" len="med"/>
-                    </a:lnR>
-                    <a:lnT w="720" cap="flat" cmpd="sng" algn="ctr">
-                      <a:solidFill>
-                        <a:srgbClr val="FFFFFF"/>
-                      </a:solidFill>
-                      <a:prstDash val="solid"/>
-                      <a:round/>
-                      <a:headEnd type="none" w="med" len="med"/>
-                      <a:tailEnd type="none" w="med" len="med"/>
-                    </a:lnT>
-                    <a:lnB w="720" cap="flat" cmpd="sng" algn="ctr">
-                      <a:solidFill>
-                        <a:srgbClr val="FFFFFF"/>
-                      </a:solidFill>
-                      <a:prstDash val="solid"/>
-                      <a:round/>
-                      <a:headEnd type="none" w="med" len="med"/>
-                      <a:tailEnd type="none" w="med" len="med"/>
-                    </a:lnB>
-                    <a:lnTlToBr>
-                      <a:noFill/>
-                    </a:lnTlToBr>
-                    <a:lnBlToTr>
-                      <a:noFill/>
-                    </a:lnBlToTr>
-                    <a:solidFill>
-                      <a:srgbClr val="CCD1E1"/>
-                    </a:solidFill>
-                  </a:tcPr>
-                </a:tc>
-                <a:extLst>
-                  <a:ext uri="{0D108BD9-81ED-4DB2-BD59-A6C34878D82A}">
-                    <a16:rowId xmlns:a16="http://schemas.microsoft.com/office/drawing/2014/main" val="2638381499"/>
                   </a:ext>
                 </a:extLst>
               </a:tr>
